--- a/analysis/Presentation.pptx
+++ b/analysis/Presentation.pptx
@@ -1,29 +1,29 @@
 
 <file path=ppt/presentation.xml><?xml version="1.0" encoding="utf-8"?>
-<p:presentation xmlns:a="http://schemas.openxmlformats.org/drawingml/2006/main" xmlns:r="http://schemas.openxmlformats.org/officeDocument/2006/relationships" xmlns:mc="http://schemas.openxmlformats.org/markup-compatibility/2006" xmlns:mv="urn:schemas-microsoft-com:mac:vml" xmlns:p="http://schemas.openxmlformats.org/presentationml/2006/main" xmlns:c="http://schemas.openxmlformats.org/drawingml/2006/chart" xmlns:dgm="http://schemas.openxmlformats.org/drawingml/2006/diagram" xmlns:o="urn:schemas-microsoft-com:office:office" xmlns:v="urn:schemas-microsoft-com:vml" xmlns:pvml="urn:schemas-microsoft-com:office:powerpoint" xmlns:com="http://schemas.openxmlformats.org/drawingml/2006/compatibility" xmlns:p14="http://schemas.microsoft.com/office/powerpoint/2010/main" xmlns:p15="http://schemas.microsoft.com/office/powerpoint/2012/main" autoCompressPictures="0" strictFirstAndLastChars="0" saveSubsetFonts="1">
+<p:presentation xmlns:a="http://schemas.openxmlformats.org/drawingml/2006/main" xmlns:r="http://schemas.openxmlformats.org/officeDocument/2006/relationships" xmlns:p="http://schemas.openxmlformats.org/presentationml/2006/main" strictFirstAndLastChars="0" saveSubsetFonts="1" autoCompressPictures="0">
   <p:sldMasterIdLst>
-    <p:sldMasterId id="2147483659" r:id="rId4"/>
+    <p:sldMasterId id="2147483659" r:id="rId1"/>
   </p:sldMasterIdLst>
   <p:notesMasterIdLst>
-    <p:notesMasterId r:id="rId5"/>
+    <p:notesMasterId r:id="rId13"/>
   </p:notesMasterIdLst>
   <p:sldIdLst>
-    <p:sldId id="256" r:id="rId6"/>
-    <p:sldId id="257" r:id="rId7"/>
-    <p:sldId id="258" r:id="rId8"/>
-    <p:sldId id="259" r:id="rId9"/>
-    <p:sldId id="260" r:id="rId10"/>
-    <p:sldId id="261" r:id="rId11"/>
-    <p:sldId id="262" r:id="rId12"/>
-    <p:sldId id="263" r:id="rId13"/>
-    <p:sldId id="264" r:id="rId14"/>
-    <p:sldId id="265" r:id="rId15"/>
-    <p:sldId id="266" r:id="rId16"/>
+    <p:sldId id="256" r:id="rId2"/>
+    <p:sldId id="257" r:id="rId3"/>
+    <p:sldId id="258" r:id="rId4"/>
+    <p:sldId id="259" r:id="rId5"/>
+    <p:sldId id="260" r:id="rId6"/>
+    <p:sldId id="261" r:id="rId7"/>
+    <p:sldId id="262" r:id="rId8"/>
+    <p:sldId id="263" r:id="rId9"/>
+    <p:sldId id="264" r:id="rId10"/>
+    <p:sldId id="265" r:id="rId11"/>
+    <p:sldId id="266" r:id="rId12"/>
   </p:sldIdLst>
-  <p:sldSz cy="5143500" cx="9144000"/>
+  <p:sldSz cx="9144000" cy="5143500" type="screen16x9"/>
   <p:notesSz cx="6858000" cy="9144000"/>
   <p:defaultTextStyle>
-    <a:defPPr lvl="0" marR="0" rtl="0" algn="l">
+    <a:defPPr marR="0" lvl="0" algn="l" rtl="0">
       <a:lnSpc>
         <a:spcPct val="100000"/>
       </a:lnSpc>
@@ -34,7 +34,7 @@
         <a:spcPts val="0"/>
       </a:spcAft>
     </a:defPPr>
-    <a:lvl1pPr lvl="0" marR="0" rtl="0" algn="l">
+    <a:lvl1pPr marR="0" lvl="0" algn="l" rtl="0">
       <a:lnSpc>
         <a:spcPct val="100000"/>
       </a:lnSpc>
@@ -48,7 +48,7 @@
         <a:srgbClr val="000000"/>
       </a:buClr>
       <a:buFont typeface="Arial"/>
-      <a:defRPr b="0" i="0" sz="1400" u="none" cap="none" strike="noStrike">
+      <a:defRPr sz="1400" b="0" i="0" u="none" strike="noStrike" cap="none">
         <a:solidFill>
           <a:srgbClr val="000000"/>
         </a:solidFill>
@@ -58,7 +58,7 @@
         <a:sym typeface="Arial"/>
       </a:defRPr>
     </a:lvl1pPr>
-    <a:lvl2pPr lvl="1" marR="0" rtl="0" algn="l">
+    <a:lvl2pPr marR="0" lvl="1" algn="l" rtl="0">
       <a:lnSpc>
         <a:spcPct val="100000"/>
       </a:lnSpc>
@@ -72,7 +72,7 @@
         <a:srgbClr val="000000"/>
       </a:buClr>
       <a:buFont typeface="Arial"/>
-      <a:defRPr b="0" i="0" sz="1400" u="none" cap="none" strike="noStrike">
+      <a:defRPr sz="1400" b="0" i="0" u="none" strike="noStrike" cap="none">
         <a:solidFill>
           <a:srgbClr val="000000"/>
         </a:solidFill>
@@ -82,7 +82,7 @@
         <a:sym typeface="Arial"/>
       </a:defRPr>
     </a:lvl2pPr>
-    <a:lvl3pPr lvl="2" marR="0" rtl="0" algn="l">
+    <a:lvl3pPr marR="0" lvl="2" algn="l" rtl="0">
       <a:lnSpc>
         <a:spcPct val="100000"/>
       </a:lnSpc>
@@ -96,7 +96,7 @@
         <a:srgbClr val="000000"/>
       </a:buClr>
       <a:buFont typeface="Arial"/>
-      <a:defRPr b="0" i="0" sz="1400" u="none" cap="none" strike="noStrike">
+      <a:defRPr sz="1400" b="0" i="0" u="none" strike="noStrike" cap="none">
         <a:solidFill>
           <a:srgbClr val="000000"/>
         </a:solidFill>
@@ -106,7 +106,7 @@
         <a:sym typeface="Arial"/>
       </a:defRPr>
     </a:lvl3pPr>
-    <a:lvl4pPr lvl="3" marR="0" rtl="0" algn="l">
+    <a:lvl4pPr marR="0" lvl="3" algn="l" rtl="0">
       <a:lnSpc>
         <a:spcPct val="100000"/>
       </a:lnSpc>
@@ -120,7 +120,7 @@
         <a:srgbClr val="000000"/>
       </a:buClr>
       <a:buFont typeface="Arial"/>
-      <a:defRPr b="0" i="0" sz="1400" u="none" cap="none" strike="noStrike">
+      <a:defRPr sz="1400" b="0" i="0" u="none" strike="noStrike" cap="none">
         <a:solidFill>
           <a:srgbClr val="000000"/>
         </a:solidFill>
@@ -130,7 +130,7 @@
         <a:sym typeface="Arial"/>
       </a:defRPr>
     </a:lvl4pPr>
-    <a:lvl5pPr lvl="4" marR="0" rtl="0" algn="l">
+    <a:lvl5pPr marR="0" lvl="4" algn="l" rtl="0">
       <a:lnSpc>
         <a:spcPct val="100000"/>
       </a:lnSpc>
@@ -144,7 +144,7 @@
         <a:srgbClr val="000000"/>
       </a:buClr>
       <a:buFont typeface="Arial"/>
-      <a:defRPr b="0" i="0" sz="1400" u="none" cap="none" strike="noStrike">
+      <a:defRPr sz="1400" b="0" i="0" u="none" strike="noStrike" cap="none">
         <a:solidFill>
           <a:srgbClr val="000000"/>
         </a:solidFill>
@@ -154,7 +154,7 @@
         <a:sym typeface="Arial"/>
       </a:defRPr>
     </a:lvl5pPr>
-    <a:lvl6pPr lvl="5" marR="0" rtl="0" algn="l">
+    <a:lvl6pPr marR="0" lvl="5" algn="l" rtl="0">
       <a:lnSpc>
         <a:spcPct val="100000"/>
       </a:lnSpc>
@@ -168,7 +168,7 @@
         <a:srgbClr val="000000"/>
       </a:buClr>
       <a:buFont typeface="Arial"/>
-      <a:defRPr b="0" i="0" sz="1400" u="none" cap="none" strike="noStrike">
+      <a:defRPr sz="1400" b="0" i="0" u="none" strike="noStrike" cap="none">
         <a:solidFill>
           <a:srgbClr val="000000"/>
         </a:solidFill>
@@ -178,7 +178,7 @@
         <a:sym typeface="Arial"/>
       </a:defRPr>
     </a:lvl6pPr>
-    <a:lvl7pPr lvl="6" marR="0" rtl="0" algn="l">
+    <a:lvl7pPr marR="0" lvl="6" algn="l" rtl="0">
       <a:lnSpc>
         <a:spcPct val="100000"/>
       </a:lnSpc>
@@ -192,7 +192,7 @@
         <a:srgbClr val="000000"/>
       </a:buClr>
       <a:buFont typeface="Arial"/>
-      <a:defRPr b="0" i="0" sz="1400" u="none" cap="none" strike="noStrike">
+      <a:defRPr sz="1400" b="0" i="0" u="none" strike="noStrike" cap="none">
         <a:solidFill>
           <a:srgbClr val="000000"/>
         </a:solidFill>
@@ -202,7 +202,7 @@
         <a:sym typeface="Arial"/>
       </a:defRPr>
     </a:lvl7pPr>
-    <a:lvl8pPr lvl="7" marR="0" rtl="0" algn="l">
+    <a:lvl8pPr marR="0" lvl="7" algn="l" rtl="0">
       <a:lnSpc>
         <a:spcPct val="100000"/>
       </a:lnSpc>
@@ -216,7 +216,7 @@
         <a:srgbClr val="000000"/>
       </a:buClr>
       <a:buFont typeface="Arial"/>
-      <a:defRPr b="0" i="0" sz="1400" u="none" cap="none" strike="noStrike">
+      <a:defRPr sz="1400" b="0" i="0" u="none" strike="noStrike" cap="none">
         <a:solidFill>
           <a:srgbClr val="000000"/>
         </a:solidFill>
@@ -226,7 +226,7 @@
         <a:sym typeface="Arial"/>
       </a:defRPr>
     </a:lvl8pPr>
-    <a:lvl9pPr lvl="8" marR="0" rtl="0" algn="l">
+    <a:lvl9pPr marR="0" lvl="8" algn="l" rtl="0">
       <a:lnSpc>
         <a:spcPct val="100000"/>
       </a:lnSpc>
@@ -240,7 +240,7 @@
         <a:srgbClr val="000000"/>
       </a:buClr>
       <a:buFont typeface="Arial"/>
-      <a:defRPr b="0" i="0" sz="1400" u="none" cap="none" strike="noStrike">
+      <a:defRPr sz="1400" b="0" i="0" u="none" strike="noStrike" cap="none">
         <a:solidFill>
           <a:srgbClr val="000000"/>
         </a:solidFill>
@@ -253,7 +253,7 @@
   </p:defaultTextStyle>
   <p:extLst>
     <p:ext uri="{EFAFB233-063F-42B5-8137-9DF3F51BA10A}">
-      <p15:sldGuideLst>
+      <p15:sldGuideLst xmlns:p15="http://schemas.microsoft.com/office/powerpoint/2012/main">
         <p15:guide id="1" orient="horz" pos="1620">
           <p15:clr>
             <a:srgbClr val="A4A3A4"/>
@@ -271,11 +271,16 @@
 </file>
 
 <file path=ppt/notesMasters/notesMaster1.xml><?xml version="1.0" encoding="utf-8"?>
-<p:notesMaster xmlns:a="http://schemas.openxmlformats.org/drawingml/2006/main" xmlns:r="http://schemas.openxmlformats.org/officeDocument/2006/relationships" xmlns:mc="http://schemas.openxmlformats.org/markup-compatibility/2006" xmlns:mv="urn:schemas-microsoft-com:mac:vml" xmlns:p="http://schemas.openxmlformats.org/presentationml/2006/main" xmlns:c="http://schemas.openxmlformats.org/drawingml/2006/chart" xmlns:dgm="http://schemas.openxmlformats.org/drawingml/2006/diagram" xmlns:o="urn:schemas-microsoft-com:office:office" xmlns:v="urn:schemas-microsoft-com:vml" xmlns:pvml="urn:schemas-microsoft-com:office:powerpoint" xmlns:com="http://schemas.openxmlformats.org/drawingml/2006/compatibility" xmlns:p14="http://schemas.microsoft.com/office/powerpoint/2010/main" xmlns:p15="http://schemas.microsoft.com/office/powerpoint/2012/main">
+<p:notesMaster xmlns:a="http://schemas.openxmlformats.org/drawingml/2006/main" xmlns:r="http://schemas.openxmlformats.org/officeDocument/2006/relationships" xmlns:p="http://schemas.openxmlformats.org/presentationml/2006/main">
   <p:cSld>
+    <p:bg>
+      <p:bgRef idx="1001">
+        <a:schemeClr val="bg1"/>
+      </p:bgRef>
+    </p:bg>
     <p:spTree>
       <p:nvGrpSpPr>
-        <p:cNvPr id="2" name="Shape 2"/>
+        <p:cNvPr id="1" name="Shape 2"/>
         <p:cNvGrpSpPr/>
         <p:nvPr/>
       </p:nvGrpSpPr>
@@ -290,9 +295,11 @@
       <p:sp>
         <p:nvSpPr>
           <p:cNvPr id="3" name="Google Shape;3;n"/>
-          <p:cNvSpPr/>
+          <p:cNvSpPr>
+            <a:spLocks noGrp="1" noRot="1" noChangeAspect="1"/>
+          </p:cNvSpPr>
           <p:nvPr>
-            <p:ph idx="2" type="sldImg"/>
+            <p:ph type="sldImg" idx="2"/>
           </p:nvPr>
         </p:nvSpPr>
         <p:spPr>
@@ -301,9 +308,13 @@
             <a:ext cx="6096075" cy="3429000"/>
           </a:xfrm>
           <a:custGeom>
-            <a:rect b="b" l="l" r="r" t="t"/>
+            <a:avLst/>
+            <a:gdLst/>
+            <a:ahLst/>
+            <a:cxnLst/>
+            <a:rect l="l" t="t" r="r" b="b"/>
             <a:pathLst>
-              <a:path extrusionOk="0" h="120000" w="120000">
+              <a:path w="120000" h="120000" extrusionOk="0">
                 <a:moveTo>
                   <a:pt x="0" y="0"/>
                 </a:moveTo>
@@ -321,23 +332,25 @@
             </a:pathLst>
           </a:custGeom>
           <a:noFill/>
-          <a:ln cap="flat" cmpd="sng" w="9525">
+          <a:ln w="9525" cap="flat" cmpd="sng">
             <a:solidFill>
               <a:srgbClr val="000000"/>
             </a:solidFill>
             <a:prstDash val="solid"/>
             <a:round/>
-            <a:headEnd len="sm" w="sm" type="none"/>
-            <a:tailEnd len="sm" w="sm" type="none"/>
+            <a:headEnd type="none" w="sm" len="sm"/>
+            <a:tailEnd type="none" w="sm" len="sm"/>
           </a:ln>
         </p:spPr>
       </p:sp>
       <p:sp>
         <p:nvSpPr>
           <p:cNvPr id="4" name="Google Shape;4;n"/>
-          <p:cNvSpPr txBox="1"/>
+          <p:cNvSpPr txBox="1">
+            <a:spLocks noGrp="1"/>
+          </p:cNvSpPr>
           <p:nvPr>
-            <p:ph idx="1" type="body"/>
+            <p:ph type="body" idx="1"/>
           </p:nvPr>
         </p:nvSpPr>
         <p:spPr>
@@ -354,11 +367,11 @@
           </a:ln>
         </p:spPr>
         <p:txBody>
-          <a:bodyPr anchorCtr="0" anchor="t" bIns="91425" lIns="91425" spcFirstLastPara="1" rIns="91425" wrap="square" tIns="91425">
+          <a:bodyPr spcFirstLastPara="1" wrap="square" lIns="91425" tIns="91425" rIns="91425" bIns="91425" anchor="t" anchorCtr="0">
             <a:noAutofit/>
           </a:bodyPr>
           <a:lstStyle>
-            <a:lvl1pPr indent="-298450" lvl="0" marL="457200">
+            <a:lvl1pPr marL="457200" lvl="0" indent="-298450">
               <a:spcBef>
                 <a:spcPts val="0"/>
               </a:spcBef>
@@ -369,7 +382,7 @@
               <a:buChar char="●"/>
               <a:defRPr sz="1100"/>
             </a:lvl1pPr>
-            <a:lvl2pPr indent="-298450" lvl="1" marL="914400">
+            <a:lvl2pPr marL="914400" lvl="1" indent="-298450">
               <a:spcBef>
                 <a:spcPts val="0"/>
               </a:spcBef>
@@ -380,7 +393,7 @@
               <a:buChar char="○"/>
               <a:defRPr sz="1100"/>
             </a:lvl2pPr>
-            <a:lvl3pPr indent="-298450" lvl="2" marL="1371600">
+            <a:lvl3pPr marL="1371600" lvl="2" indent="-298450">
               <a:spcBef>
                 <a:spcPts val="0"/>
               </a:spcBef>
@@ -391,7 +404,7 @@
               <a:buChar char="■"/>
               <a:defRPr sz="1100"/>
             </a:lvl3pPr>
-            <a:lvl4pPr indent="-298450" lvl="3" marL="1828800">
+            <a:lvl4pPr marL="1828800" lvl="3" indent="-298450">
               <a:spcBef>
                 <a:spcPts val="0"/>
               </a:spcBef>
@@ -402,7 +415,7 @@
               <a:buChar char="●"/>
               <a:defRPr sz="1100"/>
             </a:lvl4pPr>
-            <a:lvl5pPr indent="-298450" lvl="4" marL="2286000">
+            <a:lvl5pPr marL="2286000" lvl="4" indent="-298450">
               <a:spcBef>
                 <a:spcPts val="0"/>
               </a:spcBef>
@@ -413,7 +426,7 @@
               <a:buChar char="○"/>
               <a:defRPr sz="1100"/>
             </a:lvl5pPr>
-            <a:lvl6pPr indent="-298450" lvl="5" marL="2743200">
+            <a:lvl6pPr marL="2743200" lvl="5" indent="-298450">
               <a:spcBef>
                 <a:spcPts val="0"/>
               </a:spcBef>
@@ -424,7 +437,7 @@
               <a:buChar char="■"/>
               <a:defRPr sz="1100"/>
             </a:lvl6pPr>
-            <a:lvl7pPr indent="-298450" lvl="6" marL="3200400">
+            <a:lvl7pPr marL="3200400" lvl="6" indent="-298450">
               <a:spcBef>
                 <a:spcPts val="0"/>
               </a:spcBef>
@@ -435,7 +448,7 @@
               <a:buChar char="●"/>
               <a:defRPr sz="1100"/>
             </a:lvl7pPr>
-            <a:lvl8pPr indent="-298450" lvl="7" marL="3657600">
+            <a:lvl8pPr marL="3657600" lvl="7" indent="-298450">
               <a:spcBef>
                 <a:spcPts val="0"/>
               </a:spcBef>
@@ -446,7 +459,7 @@
               <a:buChar char="○"/>
               <a:defRPr sz="1100"/>
             </a:lvl8pPr>
-            <a:lvl9pPr indent="-298450" lvl="8" marL="4114800">
+            <a:lvl9pPr marL="4114800" lvl="8" indent="-298450">
               <a:spcBef>
                 <a:spcPts val="0"/>
               </a:spcBef>
@@ -458,14 +471,16 @@
               <a:defRPr sz="1100"/>
             </a:lvl9pPr>
           </a:lstStyle>
-          <a:p/>
+          <a:p>
+            <a:endParaRPr/>
+          </a:p>
         </p:txBody>
       </p:sp>
     </p:spTree>
   </p:cSld>
-  <p:clrMap accent1="accent1" accent2="accent2" accent3="accent3" accent4="accent4" accent5="accent5" accent6="accent6" bg1="lt1" bg2="dk2" tx1="dk1" tx2="lt2" folHlink="folHlink" hlink="hlink"/>
+  <p:clrMap bg1="lt1" tx1="dk1" bg2="dk2" tx2="lt2" accent1="accent1" accent2="accent2" accent3="accent3" accent4="accent4" accent5="accent5" accent6="accent6" hlink="hlink" folHlink="folHlink"/>
   <p:notesStyle>
-    <a:defPPr lvl="0" marR="0" rtl="0" algn="l">
+    <a:defPPr marR="0" lvl="0" algn="l" rtl="0">
       <a:lnSpc>
         <a:spcPct val="100000"/>
       </a:lnSpc>
@@ -476,7 +491,7 @@
         <a:spcPts val="0"/>
       </a:spcAft>
     </a:defPPr>
-    <a:lvl1pPr lvl="0" marR="0" rtl="0" algn="l">
+    <a:lvl1pPr marR="0" lvl="0" algn="l" rtl="0">
       <a:lnSpc>
         <a:spcPct val="100000"/>
       </a:lnSpc>
@@ -490,7 +505,7 @@
         <a:srgbClr val="000000"/>
       </a:buClr>
       <a:buFont typeface="Arial"/>
-      <a:defRPr b="0" i="0" sz="1400" u="none" cap="none" strike="noStrike">
+      <a:defRPr sz="1400" b="0" i="0" u="none" strike="noStrike" cap="none">
         <a:solidFill>
           <a:srgbClr val="000000"/>
         </a:solidFill>
@@ -500,7 +515,7 @@
         <a:sym typeface="Arial"/>
       </a:defRPr>
     </a:lvl1pPr>
-    <a:lvl2pPr lvl="1" marR="0" rtl="0" algn="l">
+    <a:lvl2pPr marR="0" lvl="1" algn="l" rtl="0">
       <a:lnSpc>
         <a:spcPct val="100000"/>
       </a:lnSpc>
@@ -514,7 +529,7 @@
         <a:srgbClr val="000000"/>
       </a:buClr>
       <a:buFont typeface="Arial"/>
-      <a:defRPr b="0" i="0" sz="1400" u="none" cap="none" strike="noStrike">
+      <a:defRPr sz="1400" b="0" i="0" u="none" strike="noStrike" cap="none">
         <a:solidFill>
           <a:srgbClr val="000000"/>
         </a:solidFill>
@@ -524,7 +539,7 @@
         <a:sym typeface="Arial"/>
       </a:defRPr>
     </a:lvl2pPr>
-    <a:lvl3pPr lvl="2" marR="0" rtl="0" algn="l">
+    <a:lvl3pPr marR="0" lvl="2" algn="l" rtl="0">
       <a:lnSpc>
         <a:spcPct val="100000"/>
       </a:lnSpc>
@@ -538,7 +553,7 @@
         <a:srgbClr val="000000"/>
       </a:buClr>
       <a:buFont typeface="Arial"/>
-      <a:defRPr b="0" i="0" sz="1400" u="none" cap="none" strike="noStrike">
+      <a:defRPr sz="1400" b="0" i="0" u="none" strike="noStrike" cap="none">
         <a:solidFill>
           <a:srgbClr val="000000"/>
         </a:solidFill>
@@ -548,7 +563,7 @@
         <a:sym typeface="Arial"/>
       </a:defRPr>
     </a:lvl3pPr>
-    <a:lvl4pPr lvl="3" marR="0" rtl="0" algn="l">
+    <a:lvl4pPr marR="0" lvl="3" algn="l" rtl="0">
       <a:lnSpc>
         <a:spcPct val="100000"/>
       </a:lnSpc>
@@ -562,7 +577,7 @@
         <a:srgbClr val="000000"/>
       </a:buClr>
       <a:buFont typeface="Arial"/>
-      <a:defRPr b="0" i="0" sz="1400" u="none" cap="none" strike="noStrike">
+      <a:defRPr sz="1400" b="0" i="0" u="none" strike="noStrike" cap="none">
         <a:solidFill>
           <a:srgbClr val="000000"/>
         </a:solidFill>
@@ -572,7 +587,7 @@
         <a:sym typeface="Arial"/>
       </a:defRPr>
     </a:lvl4pPr>
-    <a:lvl5pPr lvl="4" marR="0" rtl="0" algn="l">
+    <a:lvl5pPr marR="0" lvl="4" algn="l" rtl="0">
       <a:lnSpc>
         <a:spcPct val="100000"/>
       </a:lnSpc>
@@ -586,7 +601,7 @@
         <a:srgbClr val="000000"/>
       </a:buClr>
       <a:buFont typeface="Arial"/>
-      <a:defRPr b="0" i="0" sz="1400" u="none" cap="none" strike="noStrike">
+      <a:defRPr sz="1400" b="0" i="0" u="none" strike="noStrike" cap="none">
         <a:solidFill>
           <a:srgbClr val="000000"/>
         </a:solidFill>
@@ -596,7 +611,7 @@
         <a:sym typeface="Arial"/>
       </a:defRPr>
     </a:lvl5pPr>
-    <a:lvl6pPr lvl="5" marR="0" rtl="0" algn="l">
+    <a:lvl6pPr marR="0" lvl="5" algn="l" rtl="0">
       <a:lnSpc>
         <a:spcPct val="100000"/>
       </a:lnSpc>
@@ -610,7 +625,7 @@
         <a:srgbClr val="000000"/>
       </a:buClr>
       <a:buFont typeface="Arial"/>
-      <a:defRPr b="0" i="0" sz="1400" u="none" cap="none" strike="noStrike">
+      <a:defRPr sz="1400" b="0" i="0" u="none" strike="noStrike" cap="none">
         <a:solidFill>
           <a:srgbClr val="000000"/>
         </a:solidFill>
@@ -620,7 +635,7 @@
         <a:sym typeface="Arial"/>
       </a:defRPr>
     </a:lvl6pPr>
-    <a:lvl7pPr lvl="6" marR="0" rtl="0" algn="l">
+    <a:lvl7pPr marR="0" lvl="6" algn="l" rtl="0">
       <a:lnSpc>
         <a:spcPct val="100000"/>
       </a:lnSpc>
@@ -634,7 +649,7 @@
         <a:srgbClr val="000000"/>
       </a:buClr>
       <a:buFont typeface="Arial"/>
-      <a:defRPr b="0" i="0" sz="1400" u="none" cap="none" strike="noStrike">
+      <a:defRPr sz="1400" b="0" i="0" u="none" strike="noStrike" cap="none">
         <a:solidFill>
           <a:srgbClr val="000000"/>
         </a:solidFill>
@@ -644,7 +659,7 @@
         <a:sym typeface="Arial"/>
       </a:defRPr>
     </a:lvl7pPr>
-    <a:lvl8pPr lvl="7" marR="0" rtl="0" algn="l">
+    <a:lvl8pPr marR="0" lvl="7" algn="l" rtl="0">
       <a:lnSpc>
         <a:spcPct val="100000"/>
       </a:lnSpc>
@@ -658,7 +673,7 @@
         <a:srgbClr val="000000"/>
       </a:buClr>
       <a:buFont typeface="Arial"/>
-      <a:defRPr b="0" i="0" sz="1400" u="none" cap="none" strike="noStrike">
+      <a:defRPr sz="1400" b="0" i="0" u="none" strike="noStrike" cap="none">
         <a:solidFill>
           <a:srgbClr val="000000"/>
         </a:solidFill>
@@ -668,7 +683,7 @@
         <a:sym typeface="Arial"/>
       </a:defRPr>
     </a:lvl8pPr>
-    <a:lvl9pPr lvl="8" marR="0" rtl="0" algn="l">
+    <a:lvl9pPr marR="0" lvl="8" algn="l" rtl="0">
       <a:lnSpc>
         <a:spcPct val="100000"/>
       </a:lnSpc>
@@ -682,7 +697,7 @@
         <a:srgbClr val="000000"/>
       </a:buClr>
       <a:buFont typeface="Arial"/>
-      <a:defRPr b="0" i="0" sz="1400" u="none" cap="none" strike="noStrike">
+      <a:defRPr sz="1400" b="0" i="0" u="none" strike="noStrike" cap="none">
         <a:solidFill>
           <a:srgbClr val="000000"/>
         </a:solidFill>
@@ -697,11 +712,11 @@
 </file>
 
 <file path=ppt/notesSlides/notesSlide1.xml><?xml version="1.0" encoding="utf-8"?>
-<p:notes xmlns:a="http://schemas.openxmlformats.org/drawingml/2006/main" xmlns:r="http://schemas.openxmlformats.org/officeDocument/2006/relationships" xmlns:mc="http://schemas.openxmlformats.org/markup-compatibility/2006" xmlns:mv="urn:schemas-microsoft-com:mac:vml" xmlns:p="http://schemas.openxmlformats.org/presentationml/2006/main" xmlns:c="http://schemas.openxmlformats.org/drawingml/2006/chart" xmlns:dgm="http://schemas.openxmlformats.org/drawingml/2006/diagram" xmlns:o="urn:schemas-microsoft-com:office:office" xmlns:v="urn:schemas-microsoft-com:vml" xmlns:pvml="urn:schemas-microsoft-com:office:powerpoint" xmlns:com="http://schemas.openxmlformats.org/drawingml/2006/compatibility" xmlns:p14="http://schemas.microsoft.com/office/powerpoint/2010/main" xmlns:p15="http://schemas.microsoft.com/office/powerpoint/2012/main" showMasterPhAnim="0" showMasterSp="0">
+<p:notes xmlns:a="http://schemas.openxmlformats.org/drawingml/2006/main" xmlns:r="http://schemas.openxmlformats.org/officeDocument/2006/relationships" xmlns:p="http://schemas.openxmlformats.org/presentationml/2006/main" showMasterSp="0" showMasterPhAnim="0">
   <p:cSld>
     <p:spTree>
       <p:nvGrpSpPr>
-        <p:cNvPr id="50" name="Shape 50"/>
+        <p:cNvPr id="1" name="Shape 50"/>
         <p:cNvGrpSpPr/>
         <p:nvPr/>
       </p:nvGrpSpPr>
@@ -716,9 +731,11 @@
       <p:sp>
         <p:nvSpPr>
           <p:cNvPr id="51" name="Google Shape;51;p:notes"/>
-          <p:cNvSpPr/>
+          <p:cNvSpPr>
+            <a:spLocks noGrp="1" noRot="1" noChangeAspect="1"/>
+          </p:cNvSpPr>
           <p:nvPr>
-            <p:ph idx="2" type="sldImg"/>
+            <p:ph type="sldImg" idx="2"/>
           </p:nvPr>
         </p:nvSpPr>
         <p:spPr>
@@ -727,9 +744,13 @@
             <a:ext cx="6096075" cy="3429000"/>
           </a:xfrm>
           <a:custGeom>
-            <a:rect b="b" l="l" r="r" t="t"/>
+            <a:avLst/>
+            <a:gdLst/>
+            <a:ahLst/>
+            <a:cxnLst/>
+            <a:rect l="l" t="t" r="r" b="b"/>
             <a:pathLst>
-              <a:path extrusionOk="0" h="120000" w="120000">
+              <a:path w="120000" h="120000" extrusionOk="0">
                 <a:moveTo>
                   <a:pt x="0" y="0"/>
                 </a:moveTo>
@@ -751,9 +772,11 @@
       <p:sp>
         <p:nvSpPr>
           <p:cNvPr id="52" name="Google Shape;52;p:notes"/>
-          <p:cNvSpPr txBox="1"/>
+          <p:cNvSpPr txBox="1">
+            <a:spLocks noGrp="1"/>
+          </p:cNvSpPr>
           <p:nvPr>
-            <p:ph idx="1" type="body"/>
+            <p:ph type="body" idx="1"/>
           </p:nvPr>
         </p:nvSpPr>
         <p:spPr>
@@ -766,12 +789,12 @@
           </a:prstGeom>
         </p:spPr>
         <p:txBody>
-          <a:bodyPr anchorCtr="0" anchor="t" bIns="91425" lIns="91425" spcFirstLastPara="1" rIns="91425" wrap="square" tIns="91425">
+          <a:bodyPr spcFirstLastPara="1" wrap="square" lIns="91425" tIns="91425" rIns="91425" bIns="91425" anchor="t" anchorCtr="0">
             <a:noAutofit/>
           </a:bodyPr>
           <a:lstStyle/>
           <a:p>
-            <a:pPr indent="0" lvl="0" marL="0" rtl="0" algn="l">
+            <a:pPr marL="0" lvl="0" indent="0" algn="l" rtl="0">
               <a:spcBef>
                 <a:spcPts val="0"/>
               </a:spcBef>
@@ -780,9 +803,6 @@
               </a:spcAft>
               <a:buNone/>
             </a:pPr>
-            <a:r>
-              <a:t/>
-            </a:r>
             <a:endParaRPr/>
           </a:p>
         </p:txBody>
@@ -796,11 +816,11 @@
 </file>
 
 <file path=ppt/notesSlides/notesSlide10.xml><?xml version="1.0" encoding="utf-8"?>
-<p:notes xmlns:a="http://schemas.openxmlformats.org/drawingml/2006/main" xmlns:r="http://schemas.openxmlformats.org/officeDocument/2006/relationships" xmlns:mc="http://schemas.openxmlformats.org/markup-compatibility/2006" xmlns:mv="urn:schemas-microsoft-com:mac:vml" xmlns:p="http://schemas.openxmlformats.org/presentationml/2006/main" xmlns:c="http://schemas.openxmlformats.org/drawingml/2006/chart" xmlns:dgm="http://schemas.openxmlformats.org/drawingml/2006/diagram" xmlns:o="urn:schemas-microsoft-com:office:office" xmlns:v="urn:schemas-microsoft-com:vml" xmlns:pvml="urn:schemas-microsoft-com:office:powerpoint" xmlns:com="http://schemas.openxmlformats.org/drawingml/2006/compatibility" xmlns:p14="http://schemas.microsoft.com/office/powerpoint/2010/main" xmlns:p15="http://schemas.microsoft.com/office/powerpoint/2012/main" showMasterPhAnim="0" showMasterSp="0">
+<p:notes xmlns:a="http://schemas.openxmlformats.org/drawingml/2006/main" xmlns:r="http://schemas.openxmlformats.org/officeDocument/2006/relationships" xmlns:p="http://schemas.openxmlformats.org/presentationml/2006/main" showMasterSp="0" showMasterPhAnim="0">
   <p:cSld>
     <p:spTree>
       <p:nvGrpSpPr>
-        <p:cNvPr id="114" name="Shape 114"/>
+        <p:cNvPr id="1" name="Shape 114"/>
         <p:cNvGrpSpPr/>
         <p:nvPr/>
       </p:nvGrpSpPr>
@@ -815,20 +835,26 @@
       <p:sp>
         <p:nvSpPr>
           <p:cNvPr id="115" name="Google Shape;115;g812d63b606_1_48:notes"/>
-          <p:cNvSpPr/>
+          <p:cNvSpPr>
+            <a:spLocks noGrp="1" noRot="1" noChangeAspect="1"/>
+          </p:cNvSpPr>
           <p:nvPr>
-            <p:ph idx="2" type="sldImg"/>
+            <p:ph type="sldImg" idx="2"/>
           </p:nvPr>
         </p:nvSpPr>
         <p:spPr>
           <a:xfrm>
-            <a:off x="381300" y="685800"/>
+            <a:off x="381000" y="685800"/>
             <a:ext cx="6096000" cy="3429000"/>
           </a:xfrm>
           <a:custGeom>
-            <a:rect b="b" l="l" r="r" t="t"/>
+            <a:avLst/>
+            <a:gdLst/>
+            <a:ahLst/>
+            <a:cxnLst/>
+            <a:rect l="l" t="t" r="r" b="b"/>
             <a:pathLst>
-              <a:path extrusionOk="0" h="120000" w="120000">
+              <a:path w="120000" h="120000" extrusionOk="0">
                 <a:moveTo>
                   <a:pt x="0" y="0"/>
                 </a:moveTo>
@@ -850,9 +876,11 @@
       <p:sp>
         <p:nvSpPr>
           <p:cNvPr id="116" name="Google Shape;116;g812d63b606_1_48:notes"/>
-          <p:cNvSpPr txBox="1"/>
+          <p:cNvSpPr txBox="1">
+            <a:spLocks noGrp="1"/>
+          </p:cNvSpPr>
           <p:nvPr>
-            <p:ph idx="1" type="body"/>
+            <p:ph type="body" idx="1"/>
           </p:nvPr>
         </p:nvSpPr>
         <p:spPr>
@@ -865,12 +893,12 @@
           </a:prstGeom>
         </p:spPr>
         <p:txBody>
-          <a:bodyPr anchorCtr="0" anchor="t" bIns="91425" lIns="91425" spcFirstLastPara="1" rIns="91425" wrap="square" tIns="91425">
+          <a:bodyPr spcFirstLastPara="1" wrap="square" lIns="91425" tIns="91425" rIns="91425" bIns="91425" anchor="t" anchorCtr="0">
             <a:noAutofit/>
           </a:bodyPr>
           <a:lstStyle/>
           <a:p>
-            <a:pPr indent="0" lvl="0" marL="0" rtl="0" algn="l">
+            <a:pPr marL="0" lvl="0" indent="0" algn="l" rtl="0">
               <a:spcBef>
                 <a:spcPts val="0"/>
               </a:spcBef>
@@ -879,9 +907,6 @@
               </a:spcAft>
               <a:buNone/>
             </a:pPr>
-            <a:r>
-              <a:t/>
-            </a:r>
             <a:endParaRPr/>
           </a:p>
         </p:txBody>
@@ -895,11 +920,11 @@
 </file>
 
 <file path=ppt/notesSlides/notesSlide11.xml><?xml version="1.0" encoding="utf-8"?>
-<p:notes xmlns:a="http://schemas.openxmlformats.org/drawingml/2006/main" xmlns:r="http://schemas.openxmlformats.org/officeDocument/2006/relationships" xmlns:mc="http://schemas.openxmlformats.org/markup-compatibility/2006" xmlns:mv="urn:schemas-microsoft-com:mac:vml" xmlns:p="http://schemas.openxmlformats.org/presentationml/2006/main" xmlns:c="http://schemas.openxmlformats.org/drawingml/2006/chart" xmlns:dgm="http://schemas.openxmlformats.org/drawingml/2006/diagram" xmlns:o="urn:schemas-microsoft-com:office:office" xmlns:v="urn:schemas-microsoft-com:vml" xmlns:pvml="urn:schemas-microsoft-com:office:powerpoint" xmlns:com="http://schemas.openxmlformats.org/drawingml/2006/compatibility" xmlns:p14="http://schemas.microsoft.com/office/powerpoint/2010/main" xmlns:p15="http://schemas.microsoft.com/office/powerpoint/2012/main" showMasterPhAnim="0" showMasterSp="0">
+<p:notes xmlns:a="http://schemas.openxmlformats.org/drawingml/2006/main" xmlns:r="http://schemas.openxmlformats.org/officeDocument/2006/relationships" xmlns:p="http://schemas.openxmlformats.org/presentationml/2006/main" showMasterSp="0" showMasterPhAnim="0">
   <p:cSld>
     <p:spTree>
       <p:nvGrpSpPr>
-        <p:cNvPr id="122" name="Shape 122"/>
+        <p:cNvPr id="1" name="Shape 122"/>
         <p:cNvGrpSpPr/>
         <p:nvPr/>
       </p:nvGrpSpPr>
@@ -914,9 +939,11 @@
       <p:sp>
         <p:nvSpPr>
           <p:cNvPr id="123" name="Google Shape;123;g812d63b606_0_21:notes"/>
-          <p:cNvSpPr/>
+          <p:cNvSpPr>
+            <a:spLocks noGrp="1" noRot="1" noChangeAspect="1"/>
+          </p:cNvSpPr>
           <p:nvPr>
-            <p:ph idx="2" type="sldImg"/>
+            <p:ph type="sldImg" idx="2"/>
           </p:nvPr>
         </p:nvSpPr>
         <p:spPr>
@@ -925,9 +952,13 @@
             <a:ext cx="6096000" cy="3429000"/>
           </a:xfrm>
           <a:custGeom>
-            <a:rect b="b" l="l" r="r" t="t"/>
+            <a:avLst/>
+            <a:gdLst/>
+            <a:ahLst/>
+            <a:cxnLst/>
+            <a:rect l="l" t="t" r="r" b="b"/>
             <a:pathLst>
-              <a:path extrusionOk="0" h="120000" w="120000">
+              <a:path w="120000" h="120000" extrusionOk="0">
                 <a:moveTo>
                   <a:pt x="0" y="0"/>
                 </a:moveTo>
@@ -949,9 +980,11 @@
       <p:sp>
         <p:nvSpPr>
           <p:cNvPr id="124" name="Google Shape;124;g812d63b606_0_21:notes"/>
-          <p:cNvSpPr txBox="1"/>
+          <p:cNvSpPr txBox="1">
+            <a:spLocks noGrp="1"/>
+          </p:cNvSpPr>
           <p:nvPr>
-            <p:ph idx="1" type="body"/>
+            <p:ph type="body" idx="1"/>
           </p:nvPr>
         </p:nvSpPr>
         <p:spPr>
@@ -964,12 +997,12 @@
           </a:prstGeom>
         </p:spPr>
         <p:txBody>
-          <a:bodyPr anchorCtr="0" anchor="t" bIns="91425" lIns="91425" spcFirstLastPara="1" rIns="91425" wrap="square" tIns="91425">
+          <a:bodyPr spcFirstLastPara="1" wrap="square" lIns="91425" tIns="91425" rIns="91425" bIns="91425" anchor="t" anchorCtr="0">
             <a:noAutofit/>
           </a:bodyPr>
           <a:lstStyle/>
           <a:p>
-            <a:pPr indent="0" lvl="0" marL="0" rtl="0" algn="l">
+            <a:pPr marL="0" lvl="0" indent="0" algn="l" rtl="0">
               <a:spcBef>
                 <a:spcPts val="0"/>
               </a:spcBef>
@@ -978,9 +1011,6 @@
               </a:spcAft>
               <a:buNone/>
             </a:pPr>
-            <a:r>
-              <a:t/>
-            </a:r>
             <a:endParaRPr/>
           </a:p>
         </p:txBody>
@@ -994,11 +1024,11 @@
 </file>
 
 <file path=ppt/notesSlides/notesSlide2.xml><?xml version="1.0" encoding="utf-8"?>
-<p:notes xmlns:a="http://schemas.openxmlformats.org/drawingml/2006/main" xmlns:r="http://schemas.openxmlformats.org/officeDocument/2006/relationships" xmlns:mc="http://schemas.openxmlformats.org/markup-compatibility/2006" xmlns:mv="urn:schemas-microsoft-com:mac:vml" xmlns:p="http://schemas.openxmlformats.org/presentationml/2006/main" xmlns:c="http://schemas.openxmlformats.org/drawingml/2006/chart" xmlns:dgm="http://schemas.openxmlformats.org/drawingml/2006/diagram" xmlns:o="urn:schemas-microsoft-com:office:office" xmlns:v="urn:schemas-microsoft-com:vml" xmlns:pvml="urn:schemas-microsoft-com:office:powerpoint" xmlns:com="http://schemas.openxmlformats.org/drawingml/2006/compatibility" xmlns:p14="http://schemas.microsoft.com/office/powerpoint/2010/main" xmlns:p15="http://schemas.microsoft.com/office/powerpoint/2012/main" showMasterPhAnim="0" showMasterSp="0">
+<p:notes xmlns:a="http://schemas.openxmlformats.org/drawingml/2006/main" xmlns:r="http://schemas.openxmlformats.org/officeDocument/2006/relationships" xmlns:p="http://schemas.openxmlformats.org/presentationml/2006/main" showMasterSp="0" showMasterPhAnim="0">
   <p:cSld>
     <p:spTree>
       <p:nvGrpSpPr>
-        <p:cNvPr id="56" name="Shape 56"/>
+        <p:cNvPr id="1" name="Shape 56"/>
         <p:cNvGrpSpPr/>
         <p:nvPr/>
       </p:nvGrpSpPr>
@@ -1013,9 +1043,11 @@
       <p:sp>
         <p:nvSpPr>
           <p:cNvPr id="57" name="Google Shape;57;g812d63b606_0_6:notes"/>
-          <p:cNvSpPr/>
+          <p:cNvSpPr>
+            <a:spLocks noGrp="1" noRot="1" noChangeAspect="1"/>
+          </p:cNvSpPr>
           <p:nvPr>
-            <p:ph idx="2" type="sldImg"/>
+            <p:ph type="sldImg" idx="2"/>
           </p:nvPr>
         </p:nvSpPr>
         <p:spPr>
@@ -1024,9 +1056,13 @@
             <a:ext cx="6096000" cy="3429000"/>
           </a:xfrm>
           <a:custGeom>
-            <a:rect b="b" l="l" r="r" t="t"/>
+            <a:avLst/>
+            <a:gdLst/>
+            <a:ahLst/>
+            <a:cxnLst/>
+            <a:rect l="l" t="t" r="r" b="b"/>
             <a:pathLst>
-              <a:path extrusionOk="0" h="120000" w="120000">
+              <a:path w="120000" h="120000" extrusionOk="0">
                 <a:moveTo>
                   <a:pt x="0" y="0"/>
                 </a:moveTo>
@@ -1048,9 +1084,11 @@
       <p:sp>
         <p:nvSpPr>
           <p:cNvPr id="58" name="Google Shape;58;g812d63b606_0_6:notes"/>
-          <p:cNvSpPr txBox="1"/>
+          <p:cNvSpPr txBox="1">
+            <a:spLocks noGrp="1"/>
+          </p:cNvSpPr>
           <p:nvPr>
-            <p:ph idx="1" type="body"/>
+            <p:ph type="body" idx="1"/>
           </p:nvPr>
         </p:nvSpPr>
         <p:spPr>
@@ -1063,12 +1101,12 @@
           </a:prstGeom>
         </p:spPr>
         <p:txBody>
-          <a:bodyPr anchorCtr="0" anchor="t" bIns="91425" lIns="91425" spcFirstLastPara="1" rIns="91425" wrap="square" tIns="91425">
+          <a:bodyPr spcFirstLastPara="1" wrap="square" lIns="91425" tIns="91425" rIns="91425" bIns="91425" anchor="t" anchorCtr="0">
             <a:noAutofit/>
           </a:bodyPr>
           <a:lstStyle/>
           <a:p>
-            <a:pPr indent="0" lvl="0" marL="0" rtl="0" algn="l">
+            <a:pPr marL="0" lvl="0" indent="0" algn="l" rtl="0">
               <a:spcBef>
                 <a:spcPts val="0"/>
               </a:spcBef>
@@ -1077,9 +1115,6 @@
               </a:spcAft>
               <a:buNone/>
             </a:pPr>
-            <a:r>
-              <a:t/>
-            </a:r>
             <a:endParaRPr/>
           </a:p>
         </p:txBody>
@@ -1093,11 +1128,11 @@
 </file>
 
 <file path=ppt/notesSlides/notesSlide3.xml><?xml version="1.0" encoding="utf-8"?>
-<p:notes xmlns:a="http://schemas.openxmlformats.org/drawingml/2006/main" xmlns:r="http://schemas.openxmlformats.org/officeDocument/2006/relationships" xmlns:mc="http://schemas.openxmlformats.org/markup-compatibility/2006" xmlns:mv="urn:schemas-microsoft-com:mac:vml" xmlns:p="http://schemas.openxmlformats.org/presentationml/2006/main" xmlns:c="http://schemas.openxmlformats.org/drawingml/2006/chart" xmlns:dgm="http://schemas.openxmlformats.org/drawingml/2006/diagram" xmlns:o="urn:schemas-microsoft-com:office:office" xmlns:v="urn:schemas-microsoft-com:vml" xmlns:pvml="urn:schemas-microsoft-com:office:powerpoint" xmlns:com="http://schemas.openxmlformats.org/drawingml/2006/compatibility" xmlns:p14="http://schemas.microsoft.com/office/powerpoint/2010/main" xmlns:p15="http://schemas.microsoft.com/office/powerpoint/2012/main" showMasterPhAnim="0" showMasterSp="0">
+<p:notes xmlns:a="http://schemas.openxmlformats.org/drawingml/2006/main" xmlns:r="http://schemas.openxmlformats.org/officeDocument/2006/relationships" xmlns:p="http://schemas.openxmlformats.org/presentationml/2006/main" showMasterSp="0" showMasterPhAnim="0">
   <p:cSld>
     <p:spTree>
       <p:nvGrpSpPr>
-        <p:cNvPr id="62" name="Shape 62"/>
+        <p:cNvPr id="1" name="Shape 62"/>
         <p:cNvGrpSpPr/>
         <p:nvPr/>
       </p:nvGrpSpPr>
@@ -1112,9 +1147,11 @@
       <p:sp>
         <p:nvSpPr>
           <p:cNvPr id="63" name="Google Shape;63;g812d63b606_0_26:notes"/>
-          <p:cNvSpPr/>
+          <p:cNvSpPr>
+            <a:spLocks noGrp="1" noRot="1" noChangeAspect="1"/>
+          </p:cNvSpPr>
           <p:nvPr>
-            <p:ph idx="2" type="sldImg"/>
+            <p:ph type="sldImg" idx="2"/>
           </p:nvPr>
         </p:nvSpPr>
         <p:spPr>
@@ -1123,9 +1160,13 @@
             <a:ext cx="6096000" cy="3429000"/>
           </a:xfrm>
           <a:custGeom>
-            <a:rect b="b" l="l" r="r" t="t"/>
+            <a:avLst/>
+            <a:gdLst/>
+            <a:ahLst/>
+            <a:cxnLst/>
+            <a:rect l="l" t="t" r="r" b="b"/>
             <a:pathLst>
-              <a:path extrusionOk="0" h="120000" w="120000">
+              <a:path w="120000" h="120000" extrusionOk="0">
                 <a:moveTo>
                   <a:pt x="0" y="0"/>
                 </a:moveTo>
@@ -1147,9 +1188,11 @@
       <p:sp>
         <p:nvSpPr>
           <p:cNvPr id="64" name="Google Shape;64;g812d63b606_0_26:notes"/>
-          <p:cNvSpPr txBox="1"/>
+          <p:cNvSpPr txBox="1">
+            <a:spLocks noGrp="1"/>
+          </p:cNvSpPr>
           <p:nvPr>
-            <p:ph idx="1" type="body"/>
+            <p:ph type="body" idx="1"/>
           </p:nvPr>
         </p:nvSpPr>
         <p:spPr>
@@ -1162,12 +1205,12 @@
           </a:prstGeom>
         </p:spPr>
         <p:txBody>
-          <a:bodyPr anchorCtr="0" anchor="t" bIns="91425" lIns="91425" spcFirstLastPara="1" rIns="91425" wrap="square" tIns="91425">
+          <a:bodyPr spcFirstLastPara="1" wrap="square" lIns="91425" tIns="91425" rIns="91425" bIns="91425" anchor="t" anchorCtr="0">
             <a:noAutofit/>
           </a:bodyPr>
           <a:lstStyle/>
           <a:p>
-            <a:pPr indent="0" lvl="0" marL="0" rtl="0" algn="l">
+            <a:pPr marL="0" lvl="0" indent="0" algn="l" rtl="0">
               <a:spcBef>
                 <a:spcPts val="0"/>
               </a:spcBef>
@@ -1176,9 +1219,6 @@
               </a:spcAft>
               <a:buNone/>
             </a:pPr>
-            <a:r>
-              <a:t/>
-            </a:r>
             <a:endParaRPr/>
           </a:p>
         </p:txBody>
@@ -1192,11 +1232,11 @@
 </file>
 
 <file path=ppt/notesSlides/notesSlide4.xml><?xml version="1.0" encoding="utf-8"?>
-<p:notes xmlns:a="http://schemas.openxmlformats.org/drawingml/2006/main" xmlns:r="http://schemas.openxmlformats.org/officeDocument/2006/relationships" xmlns:mc="http://schemas.openxmlformats.org/markup-compatibility/2006" xmlns:mv="urn:schemas-microsoft-com:mac:vml" xmlns:p="http://schemas.openxmlformats.org/presentationml/2006/main" xmlns:c="http://schemas.openxmlformats.org/drawingml/2006/chart" xmlns:dgm="http://schemas.openxmlformats.org/drawingml/2006/diagram" xmlns:o="urn:schemas-microsoft-com:office:office" xmlns:v="urn:schemas-microsoft-com:vml" xmlns:pvml="urn:schemas-microsoft-com:office:powerpoint" xmlns:com="http://schemas.openxmlformats.org/drawingml/2006/compatibility" xmlns:p14="http://schemas.microsoft.com/office/powerpoint/2010/main" xmlns:p15="http://schemas.microsoft.com/office/powerpoint/2012/main" showMasterPhAnim="0" showMasterSp="0">
+<p:notes xmlns:a="http://schemas.openxmlformats.org/drawingml/2006/main" xmlns:r="http://schemas.openxmlformats.org/officeDocument/2006/relationships" xmlns:p="http://schemas.openxmlformats.org/presentationml/2006/main" showMasterSp="0" showMasterPhAnim="0">
   <p:cSld>
     <p:spTree>
       <p:nvGrpSpPr>
-        <p:cNvPr id="68" name="Shape 68"/>
+        <p:cNvPr id="1" name="Shape 68"/>
         <p:cNvGrpSpPr/>
         <p:nvPr/>
       </p:nvGrpSpPr>
@@ -1211,9 +1251,11 @@
       <p:sp>
         <p:nvSpPr>
           <p:cNvPr id="69" name="Google Shape;69;g812d63b606_0_11:notes"/>
-          <p:cNvSpPr/>
+          <p:cNvSpPr>
+            <a:spLocks noGrp="1" noRot="1" noChangeAspect="1"/>
+          </p:cNvSpPr>
           <p:nvPr>
-            <p:ph idx="2" type="sldImg"/>
+            <p:ph type="sldImg" idx="2"/>
           </p:nvPr>
         </p:nvSpPr>
         <p:spPr>
@@ -1222,9 +1264,13 @@
             <a:ext cx="6096000" cy="3429000"/>
           </a:xfrm>
           <a:custGeom>
-            <a:rect b="b" l="l" r="r" t="t"/>
+            <a:avLst/>
+            <a:gdLst/>
+            <a:ahLst/>
+            <a:cxnLst/>
+            <a:rect l="l" t="t" r="r" b="b"/>
             <a:pathLst>
-              <a:path extrusionOk="0" h="120000" w="120000">
+              <a:path w="120000" h="120000" extrusionOk="0">
                 <a:moveTo>
                   <a:pt x="0" y="0"/>
                 </a:moveTo>
@@ -1246,9 +1292,11 @@
       <p:sp>
         <p:nvSpPr>
           <p:cNvPr id="70" name="Google Shape;70;g812d63b606_0_11:notes"/>
-          <p:cNvSpPr txBox="1"/>
+          <p:cNvSpPr txBox="1">
+            <a:spLocks noGrp="1"/>
+          </p:cNvSpPr>
           <p:nvPr>
-            <p:ph idx="1" type="body"/>
+            <p:ph type="body" idx="1"/>
           </p:nvPr>
         </p:nvSpPr>
         <p:spPr>
@@ -1261,12 +1309,12 @@
           </a:prstGeom>
         </p:spPr>
         <p:txBody>
-          <a:bodyPr anchorCtr="0" anchor="t" bIns="91425" lIns="91425" spcFirstLastPara="1" rIns="91425" wrap="square" tIns="91425">
+          <a:bodyPr spcFirstLastPara="1" wrap="square" lIns="91425" tIns="91425" rIns="91425" bIns="91425" anchor="t" anchorCtr="0">
             <a:noAutofit/>
           </a:bodyPr>
           <a:lstStyle/>
           <a:p>
-            <a:pPr indent="0" lvl="0" marL="0" rtl="0" algn="l">
+            <a:pPr marL="0" lvl="0" indent="0" algn="l" rtl="0">
               <a:spcBef>
                 <a:spcPts val="0"/>
               </a:spcBef>
@@ -1275,9 +1323,6 @@
               </a:spcAft>
               <a:buNone/>
             </a:pPr>
-            <a:r>
-              <a:t/>
-            </a:r>
             <a:endParaRPr/>
           </a:p>
         </p:txBody>
@@ -1291,11 +1336,11 @@
 </file>
 
 <file path=ppt/notesSlides/notesSlide5.xml><?xml version="1.0" encoding="utf-8"?>
-<p:notes xmlns:a="http://schemas.openxmlformats.org/drawingml/2006/main" xmlns:r="http://schemas.openxmlformats.org/officeDocument/2006/relationships" xmlns:mc="http://schemas.openxmlformats.org/markup-compatibility/2006" xmlns:mv="urn:schemas-microsoft-com:mac:vml" xmlns:p="http://schemas.openxmlformats.org/presentationml/2006/main" xmlns:c="http://schemas.openxmlformats.org/drawingml/2006/chart" xmlns:dgm="http://schemas.openxmlformats.org/drawingml/2006/diagram" xmlns:o="urn:schemas-microsoft-com:office:office" xmlns:v="urn:schemas-microsoft-com:vml" xmlns:pvml="urn:schemas-microsoft-com:office:powerpoint" xmlns:com="http://schemas.openxmlformats.org/drawingml/2006/compatibility" xmlns:p14="http://schemas.microsoft.com/office/powerpoint/2010/main" xmlns:p15="http://schemas.microsoft.com/office/powerpoint/2012/main" showMasterPhAnim="0" showMasterSp="0">
+<p:notes xmlns:a="http://schemas.openxmlformats.org/drawingml/2006/main" xmlns:r="http://schemas.openxmlformats.org/officeDocument/2006/relationships" xmlns:p="http://schemas.openxmlformats.org/presentationml/2006/main" showMasterSp="0" showMasterPhAnim="0">
   <p:cSld>
     <p:spTree>
       <p:nvGrpSpPr>
-        <p:cNvPr id="74" name="Shape 74"/>
+        <p:cNvPr id="1" name="Shape 74"/>
         <p:cNvGrpSpPr/>
         <p:nvPr/>
       </p:nvGrpSpPr>
@@ -1310,20 +1355,26 @@
       <p:sp>
         <p:nvSpPr>
           <p:cNvPr id="75" name="Google Shape;75;g812d63b606_0_16:notes"/>
-          <p:cNvSpPr/>
+          <p:cNvSpPr>
+            <a:spLocks noGrp="1" noRot="1" noChangeAspect="1"/>
+          </p:cNvSpPr>
           <p:nvPr>
-            <p:ph idx="2" type="sldImg"/>
+            <p:ph type="sldImg" idx="2"/>
           </p:nvPr>
         </p:nvSpPr>
         <p:spPr>
           <a:xfrm>
-            <a:off x="381300" y="685800"/>
+            <a:off x="381000" y="685800"/>
             <a:ext cx="6096000" cy="3429000"/>
           </a:xfrm>
           <a:custGeom>
-            <a:rect b="b" l="l" r="r" t="t"/>
+            <a:avLst/>
+            <a:gdLst/>
+            <a:ahLst/>
+            <a:cxnLst/>
+            <a:rect l="l" t="t" r="r" b="b"/>
             <a:pathLst>
-              <a:path extrusionOk="0" h="120000" w="120000">
+              <a:path w="120000" h="120000" extrusionOk="0">
                 <a:moveTo>
                   <a:pt x="0" y="0"/>
                 </a:moveTo>
@@ -1345,9 +1396,11 @@
       <p:sp>
         <p:nvSpPr>
           <p:cNvPr id="76" name="Google Shape;76;g812d63b606_0_16:notes"/>
-          <p:cNvSpPr txBox="1"/>
+          <p:cNvSpPr txBox="1">
+            <a:spLocks noGrp="1"/>
+          </p:cNvSpPr>
           <p:nvPr>
-            <p:ph idx="1" type="body"/>
+            <p:ph type="body" idx="1"/>
           </p:nvPr>
         </p:nvSpPr>
         <p:spPr>
@@ -1360,12 +1413,12 @@
           </a:prstGeom>
         </p:spPr>
         <p:txBody>
-          <a:bodyPr anchorCtr="0" anchor="t" bIns="91425" lIns="91425" spcFirstLastPara="1" rIns="91425" wrap="square" tIns="91425">
+          <a:bodyPr spcFirstLastPara="1" wrap="square" lIns="91425" tIns="91425" rIns="91425" bIns="91425" anchor="t" anchorCtr="0">
             <a:noAutofit/>
           </a:bodyPr>
           <a:lstStyle/>
           <a:p>
-            <a:pPr indent="0" lvl="0" marL="0" rtl="0" algn="l">
+            <a:pPr marL="0" lvl="0" indent="0" algn="l" rtl="0">
               <a:spcBef>
                 <a:spcPts val="0"/>
               </a:spcBef>
@@ -1374,9 +1427,6 @@
               </a:spcAft>
               <a:buNone/>
             </a:pPr>
-            <a:r>
-              <a:t/>
-            </a:r>
             <a:endParaRPr/>
           </a:p>
         </p:txBody>
@@ -1390,11 +1440,11 @@
 </file>
 
 <file path=ppt/notesSlides/notesSlide6.xml><?xml version="1.0" encoding="utf-8"?>
-<p:notes xmlns:a="http://schemas.openxmlformats.org/drawingml/2006/main" xmlns:r="http://schemas.openxmlformats.org/officeDocument/2006/relationships" xmlns:mc="http://schemas.openxmlformats.org/markup-compatibility/2006" xmlns:mv="urn:schemas-microsoft-com:mac:vml" xmlns:p="http://schemas.openxmlformats.org/presentationml/2006/main" xmlns:c="http://schemas.openxmlformats.org/drawingml/2006/chart" xmlns:dgm="http://schemas.openxmlformats.org/drawingml/2006/diagram" xmlns:o="urn:schemas-microsoft-com:office:office" xmlns:v="urn:schemas-microsoft-com:vml" xmlns:pvml="urn:schemas-microsoft-com:office:powerpoint" xmlns:com="http://schemas.openxmlformats.org/drawingml/2006/compatibility" xmlns:p14="http://schemas.microsoft.com/office/powerpoint/2010/main" xmlns:p15="http://schemas.microsoft.com/office/powerpoint/2012/main" showMasterPhAnim="0" showMasterSp="0">
+<p:notes xmlns:a="http://schemas.openxmlformats.org/drawingml/2006/main" xmlns:r="http://schemas.openxmlformats.org/officeDocument/2006/relationships" xmlns:p="http://schemas.openxmlformats.org/presentationml/2006/main" showMasterSp="0" showMasterPhAnim="0">
   <p:cSld>
     <p:spTree>
       <p:nvGrpSpPr>
-        <p:cNvPr id="82" name="Shape 82"/>
+        <p:cNvPr id="1" name="Shape 82"/>
         <p:cNvGrpSpPr/>
         <p:nvPr/>
       </p:nvGrpSpPr>
@@ -1409,20 +1459,26 @@
       <p:sp>
         <p:nvSpPr>
           <p:cNvPr id="83" name="Google Shape;83;g812d63b606_1_1:notes"/>
-          <p:cNvSpPr/>
+          <p:cNvSpPr>
+            <a:spLocks noGrp="1" noRot="1" noChangeAspect="1"/>
+          </p:cNvSpPr>
           <p:nvPr>
-            <p:ph idx="2" type="sldImg"/>
+            <p:ph type="sldImg" idx="2"/>
           </p:nvPr>
         </p:nvSpPr>
         <p:spPr>
           <a:xfrm>
-            <a:off x="381300" y="685800"/>
+            <a:off x="381000" y="685800"/>
             <a:ext cx="6096000" cy="3429000"/>
           </a:xfrm>
           <a:custGeom>
-            <a:rect b="b" l="l" r="r" t="t"/>
+            <a:avLst/>
+            <a:gdLst/>
+            <a:ahLst/>
+            <a:cxnLst/>
+            <a:rect l="l" t="t" r="r" b="b"/>
             <a:pathLst>
-              <a:path extrusionOk="0" h="120000" w="120000">
+              <a:path w="120000" h="120000" extrusionOk="0">
                 <a:moveTo>
                   <a:pt x="0" y="0"/>
                 </a:moveTo>
@@ -1444,9 +1500,11 @@
       <p:sp>
         <p:nvSpPr>
           <p:cNvPr id="84" name="Google Shape;84;g812d63b606_1_1:notes"/>
-          <p:cNvSpPr txBox="1"/>
+          <p:cNvSpPr txBox="1">
+            <a:spLocks noGrp="1"/>
+          </p:cNvSpPr>
           <p:nvPr>
-            <p:ph idx="1" type="body"/>
+            <p:ph type="body" idx="1"/>
           </p:nvPr>
         </p:nvSpPr>
         <p:spPr>
@@ -1459,12 +1517,12 @@
           </a:prstGeom>
         </p:spPr>
         <p:txBody>
-          <a:bodyPr anchorCtr="0" anchor="t" bIns="91425" lIns="91425" spcFirstLastPara="1" rIns="91425" wrap="square" tIns="91425">
+          <a:bodyPr spcFirstLastPara="1" wrap="square" lIns="91425" tIns="91425" rIns="91425" bIns="91425" anchor="t" anchorCtr="0">
             <a:noAutofit/>
           </a:bodyPr>
           <a:lstStyle/>
           <a:p>
-            <a:pPr indent="0" lvl="0" marL="0" rtl="0" algn="l">
+            <a:pPr marL="0" lvl="0" indent="0" algn="l" rtl="0">
               <a:spcBef>
                 <a:spcPts val="0"/>
               </a:spcBef>
@@ -1473,9 +1531,6 @@
               </a:spcAft>
               <a:buNone/>
             </a:pPr>
-            <a:r>
-              <a:t/>
-            </a:r>
             <a:endParaRPr/>
           </a:p>
         </p:txBody>
@@ -1489,11 +1544,11 @@
 </file>
 
 <file path=ppt/notesSlides/notesSlide7.xml><?xml version="1.0" encoding="utf-8"?>
-<p:notes xmlns:a="http://schemas.openxmlformats.org/drawingml/2006/main" xmlns:r="http://schemas.openxmlformats.org/officeDocument/2006/relationships" xmlns:mc="http://schemas.openxmlformats.org/markup-compatibility/2006" xmlns:mv="urn:schemas-microsoft-com:mac:vml" xmlns:p="http://schemas.openxmlformats.org/presentationml/2006/main" xmlns:c="http://schemas.openxmlformats.org/drawingml/2006/chart" xmlns:dgm="http://schemas.openxmlformats.org/drawingml/2006/diagram" xmlns:o="urn:schemas-microsoft-com:office:office" xmlns:v="urn:schemas-microsoft-com:vml" xmlns:pvml="urn:schemas-microsoft-com:office:powerpoint" xmlns:com="http://schemas.openxmlformats.org/drawingml/2006/compatibility" xmlns:p14="http://schemas.microsoft.com/office/powerpoint/2010/main" xmlns:p15="http://schemas.microsoft.com/office/powerpoint/2012/main" showMasterPhAnim="0" showMasterSp="0">
+<p:notes xmlns:a="http://schemas.openxmlformats.org/drawingml/2006/main" xmlns:r="http://schemas.openxmlformats.org/officeDocument/2006/relationships" xmlns:p="http://schemas.openxmlformats.org/presentationml/2006/main" showMasterSp="0" showMasterPhAnim="0">
   <p:cSld>
     <p:spTree>
       <p:nvGrpSpPr>
-        <p:cNvPr id="90" name="Shape 90"/>
+        <p:cNvPr id="1" name="Shape 90"/>
         <p:cNvGrpSpPr/>
         <p:nvPr/>
       </p:nvGrpSpPr>
@@ -1508,20 +1563,26 @@
       <p:sp>
         <p:nvSpPr>
           <p:cNvPr id="91" name="Google Shape;91;g812d63b606_1_21:notes"/>
-          <p:cNvSpPr/>
+          <p:cNvSpPr>
+            <a:spLocks noGrp="1" noRot="1" noChangeAspect="1"/>
+          </p:cNvSpPr>
           <p:nvPr>
-            <p:ph idx="2" type="sldImg"/>
+            <p:ph type="sldImg" idx="2"/>
           </p:nvPr>
         </p:nvSpPr>
         <p:spPr>
           <a:xfrm>
-            <a:off x="381300" y="685800"/>
+            <a:off x="381000" y="685800"/>
             <a:ext cx="6096000" cy="3429000"/>
           </a:xfrm>
           <a:custGeom>
-            <a:rect b="b" l="l" r="r" t="t"/>
+            <a:avLst/>
+            <a:gdLst/>
+            <a:ahLst/>
+            <a:cxnLst/>
+            <a:rect l="l" t="t" r="r" b="b"/>
             <a:pathLst>
-              <a:path extrusionOk="0" h="120000" w="120000">
+              <a:path w="120000" h="120000" extrusionOk="0">
                 <a:moveTo>
                   <a:pt x="0" y="0"/>
                 </a:moveTo>
@@ -1543,9 +1604,11 @@
       <p:sp>
         <p:nvSpPr>
           <p:cNvPr id="92" name="Google Shape;92;g812d63b606_1_21:notes"/>
-          <p:cNvSpPr txBox="1"/>
+          <p:cNvSpPr txBox="1">
+            <a:spLocks noGrp="1"/>
+          </p:cNvSpPr>
           <p:nvPr>
-            <p:ph idx="1" type="body"/>
+            <p:ph type="body" idx="1"/>
           </p:nvPr>
         </p:nvSpPr>
         <p:spPr>
@@ -1558,12 +1621,12 @@
           </a:prstGeom>
         </p:spPr>
         <p:txBody>
-          <a:bodyPr anchorCtr="0" anchor="t" bIns="91425" lIns="91425" spcFirstLastPara="1" rIns="91425" wrap="square" tIns="91425">
+          <a:bodyPr spcFirstLastPara="1" wrap="square" lIns="91425" tIns="91425" rIns="91425" bIns="91425" anchor="t" anchorCtr="0">
             <a:noAutofit/>
           </a:bodyPr>
           <a:lstStyle/>
           <a:p>
-            <a:pPr indent="0" lvl="0" marL="0" rtl="0" algn="l">
+            <a:pPr marL="0" lvl="0" indent="0" algn="l" rtl="0">
               <a:spcBef>
                 <a:spcPts val="0"/>
               </a:spcBef>
@@ -1572,9 +1635,6 @@
               </a:spcAft>
               <a:buNone/>
             </a:pPr>
-            <a:r>
-              <a:t/>
-            </a:r>
             <a:endParaRPr/>
           </a:p>
         </p:txBody>
@@ -1588,11 +1648,11 @@
 </file>
 
 <file path=ppt/notesSlides/notesSlide8.xml><?xml version="1.0" encoding="utf-8"?>
-<p:notes xmlns:a="http://schemas.openxmlformats.org/drawingml/2006/main" xmlns:r="http://schemas.openxmlformats.org/officeDocument/2006/relationships" xmlns:mc="http://schemas.openxmlformats.org/markup-compatibility/2006" xmlns:mv="urn:schemas-microsoft-com:mac:vml" xmlns:p="http://schemas.openxmlformats.org/presentationml/2006/main" xmlns:c="http://schemas.openxmlformats.org/drawingml/2006/chart" xmlns:dgm="http://schemas.openxmlformats.org/drawingml/2006/diagram" xmlns:o="urn:schemas-microsoft-com:office:office" xmlns:v="urn:schemas-microsoft-com:vml" xmlns:pvml="urn:schemas-microsoft-com:office:powerpoint" xmlns:com="http://schemas.openxmlformats.org/drawingml/2006/compatibility" xmlns:p14="http://schemas.microsoft.com/office/powerpoint/2010/main" xmlns:p15="http://schemas.microsoft.com/office/powerpoint/2012/main" showMasterPhAnim="0" showMasterSp="0">
+<p:notes xmlns:a="http://schemas.openxmlformats.org/drawingml/2006/main" xmlns:r="http://schemas.openxmlformats.org/officeDocument/2006/relationships" xmlns:p="http://schemas.openxmlformats.org/presentationml/2006/main" showMasterSp="0" showMasterPhAnim="0">
   <p:cSld>
     <p:spTree>
       <p:nvGrpSpPr>
-        <p:cNvPr id="98" name="Shape 98"/>
+        <p:cNvPr id="1" name="Shape 98"/>
         <p:cNvGrpSpPr/>
         <p:nvPr/>
       </p:nvGrpSpPr>
@@ -1607,20 +1667,26 @@
       <p:sp>
         <p:nvSpPr>
           <p:cNvPr id="99" name="Google Shape;99;g812d63b606_1_30:notes"/>
-          <p:cNvSpPr/>
+          <p:cNvSpPr>
+            <a:spLocks noGrp="1" noRot="1" noChangeAspect="1"/>
+          </p:cNvSpPr>
           <p:nvPr>
-            <p:ph idx="2" type="sldImg"/>
+            <p:ph type="sldImg" idx="2"/>
           </p:nvPr>
         </p:nvSpPr>
         <p:spPr>
           <a:xfrm>
-            <a:off x="381300" y="685800"/>
+            <a:off x="381000" y="685800"/>
             <a:ext cx="6096000" cy="3429000"/>
           </a:xfrm>
           <a:custGeom>
-            <a:rect b="b" l="l" r="r" t="t"/>
+            <a:avLst/>
+            <a:gdLst/>
+            <a:ahLst/>
+            <a:cxnLst/>
+            <a:rect l="l" t="t" r="r" b="b"/>
             <a:pathLst>
-              <a:path extrusionOk="0" h="120000" w="120000">
+              <a:path w="120000" h="120000" extrusionOk="0">
                 <a:moveTo>
                   <a:pt x="0" y="0"/>
                 </a:moveTo>
@@ -1642,9 +1708,11 @@
       <p:sp>
         <p:nvSpPr>
           <p:cNvPr id="100" name="Google Shape;100;g812d63b606_1_30:notes"/>
-          <p:cNvSpPr txBox="1"/>
+          <p:cNvSpPr txBox="1">
+            <a:spLocks noGrp="1"/>
+          </p:cNvSpPr>
           <p:nvPr>
-            <p:ph idx="1" type="body"/>
+            <p:ph type="body" idx="1"/>
           </p:nvPr>
         </p:nvSpPr>
         <p:spPr>
@@ -1657,12 +1725,12 @@
           </a:prstGeom>
         </p:spPr>
         <p:txBody>
-          <a:bodyPr anchorCtr="0" anchor="t" bIns="91425" lIns="91425" spcFirstLastPara="1" rIns="91425" wrap="square" tIns="91425">
+          <a:bodyPr spcFirstLastPara="1" wrap="square" lIns="91425" tIns="91425" rIns="91425" bIns="91425" anchor="t" anchorCtr="0">
             <a:noAutofit/>
           </a:bodyPr>
           <a:lstStyle/>
           <a:p>
-            <a:pPr indent="0" lvl="0" marL="0" rtl="0" algn="l">
+            <a:pPr marL="0" lvl="0" indent="0" algn="l" rtl="0">
               <a:spcBef>
                 <a:spcPts val="0"/>
               </a:spcBef>
@@ -1671,9 +1739,6 @@
               </a:spcAft>
               <a:buNone/>
             </a:pPr>
-            <a:r>
-              <a:t/>
-            </a:r>
             <a:endParaRPr/>
           </a:p>
         </p:txBody>
@@ -1687,11 +1752,11 @@
 </file>
 
 <file path=ppt/notesSlides/notesSlide9.xml><?xml version="1.0" encoding="utf-8"?>
-<p:notes xmlns:a="http://schemas.openxmlformats.org/drawingml/2006/main" xmlns:r="http://schemas.openxmlformats.org/officeDocument/2006/relationships" xmlns:mc="http://schemas.openxmlformats.org/markup-compatibility/2006" xmlns:mv="urn:schemas-microsoft-com:mac:vml" xmlns:p="http://schemas.openxmlformats.org/presentationml/2006/main" xmlns:c="http://schemas.openxmlformats.org/drawingml/2006/chart" xmlns:dgm="http://schemas.openxmlformats.org/drawingml/2006/diagram" xmlns:o="urn:schemas-microsoft-com:office:office" xmlns:v="urn:schemas-microsoft-com:vml" xmlns:pvml="urn:schemas-microsoft-com:office:powerpoint" xmlns:com="http://schemas.openxmlformats.org/drawingml/2006/compatibility" xmlns:p14="http://schemas.microsoft.com/office/powerpoint/2010/main" xmlns:p15="http://schemas.microsoft.com/office/powerpoint/2012/main" showMasterPhAnim="0" showMasterSp="0">
+<p:notes xmlns:a="http://schemas.openxmlformats.org/drawingml/2006/main" xmlns:r="http://schemas.openxmlformats.org/officeDocument/2006/relationships" xmlns:p="http://schemas.openxmlformats.org/presentationml/2006/main" showMasterSp="0" showMasterPhAnim="0">
   <p:cSld>
     <p:spTree>
       <p:nvGrpSpPr>
-        <p:cNvPr id="106" name="Shape 106"/>
+        <p:cNvPr id="1" name="Shape 106"/>
         <p:cNvGrpSpPr/>
         <p:nvPr/>
       </p:nvGrpSpPr>
@@ -1706,20 +1771,26 @@
       <p:sp>
         <p:nvSpPr>
           <p:cNvPr id="107" name="Google Shape;107;g812d63b606_1_39:notes"/>
-          <p:cNvSpPr/>
+          <p:cNvSpPr>
+            <a:spLocks noGrp="1" noRot="1" noChangeAspect="1"/>
+          </p:cNvSpPr>
           <p:nvPr>
-            <p:ph idx="2" type="sldImg"/>
+            <p:ph type="sldImg" idx="2"/>
           </p:nvPr>
         </p:nvSpPr>
         <p:spPr>
           <a:xfrm>
-            <a:off x="381300" y="685800"/>
+            <a:off x="381000" y="685800"/>
             <a:ext cx="6096000" cy="3429000"/>
           </a:xfrm>
           <a:custGeom>
-            <a:rect b="b" l="l" r="r" t="t"/>
+            <a:avLst/>
+            <a:gdLst/>
+            <a:ahLst/>
+            <a:cxnLst/>
+            <a:rect l="l" t="t" r="r" b="b"/>
             <a:pathLst>
-              <a:path extrusionOk="0" h="120000" w="120000">
+              <a:path w="120000" h="120000" extrusionOk="0">
                 <a:moveTo>
                   <a:pt x="0" y="0"/>
                 </a:moveTo>
@@ -1741,9 +1812,11 @@
       <p:sp>
         <p:nvSpPr>
           <p:cNvPr id="108" name="Google Shape;108;g812d63b606_1_39:notes"/>
-          <p:cNvSpPr txBox="1"/>
+          <p:cNvSpPr txBox="1">
+            <a:spLocks noGrp="1"/>
+          </p:cNvSpPr>
           <p:nvPr>
-            <p:ph idx="1" type="body"/>
+            <p:ph type="body" idx="1"/>
           </p:nvPr>
         </p:nvSpPr>
         <p:spPr>
@@ -1756,12 +1829,12 @@
           </a:prstGeom>
         </p:spPr>
         <p:txBody>
-          <a:bodyPr anchorCtr="0" anchor="t" bIns="91425" lIns="91425" spcFirstLastPara="1" rIns="91425" wrap="square" tIns="91425">
+          <a:bodyPr spcFirstLastPara="1" wrap="square" lIns="91425" tIns="91425" rIns="91425" bIns="91425" anchor="t" anchorCtr="0">
             <a:noAutofit/>
           </a:bodyPr>
           <a:lstStyle/>
           <a:p>
-            <a:pPr indent="0" lvl="0" marL="0" rtl="0" algn="l">
+            <a:pPr marL="0" lvl="0" indent="0" algn="l" rtl="0">
               <a:spcBef>
                 <a:spcPts val="0"/>
               </a:spcBef>
@@ -1770,9 +1843,6 @@
               </a:spcAft>
               <a:buNone/>
             </a:pPr>
-            <a:r>
-              <a:t/>
-            </a:r>
             <a:endParaRPr/>
           </a:p>
         </p:txBody>
@@ -1786,11 +1856,11 @@
 </file>
 
 <file path=ppt/slideLayouts/slideLayout1.xml><?xml version="1.0" encoding="utf-8"?>
-<p:sldLayout xmlns:a="http://schemas.openxmlformats.org/drawingml/2006/main" xmlns:r="http://schemas.openxmlformats.org/officeDocument/2006/relationships" xmlns:mc="http://schemas.openxmlformats.org/markup-compatibility/2006" xmlns:mv="urn:schemas-microsoft-com:mac:vml" xmlns:p="http://schemas.openxmlformats.org/presentationml/2006/main" xmlns:c="http://schemas.openxmlformats.org/drawingml/2006/chart" xmlns:dgm="http://schemas.openxmlformats.org/drawingml/2006/diagram" xmlns:o="urn:schemas-microsoft-com:office:office" xmlns:v="urn:schemas-microsoft-com:vml" xmlns:pvml="urn:schemas-microsoft-com:office:powerpoint" xmlns:com="http://schemas.openxmlformats.org/drawingml/2006/compatibility" xmlns:p14="http://schemas.microsoft.com/office/powerpoint/2010/main" xmlns:p15="http://schemas.microsoft.com/office/powerpoint/2012/main" matchingName="Title slide" type="title">
+<p:sldLayout xmlns:a="http://schemas.openxmlformats.org/drawingml/2006/main" xmlns:r="http://schemas.openxmlformats.org/officeDocument/2006/relationships" xmlns:p="http://schemas.openxmlformats.org/presentationml/2006/main" matchingName="Title slide" type="title">
   <p:cSld name="TITLE">
     <p:spTree>
       <p:nvGrpSpPr>
-        <p:cNvPr id="9" name="Shape 9"/>
+        <p:cNvPr id="1" name="Shape 9"/>
         <p:cNvGrpSpPr/>
         <p:nvPr/>
       </p:nvGrpSpPr>
@@ -1805,7 +1875,9 @@
       <p:sp>
         <p:nvSpPr>
           <p:cNvPr id="10" name="Google Shape;10;p2"/>
-          <p:cNvSpPr txBox="1"/>
+          <p:cNvSpPr txBox="1">
+            <a:spLocks noGrp="1"/>
+          </p:cNvSpPr>
           <p:nvPr>
             <p:ph type="ctrTitle"/>
           </p:nvPr>
@@ -1820,7 +1892,7 @@
           </a:prstGeom>
         </p:spPr>
         <p:txBody>
-          <a:bodyPr anchorCtr="0" anchor="b" bIns="91425" lIns="91425" spcFirstLastPara="1" rIns="91425" wrap="square" tIns="91425">
+          <a:bodyPr spcFirstLastPara="1" wrap="square" lIns="91425" tIns="91425" rIns="91425" bIns="91425" anchor="b" anchorCtr="0">
             <a:noAutofit/>
           </a:bodyPr>
           <a:lstStyle>
@@ -1924,15 +1996,19 @@
               <a:defRPr sz="5200"/>
             </a:lvl9pPr>
           </a:lstStyle>
-          <a:p/>
+          <a:p>
+            <a:endParaRPr/>
+          </a:p>
         </p:txBody>
       </p:sp>
       <p:sp>
         <p:nvSpPr>
           <p:cNvPr id="11" name="Google Shape;11;p2"/>
-          <p:cNvSpPr txBox="1"/>
+          <p:cNvSpPr txBox="1">
+            <a:spLocks noGrp="1"/>
+          </p:cNvSpPr>
           <p:nvPr>
-            <p:ph idx="1" type="subTitle"/>
+            <p:ph type="subTitle" idx="1"/>
           </p:nvPr>
         </p:nvSpPr>
         <p:spPr>
@@ -1945,7 +2021,7 @@
           </a:prstGeom>
         </p:spPr>
         <p:txBody>
-          <a:bodyPr anchorCtr="0" anchor="t" bIns="91425" lIns="91425" spcFirstLastPara="1" rIns="91425" wrap="square" tIns="91425">
+          <a:bodyPr spcFirstLastPara="1" wrap="square" lIns="91425" tIns="91425" rIns="91425" bIns="91425" anchor="t" anchorCtr="0">
             <a:noAutofit/>
           </a:bodyPr>
           <a:lstStyle>
@@ -2076,15 +2152,19 @@
               <a:defRPr sz="2800"/>
             </a:lvl9pPr>
           </a:lstStyle>
-          <a:p/>
+          <a:p>
+            <a:endParaRPr/>
+          </a:p>
         </p:txBody>
       </p:sp>
       <p:sp>
         <p:nvSpPr>
           <p:cNvPr id="12" name="Google Shape;12;p2"/>
-          <p:cNvSpPr txBox="1"/>
+          <p:cNvSpPr txBox="1">
+            <a:spLocks noGrp="1"/>
+          </p:cNvSpPr>
           <p:nvPr>
-            <p:ph idx="12" type="sldNum"/>
+            <p:ph type="sldNum" idx="12"/>
           </p:nvPr>
         </p:nvSpPr>
         <p:spPr>
@@ -2097,7 +2177,7 @@
           </a:prstGeom>
         </p:spPr>
         <p:txBody>
-          <a:bodyPr anchorCtr="0" anchor="ctr" bIns="91425" lIns="91425" spcFirstLastPara="1" rIns="91425" wrap="square" tIns="91425">
+          <a:bodyPr spcFirstLastPara="1" wrap="square" lIns="91425" tIns="91425" rIns="91425" bIns="91425" anchor="ctr" anchorCtr="0">
             <a:noAutofit/>
           </a:bodyPr>
           <a:lstStyle>
@@ -2139,7 +2219,7 @@
             </a:lvl9pPr>
           </a:lstStyle>
           <a:p>
-            <a:pPr indent="0" lvl="0" marL="0" rtl="0" algn="r">
+            <a:pPr marL="0" lvl="0" indent="0" algn="r" rtl="0">
               <a:spcBef>
                 <a:spcPts val="0"/>
               </a:spcBef>
@@ -2165,367 +2245,11 @@
 </file>
 
 <file path=ppt/slideLayouts/slideLayout10.xml><?xml version="1.0" encoding="utf-8"?>
-<p:sldLayout xmlns:a="http://schemas.openxmlformats.org/drawingml/2006/main" xmlns:r="http://schemas.openxmlformats.org/officeDocument/2006/relationships" xmlns:mc="http://schemas.openxmlformats.org/markup-compatibility/2006" xmlns:mv="urn:schemas-microsoft-com:mac:vml" xmlns:p="http://schemas.openxmlformats.org/presentationml/2006/main" xmlns:c="http://schemas.openxmlformats.org/drawingml/2006/chart" xmlns:dgm="http://schemas.openxmlformats.org/drawingml/2006/diagram" xmlns:o="urn:schemas-microsoft-com:office:office" xmlns:v="urn:schemas-microsoft-com:vml" xmlns:pvml="urn:schemas-microsoft-com:office:powerpoint" xmlns:com="http://schemas.openxmlformats.org/drawingml/2006/compatibility" xmlns:p14="http://schemas.microsoft.com/office/powerpoint/2010/main" xmlns:p15="http://schemas.microsoft.com/office/powerpoint/2012/main" matchingName="Big number">
-  <p:cSld name="BIG_NUMBER">
-    <p:spTree>
-      <p:nvGrpSpPr>
-        <p:cNvPr id="44" name="Shape 44"/>
-        <p:cNvGrpSpPr/>
-        <p:nvPr/>
-      </p:nvGrpSpPr>
-      <p:grpSpPr>
-        <a:xfrm>
-          <a:off x="0" y="0"/>
-          <a:ext cx="0" cy="0"/>
-          <a:chOff x="0" y="0"/>
-          <a:chExt cx="0" cy="0"/>
-        </a:xfrm>
-      </p:grpSpPr>
-      <p:sp>
-        <p:nvSpPr>
-          <p:cNvPr id="45" name="Google Shape;45;p11"/>
-          <p:cNvSpPr txBox="1"/>
-          <p:nvPr>
-            <p:ph hasCustomPrompt="1" type="title"/>
-          </p:nvPr>
-        </p:nvSpPr>
-        <p:spPr>
-          <a:xfrm>
-            <a:off x="311700" y="1106125"/>
-            <a:ext cx="8520600" cy="1963500"/>
-          </a:xfrm>
-          <a:prstGeom prst="rect">
-            <a:avLst/>
-          </a:prstGeom>
-        </p:spPr>
-        <p:txBody>
-          <a:bodyPr anchorCtr="0" anchor="b" bIns="91425" lIns="91425" spcFirstLastPara="1" rIns="91425" wrap="square" tIns="91425">
-            <a:noAutofit/>
-          </a:bodyPr>
-          <a:lstStyle>
-            <a:lvl1pPr lvl="0" algn="ctr">
-              <a:spcBef>
-                <a:spcPts val="0"/>
-              </a:spcBef>
-              <a:spcAft>
-                <a:spcPts val="0"/>
-              </a:spcAft>
-              <a:buSzPts val="12000"/>
-              <a:buNone/>
-              <a:defRPr sz="12000"/>
-            </a:lvl1pPr>
-            <a:lvl2pPr lvl="1" algn="ctr">
-              <a:spcBef>
-                <a:spcPts val="0"/>
-              </a:spcBef>
-              <a:spcAft>
-                <a:spcPts val="0"/>
-              </a:spcAft>
-              <a:buSzPts val="12000"/>
-              <a:buNone/>
-              <a:defRPr sz="12000"/>
-            </a:lvl2pPr>
-            <a:lvl3pPr lvl="2" algn="ctr">
-              <a:spcBef>
-                <a:spcPts val="0"/>
-              </a:spcBef>
-              <a:spcAft>
-                <a:spcPts val="0"/>
-              </a:spcAft>
-              <a:buSzPts val="12000"/>
-              <a:buNone/>
-              <a:defRPr sz="12000"/>
-            </a:lvl3pPr>
-            <a:lvl4pPr lvl="3" algn="ctr">
-              <a:spcBef>
-                <a:spcPts val="0"/>
-              </a:spcBef>
-              <a:spcAft>
-                <a:spcPts val="0"/>
-              </a:spcAft>
-              <a:buSzPts val="12000"/>
-              <a:buNone/>
-              <a:defRPr sz="12000"/>
-            </a:lvl4pPr>
-            <a:lvl5pPr lvl="4" algn="ctr">
-              <a:spcBef>
-                <a:spcPts val="0"/>
-              </a:spcBef>
-              <a:spcAft>
-                <a:spcPts val="0"/>
-              </a:spcAft>
-              <a:buSzPts val="12000"/>
-              <a:buNone/>
-              <a:defRPr sz="12000"/>
-            </a:lvl5pPr>
-            <a:lvl6pPr lvl="5" algn="ctr">
-              <a:spcBef>
-                <a:spcPts val="0"/>
-              </a:spcBef>
-              <a:spcAft>
-                <a:spcPts val="0"/>
-              </a:spcAft>
-              <a:buSzPts val="12000"/>
-              <a:buNone/>
-              <a:defRPr sz="12000"/>
-            </a:lvl6pPr>
-            <a:lvl7pPr lvl="6" algn="ctr">
-              <a:spcBef>
-                <a:spcPts val="0"/>
-              </a:spcBef>
-              <a:spcAft>
-                <a:spcPts val="0"/>
-              </a:spcAft>
-              <a:buSzPts val="12000"/>
-              <a:buNone/>
-              <a:defRPr sz="12000"/>
-            </a:lvl7pPr>
-            <a:lvl8pPr lvl="7" algn="ctr">
-              <a:spcBef>
-                <a:spcPts val="0"/>
-              </a:spcBef>
-              <a:spcAft>
-                <a:spcPts val="0"/>
-              </a:spcAft>
-              <a:buSzPts val="12000"/>
-              <a:buNone/>
-              <a:defRPr sz="12000"/>
-            </a:lvl8pPr>
-            <a:lvl9pPr lvl="8" algn="ctr">
-              <a:spcBef>
-                <a:spcPts val="0"/>
-              </a:spcBef>
-              <a:spcAft>
-                <a:spcPts val="0"/>
-              </a:spcAft>
-              <a:buSzPts val="12000"/>
-              <a:buNone/>
-              <a:defRPr sz="12000"/>
-            </a:lvl9pPr>
-          </a:lstStyle>
-          <a:p>
-            <a:r>
-              <a:t>xx%</a:t>
-            </a:r>
-          </a:p>
-        </p:txBody>
-      </p:sp>
-      <p:sp>
-        <p:nvSpPr>
-          <p:cNvPr id="46" name="Google Shape;46;p11"/>
-          <p:cNvSpPr txBox="1"/>
-          <p:nvPr>
-            <p:ph idx="1" type="body"/>
-          </p:nvPr>
-        </p:nvSpPr>
-        <p:spPr>
-          <a:xfrm>
-            <a:off x="311700" y="3152225"/>
-            <a:ext cx="8520600" cy="1300800"/>
-          </a:xfrm>
-          <a:prstGeom prst="rect">
-            <a:avLst/>
-          </a:prstGeom>
-        </p:spPr>
-        <p:txBody>
-          <a:bodyPr anchorCtr="0" anchor="t" bIns="91425" lIns="91425" spcFirstLastPara="1" rIns="91425" wrap="square" tIns="91425">
-            <a:noAutofit/>
-          </a:bodyPr>
-          <a:lstStyle>
-            <a:lvl1pPr indent="-342900" lvl="0" marL="457200" algn="ctr">
-              <a:spcBef>
-                <a:spcPts val="0"/>
-              </a:spcBef>
-              <a:spcAft>
-                <a:spcPts val="0"/>
-              </a:spcAft>
-              <a:buSzPts val="1800"/>
-              <a:buChar char="●"/>
-              <a:defRPr/>
-            </a:lvl1pPr>
-            <a:lvl2pPr indent="-317500" lvl="1" marL="914400" algn="ctr">
-              <a:spcBef>
-                <a:spcPts val="1600"/>
-              </a:spcBef>
-              <a:spcAft>
-                <a:spcPts val="0"/>
-              </a:spcAft>
-              <a:buSzPts val="1400"/>
-              <a:buChar char="○"/>
-              <a:defRPr/>
-            </a:lvl2pPr>
-            <a:lvl3pPr indent="-317500" lvl="2" marL="1371600" algn="ctr">
-              <a:spcBef>
-                <a:spcPts val="1600"/>
-              </a:spcBef>
-              <a:spcAft>
-                <a:spcPts val="0"/>
-              </a:spcAft>
-              <a:buSzPts val="1400"/>
-              <a:buChar char="■"/>
-              <a:defRPr/>
-            </a:lvl3pPr>
-            <a:lvl4pPr indent="-317500" lvl="3" marL="1828800" algn="ctr">
-              <a:spcBef>
-                <a:spcPts val="1600"/>
-              </a:spcBef>
-              <a:spcAft>
-                <a:spcPts val="0"/>
-              </a:spcAft>
-              <a:buSzPts val="1400"/>
-              <a:buChar char="●"/>
-              <a:defRPr/>
-            </a:lvl4pPr>
-            <a:lvl5pPr indent="-317500" lvl="4" marL="2286000" algn="ctr">
-              <a:spcBef>
-                <a:spcPts val="1600"/>
-              </a:spcBef>
-              <a:spcAft>
-                <a:spcPts val="0"/>
-              </a:spcAft>
-              <a:buSzPts val="1400"/>
-              <a:buChar char="○"/>
-              <a:defRPr/>
-            </a:lvl5pPr>
-            <a:lvl6pPr indent="-317500" lvl="5" marL="2743200" algn="ctr">
-              <a:spcBef>
-                <a:spcPts val="1600"/>
-              </a:spcBef>
-              <a:spcAft>
-                <a:spcPts val="0"/>
-              </a:spcAft>
-              <a:buSzPts val="1400"/>
-              <a:buChar char="■"/>
-              <a:defRPr/>
-            </a:lvl6pPr>
-            <a:lvl7pPr indent="-317500" lvl="6" marL="3200400" algn="ctr">
-              <a:spcBef>
-                <a:spcPts val="1600"/>
-              </a:spcBef>
-              <a:spcAft>
-                <a:spcPts val="0"/>
-              </a:spcAft>
-              <a:buSzPts val="1400"/>
-              <a:buChar char="●"/>
-              <a:defRPr/>
-            </a:lvl7pPr>
-            <a:lvl8pPr indent="-317500" lvl="7" marL="3657600" algn="ctr">
-              <a:spcBef>
-                <a:spcPts val="1600"/>
-              </a:spcBef>
-              <a:spcAft>
-                <a:spcPts val="0"/>
-              </a:spcAft>
-              <a:buSzPts val="1400"/>
-              <a:buChar char="○"/>
-              <a:defRPr/>
-            </a:lvl8pPr>
-            <a:lvl9pPr indent="-317500" lvl="8" marL="4114800" algn="ctr">
-              <a:spcBef>
-                <a:spcPts val="1600"/>
-              </a:spcBef>
-              <a:spcAft>
-                <a:spcPts val="1600"/>
-              </a:spcAft>
-              <a:buSzPts val="1400"/>
-              <a:buChar char="■"/>
-              <a:defRPr/>
-            </a:lvl9pPr>
-          </a:lstStyle>
-          <a:p/>
-        </p:txBody>
-      </p:sp>
-      <p:sp>
-        <p:nvSpPr>
-          <p:cNvPr id="47" name="Google Shape;47;p11"/>
-          <p:cNvSpPr txBox="1"/>
-          <p:nvPr>
-            <p:ph idx="12" type="sldNum"/>
-          </p:nvPr>
-        </p:nvSpPr>
-        <p:spPr>
-          <a:xfrm>
-            <a:off x="8472458" y="4663217"/>
-            <a:ext cx="548700" cy="393600"/>
-          </a:xfrm>
-          <a:prstGeom prst="rect">
-            <a:avLst/>
-          </a:prstGeom>
-        </p:spPr>
-        <p:txBody>
-          <a:bodyPr anchorCtr="0" anchor="ctr" bIns="91425" lIns="91425" spcFirstLastPara="1" rIns="91425" wrap="square" tIns="91425">
-            <a:noAutofit/>
-          </a:bodyPr>
-          <a:lstStyle>
-            <a:lvl1pPr lvl="0">
-              <a:buNone/>
-              <a:defRPr/>
-            </a:lvl1pPr>
-            <a:lvl2pPr lvl="1">
-              <a:buNone/>
-              <a:defRPr/>
-            </a:lvl2pPr>
-            <a:lvl3pPr lvl="2">
-              <a:buNone/>
-              <a:defRPr/>
-            </a:lvl3pPr>
-            <a:lvl4pPr lvl="3">
-              <a:buNone/>
-              <a:defRPr/>
-            </a:lvl4pPr>
-            <a:lvl5pPr lvl="4">
-              <a:buNone/>
-              <a:defRPr/>
-            </a:lvl5pPr>
-            <a:lvl6pPr lvl="5">
-              <a:buNone/>
-              <a:defRPr/>
-            </a:lvl6pPr>
-            <a:lvl7pPr lvl="6">
-              <a:buNone/>
-              <a:defRPr/>
-            </a:lvl7pPr>
-            <a:lvl8pPr lvl="7">
-              <a:buNone/>
-              <a:defRPr/>
-            </a:lvl8pPr>
-            <a:lvl9pPr lvl="8">
-              <a:buNone/>
-              <a:defRPr/>
-            </a:lvl9pPr>
-          </a:lstStyle>
-          <a:p>
-            <a:pPr indent="0" lvl="0" marL="0" rtl="0" algn="r">
-              <a:spcBef>
-                <a:spcPts val="0"/>
-              </a:spcBef>
-              <a:spcAft>
-                <a:spcPts val="0"/>
-              </a:spcAft>
-              <a:buNone/>
-            </a:pPr>
-            <a:fld id="{00000000-1234-1234-1234-123412341234}" type="slidenum">
-              <a:rPr lang="en"/>
-              <a:t>‹#›</a:t>
-            </a:fld>
-            <a:endParaRPr/>
-          </a:p>
-        </p:txBody>
-      </p:sp>
-    </p:spTree>
-  </p:cSld>
-  <p:clrMapOvr>
-    <a:masterClrMapping/>
-  </p:clrMapOvr>
-</p:sldLayout>
-</file>
-
-<file path=ppt/slideLayouts/slideLayout11.xml><?xml version="1.0" encoding="utf-8"?>
-<p:sldLayout xmlns:a="http://schemas.openxmlformats.org/drawingml/2006/main" xmlns:r="http://schemas.openxmlformats.org/officeDocument/2006/relationships" xmlns:mc="http://schemas.openxmlformats.org/markup-compatibility/2006" xmlns:mv="urn:schemas-microsoft-com:mac:vml" xmlns:p="http://schemas.openxmlformats.org/presentationml/2006/main" xmlns:c="http://schemas.openxmlformats.org/drawingml/2006/chart" xmlns:dgm="http://schemas.openxmlformats.org/drawingml/2006/diagram" xmlns:o="urn:schemas-microsoft-com:office:office" xmlns:v="urn:schemas-microsoft-com:vml" xmlns:pvml="urn:schemas-microsoft-com:office:powerpoint" xmlns:com="http://schemas.openxmlformats.org/drawingml/2006/compatibility" xmlns:p14="http://schemas.microsoft.com/office/powerpoint/2010/main" xmlns:p15="http://schemas.microsoft.com/office/powerpoint/2012/main" matchingName="Blank" type="blank">
+<p:sldLayout xmlns:a="http://schemas.openxmlformats.org/drawingml/2006/main" xmlns:r="http://schemas.openxmlformats.org/officeDocument/2006/relationships" xmlns:p="http://schemas.openxmlformats.org/presentationml/2006/main" matchingName="Blank" type="blank">
   <p:cSld name="BLANK">
     <p:spTree>
       <p:nvGrpSpPr>
-        <p:cNvPr id="48" name="Shape 48"/>
+        <p:cNvPr id="1" name="Shape 48"/>
         <p:cNvGrpSpPr/>
         <p:nvPr/>
       </p:nvGrpSpPr>
@@ -2540,9 +2264,11 @@
       <p:sp>
         <p:nvSpPr>
           <p:cNvPr id="49" name="Google Shape;49;p12"/>
-          <p:cNvSpPr txBox="1"/>
+          <p:cNvSpPr txBox="1">
+            <a:spLocks noGrp="1"/>
+          </p:cNvSpPr>
           <p:nvPr>
-            <p:ph idx="12" type="sldNum"/>
+            <p:ph type="sldNum" idx="12"/>
           </p:nvPr>
         </p:nvSpPr>
         <p:spPr>
@@ -2555,7 +2281,7 @@
           </a:prstGeom>
         </p:spPr>
         <p:txBody>
-          <a:bodyPr anchorCtr="0" anchor="ctr" bIns="91425" lIns="91425" spcFirstLastPara="1" rIns="91425" wrap="square" tIns="91425">
+          <a:bodyPr spcFirstLastPara="1" wrap="square" lIns="91425" tIns="91425" rIns="91425" bIns="91425" anchor="ctr" anchorCtr="0">
             <a:noAutofit/>
           </a:bodyPr>
           <a:lstStyle>
@@ -2597,7 +2323,7 @@
             </a:lvl9pPr>
           </a:lstStyle>
           <a:p>
-            <a:pPr indent="0" lvl="0" marL="0" rtl="0" algn="r">
+            <a:pPr marL="0" lvl="0" indent="0" algn="r" rtl="0">
               <a:spcBef>
                 <a:spcPts val="0"/>
               </a:spcBef>
@@ -2623,11 +2349,11 @@
 </file>
 
 <file path=ppt/slideLayouts/slideLayout2.xml><?xml version="1.0" encoding="utf-8"?>
-<p:sldLayout xmlns:a="http://schemas.openxmlformats.org/drawingml/2006/main" xmlns:r="http://schemas.openxmlformats.org/officeDocument/2006/relationships" xmlns:mc="http://schemas.openxmlformats.org/markup-compatibility/2006" xmlns:mv="urn:schemas-microsoft-com:mac:vml" xmlns:p="http://schemas.openxmlformats.org/presentationml/2006/main" xmlns:c="http://schemas.openxmlformats.org/drawingml/2006/chart" xmlns:dgm="http://schemas.openxmlformats.org/drawingml/2006/diagram" xmlns:o="urn:schemas-microsoft-com:office:office" xmlns:v="urn:schemas-microsoft-com:vml" xmlns:pvml="urn:schemas-microsoft-com:office:powerpoint" xmlns:com="http://schemas.openxmlformats.org/drawingml/2006/compatibility" xmlns:p14="http://schemas.microsoft.com/office/powerpoint/2010/main" xmlns:p15="http://schemas.microsoft.com/office/powerpoint/2012/main" matchingName="Section header" type="secHead">
+<p:sldLayout xmlns:a="http://schemas.openxmlformats.org/drawingml/2006/main" xmlns:r="http://schemas.openxmlformats.org/officeDocument/2006/relationships" xmlns:p="http://schemas.openxmlformats.org/presentationml/2006/main" matchingName="Section header" type="secHead">
   <p:cSld name="SECTION_HEADER">
     <p:spTree>
       <p:nvGrpSpPr>
-        <p:cNvPr id="13" name="Shape 13"/>
+        <p:cNvPr id="1" name="Shape 13"/>
         <p:cNvGrpSpPr/>
         <p:nvPr/>
       </p:nvGrpSpPr>
@@ -2642,7 +2368,9 @@
       <p:sp>
         <p:nvSpPr>
           <p:cNvPr id="14" name="Google Shape;14;p3"/>
-          <p:cNvSpPr txBox="1"/>
+          <p:cNvSpPr txBox="1">
+            <a:spLocks noGrp="1"/>
+          </p:cNvSpPr>
           <p:nvPr>
             <p:ph type="title"/>
           </p:nvPr>
@@ -2657,7 +2385,7 @@
           </a:prstGeom>
         </p:spPr>
         <p:txBody>
-          <a:bodyPr anchorCtr="0" anchor="ctr" bIns="91425" lIns="91425" spcFirstLastPara="1" rIns="91425" wrap="square" tIns="91425">
+          <a:bodyPr spcFirstLastPara="1" wrap="square" lIns="91425" tIns="91425" rIns="91425" bIns="91425" anchor="ctr" anchorCtr="0">
             <a:noAutofit/>
           </a:bodyPr>
           <a:lstStyle>
@@ -2761,15 +2489,19 @@
               <a:defRPr sz="3600"/>
             </a:lvl9pPr>
           </a:lstStyle>
-          <a:p/>
+          <a:p>
+            <a:endParaRPr/>
+          </a:p>
         </p:txBody>
       </p:sp>
       <p:sp>
         <p:nvSpPr>
           <p:cNvPr id="15" name="Google Shape;15;p3"/>
-          <p:cNvSpPr txBox="1"/>
+          <p:cNvSpPr txBox="1">
+            <a:spLocks noGrp="1"/>
+          </p:cNvSpPr>
           <p:nvPr>
-            <p:ph idx="12" type="sldNum"/>
+            <p:ph type="sldNum" idx="12"/>
           </p:nvPr>
         </p:nvSpPr>
         <p:spPr>
@@ -2782,7 +2514,7 @@
           </a:prstGeom>
         </p:spPr>
         <p:txBody>
-          <a:bodyPr anchorCtr="0" anchor="ctr" bIns="91425" lIns="91425" spcFirstLastPara="1" rIns="91425" wrap="square" tIns="91425">
+          <a:bodyPr spcFirstLastPara="1" wrap="square" lIns="91425" tIns="91425" rIns="91425" bIns="91425" anchor="ctr" anchorCtr="0">
             <a:noAutofit/>
           </a:bodyPr>
           <a:lstStyle>
@@ -2824,7 +2556,7 @@
             </a:lvl9pPr>
           </a:lstStyle>
           <a:p>
-            <a:pPr indent="0" lvl="0" marL="0" rtl="0" algn="r">
+            <a:pPr marL="0" lvl="0" indent="0" algn="r" rtl="0">
               <a:spcBef>
                 <a:spcPts val="0"/>
               </a:spcBef>
@@ -2850,11 +2582,11 @@
 </file>
 
 <file path=ppt/slideLayouts/slideLayout3.xml><?xml version="1.0" encoding="utf-8"?>
-<p:sldLayout xmlns:a="http://schemas.openxmlformats.org/drawingml/2006/main" xmlns:r="http://schemas.openxmlformats.org/officeDocument/2006/relationships" xmlns:mc="http://schemas.openxmlformats.org/markup-compatibility/2006" xmlns:mv="urn:schemas-microsoft-com:mac:vml" xmlns:p="http://schemas.openxmlformats.org/presentationml/2006/main" xmlns:c="http://schemas.openxmlformats.org/drawingml/2006/chart" xmlns:dgm="http://schemas.openxmlformats.org/drawingml/2006/diagram" xmlns:o="urn:schemas-microsoft-com:office:office" xmlns:v="urn:schemas-microsoft-com:vml" xmlns:pvml="urn:schemas-microsoft-com:office:powerpoint" xmlns:com="http://schemas.openxmlformats.org/drawingml/2006/compatibility" xmlns:p14="http://schemas.microsoft.com/office/powerpoint/2010/main" xmlns:p15="http://schemas.microsoft.com/office/powerpoint/2012/main" matchingName="Title and body" type="tx">
+<p:sldLayout xmlns:a="http://schemas.openxmlformats.org/drawingml/2006/main" xmlns:r="http://schemas.openxmlformats.org/officeDocument/2006/relationships" xmlns:p="http://schemas.openxmlformats.org/presentationml/2006/main" matchingName="Title and body" type="tx">
   <p:cSld name="TITLE_AND_BODY">
     <p:spTree>
       <p:nvGrpSpPr>
-        <p:cNvPr id="16" name="Shape 16"/>
+        <p:cNvPr id="1" name="Shape 16"/>
         <p:cNvGrpSpPr/>
         <p:nvPr/>
       </p:nvGrpSpPr>
@@ -2869,7 +2601,9 @@
       <p:sp>
         <p:nvSpPr>
           <p:cNvPr id="17" name="Google Shape;17;p4"/>
-          <p:cNvSpPr txBox="1"/>
+          <p:cNvSpPr txBox="1">
+            <a:spLocks noGrp="1"/>
+          </p:cNvSpPr>
           <p:nvPr>
             <p:ph type="title"/>
           </p:nvPr>
@@ -2884,7 +2618,7 @@
           </a:prstGeom>
         </p:spPr>
         <p:txBody>
-          <a:bodyPr anchorCtr="0" anchor="t" bIns="91425" lIns="91425" spcFirstLastPara="1" rIns="91425" wrap="square" tIns="91425">
+          <a:bodyPr spcFirstLastPara="1" wrap="square" lIns="91425" tIns="91425" rIns="91425" bIns="91425" anchor="t" anchorCtr="0">
             <a:noAutofit/>
           </a:bodyPr>
           <a:lstStyle>
@@ -2988,15 +2722,19 @@
               <a:defRPr/>
             </a:lvl9pPr>
           </a:lstStyle>
-          <a:p/>
+          <a:p>
+            <a:endParaRPr/>
+          </a:p>
         </p:txBody>
       </p:sp>
       <p:sp>
         <p:nvSpPr>
           <p:cNvPr id="18" name="Google Shape;18;p4"/>
-          <p:cNvSpPr txBox="1"/>
+          <p:cNvSpPr txBox="1">
+            <a:spLocks noGrp="1"/>
+          </p:cNvSpPr>
           <p:nvPr>
-            <p:ph idx="1" type="body"/>
+            <p:ph type="body" idx="1"/>
           </p:nvPr>
         </p:nvSpPr>
         <p:spPr>
@@ -3009,11 +2747,11 @@
           </a:prstGeom>
         </p:spPr>
         <p:txBody>
-          <a:bodyPr anchorCtr="0" anchor="t" bIns="91425" lIns="91425" spcFirstLastPara="1" rIns="91425" wrap="square" tIns="91425">
+          <a:bodyPr spcFirstLastPara="1" wrap="square" lIns="91425" tIns="91425" rIns="91425" bIns="91425" anchor="t" anchorCtr="0">
             <a:noAutofit/>
           </a:bodyPr>
           <a:lstStyle>
-            <a:lvl1pPr indent="-342900" lvl="0" marL="457200">
+            <a:lvl1pPr marL="457200" lvl="0" indent="-342900">
               <a:spcBef>
                 <a:spcPts val="0"/>
               </a:spcBef>
@@ -3024,7 +2762,7 @@
               <a:buChar char="●"/>
               <a:defRPr/>
             </a:lvl1pPr>
-            <a:lvl2pPr indent="-317500" lvl="1" marL="914400">
+            <a:lvl2pPr marL="914400" lvl="1" indent="-317500">
               <a:spcBef>
                 <a:spcPts val="1600"/>
               </a:spcBef>
@@ -3035,7 +2773,7 @@
               <a:buChar char="○"/>
               <a:defRPr/>
             </a:lvl2pPr>
-            <a:lvl3pPr indent="-317500" lvl="2" marL="1371600">
+            <a:lvl3pPr marL="1371600" lvl="2" indent="-317500">
               <a:spcBef>
                 <a:spcPts val="1600"/>
               </a:spcBef>
@@ -3046,7 +2784,7 @@
               <a:buChar char="■"/>
               <a:defRPr/>
             </a:lvl3pPr>
-            <a:lvl4pPr indent="-317500" lvl="3" marL="1828800">
+            <a:lvl4pPr marL="1828800" lvl="3" indent="-317500">
               <a:spcBef>
                 <a:spcPts val="1600"/>
               </a:spcBef>
@@ -3057,7 +2795,7 @@
               <a:buChar char="●"/>
               <a:defRPr/>
             </a:lvl4pPr>
-            <a:lvl5pPr indent="-317500" lvl="4" marL="2286000">
+            <a:lvl5pPr marL="2286000" lvl="4" indent="-317500">
               <a:spcBef>
                 <a:spcPts val="1600"/>
               </a:spcBef>
@@ -3068,7 +2806,7 @@
               <a:buChar char="○"/>
               <a:defRPr/>
             </a:lvl5pPr>
-            <a:lvl6pPr indent="-317500" lvl="5" marL="2743200">
+            <a:lvl6pPr marL="2743200" lvl="5" indent="-317500">
               <a:spcBef>
                 <a:spcPts val="1600"/>
               </a:spcBef>
@@ -3079,7 +2817,7 @@
               <a:buChar char="■"/>
               <a:defRPr/>
             </a:lvl6pPr>
-            <a:lvl7pPr indent="-317500" lvl="6" marL="3200400">
+            <a:lvl7pPr marL="3200400" lvl="6" indent="-317500">
               <a:spcBef>
                 <a:spcPts val="1600"/>
               </a:spcBef>
@@ -3090,7 +2828,7 @@
               <a:buChar char="●"/>
               <a:defRPr/>
             </a:lvl7pPr>
-            <a:lvl8pPr indent="-317500" lvl="7" marL="3657600">
+            <a:lvl8pPr marL="3657600" lvl="7" indent="-317500">
               <a:spcBef>
                 <a:spcPts val="1600"/>
               </a:spcBef>
@@ -3101,7 +2839,7 @@
               <a:buChar char="○"/>
               <a:defRPr/>
             </a:lvl8pPr>
-            <a:lvl9pPr indent="-317500" lvl="8" marL="4114800">
+            <a:lvl9pPr marL="4114800" lvl="8" indent="-317500">
               <a:spcBef>
                 <a:spcPts val="1600"/>
               </a:spcBef>
@@ -3113,15 +2851,19 @@
               <a:defRPr/>
             </a:lvl9pPr>
           </a:lstStyle>
-          <a:p/>
+          <a:p>
+            <a:endParaRPr/>
+          </a:p>
         </p:txBody>
       </p:sp>
       <p:sp>
         <p:nvSpPr>
           <p:cNvPr id="19" name="Google Shape;19;p4"/>
-          <p:cNvSpPr txBox="1"/>
+          <p:cNvSpPr txBox="1">
+            <a:spLocks noGrp="1"/>
+          </p:cNvSpPr>
           <p:nvPr>
-            <p:ph idx="12" type="sldNum"/>
+            <p:ph type="sldNum" idx="12"/>
           </p:nvPr>
         </p:nvSpPr>
         <p:spPr>
@@ -3134,7 +2876,7 @@
           </a:prstGeom>
         </p:spPr>
         <p:txBody>
-          <a:bodyPr anchorCtr="0" anchor="ctr" bIns="91425" lIns="91425" spcFirstLastPara="1" rIns="91425" wrap="square" tIns="91425">
+          <a:bodyPr spcFirstLastPara="1" wrap="square" lIns="91425" tIns="91425" rIns="91425" bIns="91425" anchor="ctr" anchorCtr="0">
             <a:noAutofit/>
           </a:bodyPr>
           <a:lstStyle>
@@ -3176,7 +2918,7 @@
             </a:lvl9pPr>
           </a:lstStyle>
           <a:p>
-            <a:pPr indent="0" lvl="0" marL="0" rtl="0" algn="r">
+            <a:pPr marL="0" lvl="0" indent="0" algn="r" rtl="0">
               <a:spcBef>
                 <a:spcPts val="0"/>
               </a:spcBef>
@@ -3202,11 +2944,11 @@
 </file>
 
 <file path=ppt/slideLayouts/slideLayout4.xml><?xml version="1.0" encoding="utf-8"?>
-<p:sldLayout xmlns:a="http://schemas.openxmlformats.org/drawingml/2006/main" xmlns:r="http://schemas.openxmlformats.org/officeDocument/2006/relationships" xmlns:mc="http://schemas.openxmlformats.org/markup-compatibility/2006" xmlns:mv="urn:schemas-microsoft-com:mac:vml" xmlns:p="http://schemas.openxmlformats.org/presentationml/2006/main" xmlns:c="http://schemas.openxmlformats.org/drawingml/2006/chart" xmlns:dgm="http://schemas.openxmlformats.org/drawingml/2006/diagram" xmlns:o="urn:schemas-microsoft-com:office:office" xmlns:v="urn:schemas-microsoft-com:vml" xmlns:pvml="urn:schemas-microsoft-com:office:powerpoint" xmlns:com="http://schemas.openxmlformats.org/drawingml/2006/compatibility" xmlns:p14="http://schemas.microsoft.com/office/powerpoint/2010/main" xmlns:p15="http://schemas.microsoft.com/office/powerpoint/2012/main" matchingName="Title and two columns" type="twoColTx">
-  <p:cSld name="TITLE_AND_TWO_COLUMNS">
+<p:sldLayout xmlns:a="http://schemas.openxmlformats.org/drawingml/2006/main" xmlns:r="http://schemas.openxmlformats.org/officeDocument/2006/relationships" xmlns:p="http://schemas.openxmlformats.org/presentationml/2006/main" matchingName="Title only" type="titleOnly">
+  <p:cSld name="TITLE_ONLY">
     <p:spTree>
       <p:nvGrpSpPr>
-        <p:cNvPr id="20" name="Shape 20"/>
+        <p:cNvPr id="1" name="Shape 25"/>
         <p:cNvGrpSpPr/>
         <p:nvPr/>
       </p:nvGrpSpPr>
@@ -3220,8 +2962,10 @@
       </p:grpSpPr>
       <p:sp>
         <p:nvSpPr>
-          <p:cNvPr id="21" name="Google Shape;21;p5"/>
-          <p:cNvSpPr txBox="1"/>
+          <p:cNvPr id="26" name="Google Shape;26;p6"/>
+          <p:cNvSpPr txBox="1">
+            <a:spLocks noGrp="1"/>
+          </p:cNvSpPr>
           <p:nvPr>
             <p:ph type="title"/>
           </p:nvPr>
@@ -3236,7 +2980,7 @@
           </a:prstGeom>
         </p:spPr>
         <p:txBody>
-          <a:bodyPr anchorCtr="0" anchor="t" bIns="91425" lIns="91425" spcFirstLastPara="1" rIns="91425" wrap="square" tIns="91425">
+          <a:bodyPr spcFirstLastPara="1" wrap="square" lIns="91425" tIns="91425" rIns="91425" bIns="91425" anchor="t" anchorCtr="0">
             <a:noAutofit/>
           </a:bodyPr>
           <a:lstStyle>
@@ -3340,265 +3084,19 @@
               <a:defRPr/>
             </a:lvl9pPr>
           </a:lstStyle>
-          <a:p/>
+          <a:p>
+            <a:endParaRPr/>
+          </a:p>
         </p:txBody>
       </p:sp>
       <p:sp>
         <p:nvSpPr>
-          <p:cNvPr id="22" name="Google Shape;22;p5"/>
-          <p:cNvSpPr txBox="1"/>
+          <p:cNvPr id="27" name="Google Shape;27;p6"/>
+          <p:cNvSpPr txBox="1">
+            <a:spLocks noGrp="1"/>
+          </p:cNvSpPr>
           <p:nvPr>
-            <p:ph idx="1" type="body"/>
-          </p:nvPr>
-        </p:nvSpPr>
-        <p:spPr>
-          <a:xfrm>
-            <a:off x="311700" y="1152475"/>
-            <a:ext cx="3999900" cy="3416400"/>
-          </a:xfrm>
-          <a:prstGeom prst="rect">
-            <a:avLst/>
-          </a:prstGeom>
-        </p:spPr>
-        <p:txBody>
-          <a:bodyPr anchorCtr="0" anchor="t" bIns="91425" lIns="91425" spcFirstLastPara="1" rIns="91425" wrap="square" tIns="91425">
-            <a:noAutofit/>
-          </a:bodyPr>
-          <a:lstStyle>
-            <a:lvl1pPr indent="-317500" lvl="0" marL="457200">
-              <a:spcBef>
-                <a:spcPts val="0"/>
-              </a:spcBef>
-              <a:spcAft>
-                <a:spcPts val="0"/>
-              </a:spcAft>
-              <a:buSzPts val="1400"/>
-              <a:buChar char="●"/>
-              <a:defRPr sz="1400"/>
-            </a:lvl1pPr>
-            <a:lvl2pPr indent="-304800" lvl="1" marL="914400">
-              <a:spcBef>
-                <a:spcPts val="1600"/>
-              </a:spcBef>
-              <a:spcAft>
-                <a:spcPts val="0"/>
-              </a:spcAft>
-              <a:buSzPts val="1200"/>
-              <a:buChar char="○"/>
-              <a:defRPr sz="1200"/>
-            </a:lvl2pPr>
-            <a:lvl3pPr indent="-304800" lvl="2" marL="1371600">
-              <a:spcBef>
-                <a:spcPts val="1600"/>
-              </a:spcBef>
-              <a:spcAft>
-                <a:spcPts val="0"/>
-              </a:spcAft>
-              <a:buSzPts val="1200"/>
-              <a:buChar char="■"/>
-              <a:defRPr sz="1200"/>
-            </a:lvl3pPr>
-            <a:lvl4pPr indent="-304800" lvl="3" marL="1828800">
-              <a:spcBef>
-                <a:spcPts val="1600"/>
-              </a:spcBef>
-              <a:spcAft>
-                <a:spcPts val="0"/>
-              </a:spcAft>
-              <a:buSzPts val="1200"/>
-              <a:buChar char="●"/>
-              <a:defRPr sz="1200"/>
-            </a:lvl4pPr>
-            <a:lvl5pPr indent="-304800" lvl="4" marL="2286000">
-              <a:spcBef>
-                <a:spcPts val="1600"/>
-              </a:spcBef>
-              <a:spcAft>
-                <a:spcPts val="0"/>
-              </a:spcAft>
-              <a:buSzPts val="1200"/>
-              <a:buChar char="○"/>
-              <a:defRPr sz="1200"/>
-            </a:lvl5pPr>
-            <a:lvl6pPr indent="-304800" lvl="5" marL="2743200">
-              <a:spcBef>
-                <a:spcPts val="1600"/>
-              </a:spcBef>
-              <a:spcAft>
-                <a:spcPts val="0"/>
-              </a:spcAft>
-              <a:buSzPts val="1200"/>
-              <a:buChar char="■"/>
-              <a:defRPr sz="1200"/>
-            </a:lvl6pPr>
-            <a:lvl7pPr indent="-304800" lvl="6" marL="3200400">
-              <a:spcBef>
-                <a:spcPts val="1600"/>
-              </a:spcBef>
-              <a:spcAft>
-                <a:spcPts val="0"/>
-              </a:spcAft>
-              <a:buSzPts val="1200"/>
-              <a:buChar char="●"/>
-              <a:defRPr sz="1200"/>
-            </a:lvl7pPr>
-            <a:lvl8pPr indent="-304800" lvl="7" marL="3657600">
-              <a:spcBef>
-                <a:spcPts val="1600"/>
-              </a:spcBef>
-              <a:spcAft>
-                <a:spcPts val="0"/>
-              </a:spcAft>
-              <a:buSzPts val="1200"/>
-              <a:buChar char="○"/>
-              <a:defRPr sz="1200"/>
-            </a:lvl8pPr>
-            <a:lvl9pPr indent="-304800" lvl="8" marL="4114800">
-              <a:spcBef>
-                <a:spcPts val="1600"/>
-              </a:spcBef>
-              <a:spcAft>
-                <a:spcPts val="1600"/>
-              </a:spcAft>
-              <a:buSzPts val="1200"/>
-              <a:buChar char="■"/>
-              <a:defRPr sz="1200"/>
-            </a:lvl9pPr>
-          </a:lstStyle>
-          <a:p/>
-        </p:txBody>
-      </p:sp>
-      <p:sp>
-        <p:nvSpPr>
-          <p:cNvPr id="23" name="Google Shape;23;p5"/>
-          <p:cNvSpPr txBox="1"/>
-          <p:nvPr>
-            <p:ph idx="2" type="body"/>
-          </p:nvPr>
-        </p:nvSpPr>
-        <p:spPr>
-          <a:xfrm>
-            <a:off x="4832400" y="1152475"/>
-            <a:ext cx="3999900" cy="3416400"/>
-          </a:xfrm>
-          <a:prstGeom prst="rect">
-            <a:avLst/>
-          </a:prstGeom>
-        </p:spPr>
-        <p:txBody>
-          <a:bodyPr anchorCtr="0" anchor="t" bIns="91425" lIns="91425" spcFirstLastPara="1" rIns="91425" wrap="square" tIns="91425">
-            <a:noAutofit/>
-          </a:bodyPr>
-          <a:lstStyle>
-            <a:lvl1pPr indent="-317500" lvl="0" marL="457200">
-              <a:spcBef>
-                <a:spcPts val="0"/>
-              </a:spcBef>
-              <a:spcAft>
-                <a:spcPts val="0"/>
-              </a:spcAft>
-              <a:buSzPts val="1400"/>
-              <a:buChar char="●"/>
-              <a:defRPr sz="1400"/>
-            </a:lvl1pPr>
-            <a:lvl2pPr indent="-304800" lvl="1" marL="914400">
-              <a:spcBef>
-                <a:spcPts val="1600"/>
-              </a:spcBef>
-              <a:spcAft>
-                <a:spcPts val="0"/>
-              </a:spcAft>
-              <a:buSzPts val="1200"/>
-              <a:buChar char="○"/>
-              <a:defRPr sz="1200"/>
-            </a:lvl2pPr>
-            <a:lvl3pPr indent="-304800" lvl="2" marL="1371600">
-              <a:spcBef>
-                <a:spcPts val="1600"/>
-              </a:spcBef>
-              <a:spcAft>
-                <a:spcPts val="0"/>
-              </a:spcAft>
-              <a:buSzPts val="1200"/>
-              <a:buChar char="■"/>
-              <a:defRPr sz="1200"/>
-            </a:lvl3pPr>
-            <a:lvl4pPr indent="-304800" lvl="3" marL="1828800">
-              <a:spcBef>
-                <a:spcPts val="1600"/>
-              </a:spcBef>
-              <a:spcAft>
-                <a:spcPts val="0"/>
-              </a:spcAft>
-              <a:buSzPts val="1200"/>
-              <a:buChar char="●"/>
-              <a:defRPr sz="1200"/>
-            </a:lvl4pPr>
-            <a:lvl5pPr indent="-304800" lvl="4" marL="2286000">
-              <a:spcBef>
-                <a:spcPts val="1600"/>
-              </a:spcBef>
-              <a:spcAft>
-                <a:spcPts val="0"/>
-              </a:spcAft>
-              <a:buSzPts val="1200"/>
-              <a:buChar char="○"/>
-              <a:defRPr sz="1200"/>
-            </a:lvl5pPr>
-            <a:lvl6pPr indent="-304800" lvl="5" marL="2743200">
-              <a:spcBef>
-                <a:spcPts val="1600"/>
-              </a:spcBef>
-              <a:spcAft>
-                <a:spcPts val="0"/>
-              </a:spcAft>
-              <a:buSzPts val="1200"/>
-              <a:buChar char="■"/>
-              <a:defRPr sz="1200"/>
-            </a:lvl6pPr>
-            <a:lvl7pPr indent="-304800" lvl="6" marL="3200400">
-              <a:spcBef>
-                <a:spcPts val="1600"/>
-              </a:spcBef>
-              <a:spcAft>
-                <a:spcPts val="0"/>
-              </a:spcAft>
-              <a:buSzPts val="1200"/>
-              <a:buChar char="●"/>
-              <a:defRPr sz="1200"/>
-            </a:lvl7pPr>
-            <a:lvl8pPr indent="-304800" lvl="7" marL="3657600">
-              <a:spcBef>
-                <a:spcPts val="1600"/>
-              </a:spcBef>
-              <a:spcAft>
-                <a:spcPts val="0"/>
-              </a:spcAft>
-              <a:buSzPts val="1200"/>
-              <a:buChar char="○"/>
-              <a:defRPr sz="1200"/>
-            </a:lvl8pPr>
-            <a:lvl9pPr indent="-304800" lvl="8" marL="4114800">
-              <a:spcBef>
-                <a:spcPts val="1600"/>
-              </a:spcBef>
-              <a:spcAft>
-                <a:spcPts val="1600"/>
-              </a:spcAft>
-              <a:buSzPts val="1200"/>
-              <a:buChar char="■"/>
-              <a:defRPr sz="1200"/>
-            </a:lvl9pPr>
-          </a:lstStyle>
-          <a:p/>
-        </p:txBody>
-      </p:sp>
-      <p:sp>
-        <p:nvSpPr>
-          <p:cNvPr id="24" name="Google Shape;24;p5"/>
-          <p:cNvSpPr txBox="1"/>
-          <p:nvPr>
-            <p:ph idx="12" type="sldNum"/>
+            <p:ph type="sldNum" idx="12"/>
           </p:nvPr>
         </p:nvSpPr>
         <p:spPr>
@@ -3611,7 +3109,7 @@
           </a:prstGeom>
         </p:spPr>
         <p:txBody>
-          <a:bodyPr anchorCtr="0" anchor="ctr" bIns="91425" lIns="91425" spcFirstLastPara="1" rIns="91425" wrap="square" tIns="91425">
+          <a:bodyPr spcFirstLastPara="1" wrap="square" lIns="91425" tIns="91425" rIns="91425" bIns="91425" anchor="ctr" anchorCtr="0">
             <a:noAutofit/>
           </a:bodyPr>
           <a:lstStyle>
@@ -3653,7 +3151,7 @@
             </a:lvl9pPr>
           </a:lstStyle>
           <a:p>
-            <a:pPr indent="0" lvl="0" marL="0" rtl="0" algn="r">
+            <a:pPr marL="0" lvl="0" indent="0" algn="r" rtl="0">
               <a:spcBef>
                 <a:spcPts val="0"/>
               </a:spcBef>
@@ -3679,238 +3177,11 @@
 </file>
 
 <file path=ppt/slideLayouts/slideLayout5.xml><?xml version="1.0" encoding="utf-8"?>
-<p:sldLayout xmlns:a="http://schemas.openxmlformats.org/drawingml/2006/main" xmlns:r="http://schemas.openxmlformats.org/officeDocument/2006/relationships" xmlns:mc="http://schemas.openxmlformats.org/markup-compatibility/2006" xmlns:mv="urn:schemas-microsoft-com:mac:vml" xmlns:p="http://schemas.openxmlformats.org/presentationml/2006/main" xmlns:c="http://schemas.openxmlformats.org/drawingml/2006/chart" xmlns:dgm="http://schemas.openxmlformats.org/drawingml/2006/diagram" xmlns:o="urn:schemas-microsoft-com:office:office" xmlns:v="urn:schemas-microsoft-com:vml" xmlns:pvml="urn:schemas-microsoft-com:office:powerpoint" xmlns:com="http://schemas.openxmlformats.org/drawingml/2006/compatibility" xmlns:p14="http://schemas.microsoft.com/office/powerpoint/2010/main" xmlns:p15="http://schemas.microsoft.com/office/powerpoint/2012/main" matchingName="Title only" type="titleOnly">
-  <p:cSld name="TITLE_ONLY">
-    <p:spTree>
-      <p:nvGrpSpPr>
-        <p:cNvPr id="25" name="Shape 25"/>
-        <p:cNvGrpSpPr/>
-        <p:nvPr/>
-      </p:nvGrpSpPr>
-      <p:grpSpPr>
-        <a:xfrm>
-          <a:off x="0" y="0"/>
-          <a:ext cx="0" cy="0"/>
-          <a:chOff x="0" y="0"/>
-          <a:chExt cx="0" cy="0"/>
-        </a:xfrm>
-      </p:grpSpPr>
-      <p:sp>
-        <p:nvSpPr>
-          <p:cNvPr id="26" name="Google Shape;26;p6"/>
-          <p:cNvSpPr txBox="1"/>
-          <p:nvPr>
-            <p:ph type="title"/>
-          </p:nvPr>
-        </p:nvSpPr>
-        <p:spPr>
-          <a:xfrm>
-            <a:off x="311700" y="445025"/>
-            <a:ext cx="8520600" cy="572700"/>
-          </a:xfrm>
-          <a:prstGeom prst="rect">
-            <a:avLst/>
-          </a:prstGeom>
-        </p:spPr>
-        <p:txBody>
-          <a:bodyPr anchorCtr="0" anchor="t" bIns="91425" lIns="91425" spcFirstLastPara="1" rIns="91425" wrap="square" tIns="91425">
-            <a:noAutofit/>
-          </a:bodyPr>
-          <a:lstStyle>
-            <a:lvl1pPr lvl="0">
-              <a:spcBef>
-                <a:spcPts val="0"/>
-              </a:spcBef>
-              <a:spcAft>
-                <a:spcPts val="0"/>
-              </a:spcAft>
-              <a:buSzPts val="2800"/>
-              <a:buNone/>
-              <a:defRPr/>
-            </a:lvl1pPr>
-            <a:lvl2pPr lvl="1">
-              <a:spcBef>
-                <a:spcPts val="0"/>
-              </a:spcBef>
-              <a:spcAft>
-                <a:spcPts val="0"/>
-              </a:spcAft>
-              <a:buSzPts val="2800"/>
-              <a:buNone/>
-              <a:defRPr/>
-            </a:lvl2pPr>
-            <a:lvl3pPr lvl="2">
-              <a:spcBef>
-                <a:spcPts val="0"/>
-              </a:spcBef>
-              <a:spcAft>
-                <a:spcPts val="0"/>
-              </a:spcAft>
-              <a:buSzPts val="2800"/>
-              <a:buNone/>
-              <a:defRPr/>
-            </a:lvl3pPr>
-            <a:lvl4pPr lvl="3">
-              <a:spcBef>
-                <a:spcPts val="0"/>
-              </a:spcBef>
-              <a:spcAft>
-                <a:spcPts val="0"/>
-              </a:spcAft>
-              <a:buSzPts val="2800"/>
-              <a:buNone/>
-              <a:defRPr/>
-            </a:lvl4pPr>
-            <a:lvl5pPr lvl="4">
-              <a:spcBef>
-                <a:spcPts val="0"/>
-              </a:spcBef>
-              <a:spcAft>
-                <a:spcPts val="0"/>
-              </a:spcAft>
-              <a:buSzPts val="2800"/>
-              <a:buNone/>
-              <a:defRPr/>
-            </a:lvl5pPr>
-            <a:lvl6pPr lvl="5">
-              <a:spcBef>
-                <a:spcPts val="0"/>
-              </a:spcBef>
-              <a:spcAft>
-                <a:spcPts val="0"/>
-              </a:spcAft>
-              <a:buSzPts val="2800"/>
-              <a:buNone/>
-              <a:defRPr/>
-            </a:lvl6pPr>
-            <a:lvl7pPr lvl="6">
-              <a:spcBef>
-                <a:spcPts val="0"/>
-              </a:spcBef>
-              <a:spcAft>
-                <a:spcPts val="0"/>
-              </a:spcAft>
-              <a:buSzPts val="2800"/>
-              <a:buNone/>
-              <a:defRPr/>
-            </a:lvl7pPr>
-            <a:lvl8pPr lvl="7">
-              <a:spcBef>
-                <a:spcPts val="0"/>
-              </a:spcBef>
-              <a:spcAft>
-                <a:spcPts val="0"/>
-              </a:spcAft>
-              <a:buSzPts val="2800"/>
-              <a:buNone/>
-              <a:defRPr/>
-            </a:lvl8pPr>
-            <a:lvl9pPr lvl="8">
-              <a:spcBef>
-                <a:spcPts val="0"/>
-              </a:spcBef>
-              <a:spcAft>
-                <a:spcPts val="0"/>
-              </a:spcAft>
-              <a:buSzPts val="2800"/>
-              <a:buNone/>
-              <a:defRPr/>
-            </a:lvl9pPr>
-          </a:lstStyle>
-          <a:p/>
-        </p:txBody>
-      </p:sp>
-      <p:sp>
-        <p:nvSpPr>
-          <p:cNvPr id="27" name="Google Shape;27;p6"/>
-          <p:cNvSpPr txBox="1"/>
-          <p:nvPr>
-            <p:ph idx="12" type="sldNum"/>
-          </p:nvPr>
-        </p:nvSpPr>
-        <p:spPr>
-          <a:xfrm>
-            <a:off x="8472458" y="4663217"/>
-            <a:ext cx="548700" cy="393600"/>
-          </a:xfrm>
-          <a:prstGeom prst="rect">
-            <a:avLst/>
-          </a:prstGeom>
-        </p:spPr>
-        <p:txBody>
-          <a:bodyPr anchorCtr="0" anchor="ctr" bIns="91425" lIns="91425" spcFirstLastPara="1" rIns="91425" wrap="square" tIns="91425">
-            <a:noAutofit/>
-          </a:bodyPr>
-          <a:lstStyle>
-            <a:lvl1pPr lvl="0">
-              <a:buNone/>
-              <a:defRPr/>
-            </a:lvl1pPr>
-            <a:lvl2pPr lvl="1">
-              <a:buNone/>
-              <a:defRPr/>
-            </a:lvl2pPr>
-            <a:lvl3pPr lvl="2">
-              <a:buNone/>
-              <a:defRPr/>
-            </a:lvl3pPr>
-            <a:lvl4pPr lvl="3">
-              <a:buNone/>
-              <a:defRPr/>
-            </a:lvl4pPr>
-            <a:lvl5pPr lvl="4">
-              <a:buNone/>
-              <a:defRPr/>
-            </a:lvl5pPr>
-            <a:lvl6pPr lvl="5">
-              <a:buNone/>
-              <a:defRPr/>
-            </a:lvl6pPr>
-            <a:lvl7pPr lvl="6">
-              <a:buNone/>
-              <a:defRPr/>
-            </a:lvl7pPr>
-            <a:lvl8pPr lvl="7">
-              <a:buNone/>
-              <a:defRPr/>
-            </a:lvl8pPr>
-            <a:lvl9pPr lvl="8">
-              <a:buNone/>
-              <a:defRPr/>
-            </a:lvl9pPr>
-          </a:lstStyle>
-          <a:p>
-            <a:pPr indent="0" lvl="0" marL="0" rtl="0" algn="r">
-              <a:spcBef>
-                <a:spcPts val="0"/>
-              </a:spcBef>
-              <a:spcAft>
-                <a:spcPts val="0"/>
-              </a:spcAft>
-              <a:buNone/>
-            </a:pPr>
-            <a:fld id="{00000000-1234-1234-1234-123412341234}" type="slidenum">
-              <a:rPr lang="en"/>
-              <a:t>‹#›</a:t>
-            </a:fld>
-            <a:endParaRPr/>
-          </a:p>
-        </p:txBody>
-      </p:sp>
-    </p:spTree>
-  </p:cSld>
-  <p:clrMapOvr>
-    <a:masterClrMapping/>
-  </p:clrMapOvr>
-</p:sldLayout>
-</file>
-
-<file path=ppt/slideLayouts/slideLayout6.xml><?xml version="1.0" encoding="utf-8"?>
-<p:sldLayout xmlns:a="http://schemas.openxmlformats.org/drawingml/2006/main" xmlns:r="http://schemas.openxmlformats.org/officeDocument/2006/relationships" xmlns:mc="http://schemas.openxmlformats.org/markup-compatibility/2006" xmlns:mv="urn:schemas-microsoft-com:mac:vml" xmlns:p="http://schemas.openxmlformats.org/presentationml/2006/main" xmlns:c="http://schemas.openxmlformats.org/drawingml/2006/chart" xmlns:dgm="http://schemas.openxmlformats.org/drawingml/2006/diagram" xmlns:o="urn:schemas-microsoft-com:office:office" xmlns:v="urn:schemas-microsoft-com:vml" xmlns:pvml="urn:schemas-microsoft-com:office:powerpoint" xmlns:com="http://schemas.openxmlformats.org/drawingml/2006/compatibility" xmlns:p14="http://schemas.microsoft.com/office/powerpoint/2010/main" xmlns:p15="http://schemas.microsoft.com/office/powerpoint/2012/main" matchingName="One column text">
+<p:sldLayout xmlns:a="http://schemas.openxmlformats.org/drawingml/2006/main" xmlns:r="http://schemas.openxmlformats.org/officeDocument/2006/relationships" xmlns:p="http://schemas.openxmlformats.org/presentationml/2006/main" matchingName="One column text">
   <p:cSld name="ONE_COLUMN_TEXT">
     <p:spTree>
       <p:nvGrpSpPr>
-        <p:cNvPr id="28" name="Shape 28"/>
+        <p:cNvPr id="1" name="Shape 28"/>
         <p:cNvGrpSpPr/>
         <p:nvPr/>
       </p:nvGrpSpPr>
@@ -3925,7 +3196,9 @@
       <p:sp>
         <p:nvSpPr>
           <p:cNvPr id="29" name="Google Shape;29;p7"/>
-          <p:cNvSpPr txBox="1"/>
+          <p:cNvSpPr txBox="1">
+            <a:spLocks noGrp="1"/>
+          </p:cNvSpPr>
           <p:nvPr>
             <p:ph type="title"/>
           </p:nvPr>
@@ -3940,7 +3213,7 @@
           </a:prstGeom>
         </p:spPr>
         <p:txBody>
-          <a:bodyPr anchorCtr="0" anchor="b" bIns="91425" lIns="91425" spcFirstLastPara="1" rIns="91425" wrap="square" tIns="91425">
+          <a:bodyPr spcFirstLastPara="1" wrap="square" lIns="91425" tIns="91425" rIns="91425" bIns="91425" anchor="b" anchorCtr="0">
             <a:noAutofit/>
           </a:bodyPr>
           <a:lstStyle>
@@ -4044,15 +3317,19 @@
               <a:defRPr sz="2400"/>
             </a:lvl9pPr>
           </a:lstStyle>
-          <a:p/>
+          <a:p>
+            <a:endParaRPr/>
+          </a:p>
         </p:txBody>
       </p:sp>
       <p:sp>
         <p:nvSpPr>
           <p:cNvPr id="30" name="Google Shape;30;p7"/>
-          <p:cNvSpPr txBox="1"/>
+          <p:cNvSpPr txBox="1">
+            <a:spLocks noGrp="1"/>
+          </p:cNvSpPr>
           <p:nvPr>
-            <p:ph idx="1" type="body"/>
+            <p:ph type="body" idx="1"/>
           </p:nvPr>
         </p:nvSpPr>
         <p:spPr>
@@ -4065,11 +3342,11 @@
           </a:prstGeom>
         </p:spPr>
         <p:txBody>
-          <a:bodyPr anchorCtr="0" anchor="t" bIns="91425" lIns="91425" spcFirstLastPara="1" rIns="91425" wrap="square" tIns="91425">
+          <a:bodyPr spcFirstLastPara="1" wrap="square" lIns="91425" tIns="91425" rIns="91425" bIns="91425" anchor="t" anchorCtr="0">
             <a:noAutofit/>
           </a:bodyPr>
           <a:lstStyle>
-            <a:lvl1pPr indent="-304800" lvl="0" marL="457200">
+            <a:lvl1pPr marL="457200" lvl="0" indent="-304800">
               <a:spcBef>
                 <a:spcPts val="0"/>
               </a:spcBef>
@@ -4080,7 +3357,7 @@
               <a:buChar char="●"/>
               <a:defRPr sz="1200"/>
             </a:lvl1pPr>
-            <a:lvl2pPr indent="-304800" lvl="1" marL="914400">
+            <a:lvl2pPr marL="914400" lvl="1" indent="-304800">
               <a:spcBef>
                 <a:spcPts val="1600"/>
               </a:spcBef>
@@ -4091,7 +3368,7 @@
               <a:buChar char="○"/>
               <a:defRPr sz="1200"/>
             </a:lvl2pPr>
-            <a:lvl3pPr indent="-304800" lvl="2" marL="1371600">
+            <a:lvl3pPr marL="1371600" lvl="2" indent="-304800">
               <a:spcBef>
                 <a:spcPts val="1600"/>
               </a:spcBef>
@@ -4102,7 +3379,7 @@
               <a:buChar char="■"/>
               <a:defRPr sz="1200"/>
             </a:lvl3pPr>
-            <a:lvl4pPr indent="-304800" lvl="3" marL="1828800">
+            <a:lvl4pPr marL="1828800" lvl="3" indent="-304800">
               <a:spcBef>
                 <a:spcPts val="1600"/>
               </a:spcBef>
@@ -4113,7 +3390,7 @@
               <a:buChar char="●"/>
               <a:defRPr sz="1200"/>
             </a:lvl4pPr>
-            <a:lvl5pPr indent="-304800" lvl="4" marL="2286000">
+            <a:lvl5pPr marL="2286000" lvl="4" indent="-304800">
               <a:spcBef>
                 <a:spcPts val="1600"/>
               </a:spcBef>
@@ -4124,7 +3401,7 @@
               <a:buChar char="○"/>
               <a:defRPr sz="1200"/>
             </a:lvl5pPr>
-            <a:lvl6pPr indent="-304800" lvl="5" marL="2743200">
+            <a:lvl6pPr marL="2743200" lvl="5" indent="-304800">
               <a:spcBef>
                 <a:spcPts val="1600"/>
               </a:spcBef>
@@ -4135,7 +3412,7 @@
               <a:buChar char="■"/>
               <a:defRPr sz="1200"/>
             </a:lvl6pPr>
-            <a:lvl7pPr indent="-304800" lvl="6" marL="3200400">
+            <a:lvl7pPr marL="3200400" lvl="6" indent="-304800">
               <a:spcBef>
                 <a:spcPts val="1600"/>
               </a:spcBef>
@@ -4146,7 +3423,7 @@
               <a:buChar char="●"/>
               <a:defRPr sz="1200"/>
             </a:lvl7pPr>
-            <a:lvl8pPr indent="-304800" lvl="7" marL="3657600">
+            <a:lvl8pPr marL="3657600" lvl="7" indent="-304800">
               <a:spcBef>
                 <a:spcPts val="1600"/>
               </a:spcBef>
@@ -4157,7 +3434,7 @@
               <a:buChar char="○"/>
               <a:defRPr sz="1200"/>
             </a:lvl8pPr>
-            <a:lvl9pPr indent="-304800" lvl="8" marL="4114800">
+            <a:lvl9pPr marL="4114800" lvl="8" indent="-304800">
               <a:spcBef>
                 <a:spcPts val="1600"/>
               </a:spcBef>
@@ -4169,15 +3446,19 @@
               <a:defRPr sz="1200"/>
             </a:lvl9pPr>
           </a:lstStyle>
-          <a:p/>
+          <a:p>
+            <a:endParaRPr/>
+          </a:p>
         </p:txBody>
       </p:sp>
       <p:sp>
         <p:nvSpPr>
           <p:cNvPr id="31" name="Google Shape;31;p7"/>
-          <p:cNvSpPr txBox="1"/>
+          <p:cNvSpPr txBox="1">
+            <a:spLocks noGrp="1"/>
+          </p:cNvSpPr>
           <p:nvPr>
-            <p:ph idx="12" type="sldNum"/>
+            <p:ph type="sldNum" idx="12"/>
           </p:nvPr>
         </p:nvSpPr>
         <p:spPr>
@@ -4190,7 +3471,7 @@
           </a:prstGeom>
         </p:spPr>
         <p:txBody>
-          <a:bodyPr anchorCtr="0" anchor="ctr" bIns="91425" lIns="91425" spcFirstLastPara="1" rIns="91425" wrap="square" tIns="91425">
+          <a:bodyPr spcFirstLastPara="1" wrap="square" lIns="91425" tIns="91425" rIns="91425" bIns="91425" anchor="ctr" anchorCtr="0">
             <a:noAutofit/>
           </a:bodyPr>
           <a:lstStyle>
@@ -4232,7 +3513,7 @@
             </a:lvl9pPr>
           </a:lstStyle>
           <a:p>
-            <a:pPr indent="0" lvl="0" marL="0" rtl="0" algn="r">
+            <a:pPr marL="0" lvl="0" indent="0" algn="r" rtl="0">
               <a:spcBef>
                 <a:spcPts val="0"/>
               </a:spcBef>
@@ -4257,12 +3538,12 @@
 </p:sldLayout>
 </file>
 
-<file path=ppt/slideLayouts/slideLayout7.xml><?xml version="1.0" encoding="utf-8"?>
-<p:sldLayout xmlns:a="http://schemas.openxmlformats.org/drawingml/2006/main" xmlns:r="http://schemas.openxmlformats.org/officeDocument/2006/relationships" xmlns:mc="http://schemas.openxmlformats.org/markup-compatibility/2006" xmlns:mv="urn:schemas-microsoft-com:mac:vml" xmlns:p="http://schemas.openxmlformats.org/presentationml/2006/main" xmlns:c="http://schemas.openxmlformats.org/drawingml/2006/chart" xmlns:dgm="http://schemas.openxmlformats.org/drawingml/2006/diagram" xmlns:o="urn:schemas-microsoft-com:office:office" xmlns:v="urn:schemas-microsoft-com:vml" xmlns:pvml="urn:schemas-microsoft-com:office:powerpoint" xmlns:com="http://schemas.openxmlformats.org/drawingml/2006/compatibility" xmlns:p14="http://schemas.microsoft.com/office/powerpoint/2010/main" xmlns:p15="http://schemas.microsoft.com/office/powerpoint/2012/main" matchingName="Main point">
+<file path=ppt/slideLayouts/slideLayout6.xml><?xml version="1.0" encoding="utf-8"?>
+<p:sldLayout xmlns:a="http://schemas.openxmlformats.org/drawingml/2006/main" xmlns:r="http://schemas.openxmlformats.org/officeDocument/2006/relationships" xmlns:p="http://schemas.openxmlformats.org/presentationml/2006/main" matchingName="Main point">
   <p:cSld name="MAIN_POINT">
     <p:spTree>
       <p:nvGrpSpPr>
-        <p:cNvPr id="32" name="Shape 32"/>
+        <p:cNvPr id="1" name="Shape 32"/>
         <p:cNvGrpSpPr/>
         <p:nvPr/>
       </p:nvGrpSpPr>
@@ -4277,7 +3558,9 @@
       <p:sp>
         <p:nvSpPr>
           <p:cNvPr id="33" name="Google Shape;33;p8"/>
-          <p:cNvSpPr txBox="1"/>
+          <p:cNvSpPr txBox="1">
+            <a:spLocks noGrp="1"/>
+          </p:cNvSpPr>
           <p:nvPr>
             <p:ph type="title"/>
           </p:nvPr>
@@ -4292,7 +3575,7 @@
           </a:prstGeom>
         </p:spPr>
         <p:txBody>
-          <a:bodyPr anchorCtr="0" anchor="ctr" bIns="91425" lIns="91425" spcFirstLastPara="1" rIns="91425" wrap="square" tIns="91425">
+          <a:bodyPr spcFirstLastPara="1" wrap="square" lIns="91425" tIns="91425" rIns="91425" bIns="91425" anchor="ctr" anchorCtr="0">
             <a:noAutofit/>
           </a:bodyPr>
           <a:lstStyle>
@@ -4396,15 +3679,19 @@
               <a:defRPr sz="4800"/>
             </a:lvl9pPr>
           </a:lstStyle>
-          <a:p/>
+          <a:p>
+            <a:endParaRPr/>
+          </a:p>
         </p:txBody>
       </p:sp>
       <p:sp>
         <p:nvSpPr>
           <p:cNvPr id="34" name="Google Shape;34;p8"/>
-          <p:cNvSpPr txBox="1"/>
+          <p:cNvSpPr txBox="1">
+            <a:spLocks noGrp="1"/>
+          </p:cNvSpPr>
           <p:nvPr>
-            <p:ph idx="12" type="sldNum"/>
+            <p:ph type="sldNum" idx="12"/>
           </p:nvPr>
         </p:nvSpPr>
         <p:spPr>
@@ -4417,7 +3704,7 @@
           </a:prstGeom>
         </p:spPr>
         <p:txBody>
-          <a:bodyPr anchorCtr="0" anchor="ctr" bIns="91425" lIns="91425" spcFirstLastPara="1" rIns="91425" wrap="square" tIns="91425">
+          <a:bodyPr spcFirstLastPara="1" wrap="square" lIns="91425" tIns="91425" rIns="91425" bIns="91425" anchor="ctr" anchorCtr="0">
             <a:noAutofit/>
           </a:bodyPr>
           <a:lstStyle>
@@ -4459,7 +3746,7 @@
             </a:lvl9pPr>
           </a:lstStyle>
           <a:p>
-            <a:pPr indent="0" lvl="0" marL="0" rtl="0" algn="r">
+            <a:pPr marL="0" lvl="0" indent="0" algn="r" rtl="0">
               <a:spcBef>
                 <a:spcPts val="0"/>
               </a:spcBef>
@@ -4484,12 +3771,12 @@
 </p:sldLayout>
 </file>
 
-<file path=ppt/slideLayouts/slideLayout8.xml><?xml version="1.0" encoding="utf-8"?>
-<p:sldLayout xmlns:a="http://schemas.openxmlformats.org/drawingml/2006/main" xmlns:r="http://schemas.openxmlformats.org/officeDocument/2006/relationships" xmlns:mc="http://schemas.openxmlformats.org/markup-compatibility/2006" xmlns:mv="urn:schemas-microsoft-com:mac:vml" xmlns:p="http://schemas.openxmlformats.org/presentationml/2006/main" xmlns:c="http://schemas.openxmlformats.org/drawingml/2006/chart" xmlns:dgm="http://schemas.openxmlformats.org/drawingml/2006/diagram" xmlns:o="urn:schemas-microsoft-com:office:office" xmlns:v="urn:schemas-microsoft-com:vml" xmlns:pvml="urn:schemas-microsoft-com:office:powerpoint" xmlns:com="http://schemas.openxmlformats.org/drawingml/2006/compatibility" xmlns:p14="http://schemas.microsoft.com/office/powerpoint/2010/main" xmlns:p15="http://schemas.microsoft.com/office/powerpoint/2012/main" matchingName="Section title and description">
+<file path=ppt/slideLayouts/slideLayout7.xml><?xml version="1.0" encoding="utf-8"?>
+<p:sldLayout xmlns:a="http://schemas.openxmlformats.org/drawingml/2006/main" xmlns:r="http://schemas.openxmlformats.org/officeDocument/2006/relationships" xmlns:p="http://schemas.openxmlformats.org/presentationml/2006/main" matchingName="Section title and description">
   <p:cSld name="SECTION_TITLE_AND_DESCRIPTION">
     <p:spTree>
       <p:nvGrpSpPr>
-        <p:cNvPr id="35" name="Shape 35"/>
+        <p:cNvPr id="1" name="Shape 35"/>
         <p:cNvGrpSpPr/>
         <p:nvPr/>
       </p:nvGrpSpPr>
@@ -4523,12 +3810,12 @@
           </a:ln>
         </p:spPr>
         <p:txBody>
-          <a:bodyPr anchorCtr="0" anchor="ctr" bIns="91425" lIns="91425" spcFirstLastPara="1" rIns="91425" wrap="square" tIns="91425">
+          <a:bodyPr spcFirstLastPara="1" wrap="square" lIns="91425" tIns="91425" rIns="91425" bIns="91425" anchor="ctr" anchorCtr="0">
             <a:noAutofit/>
           </a:bodyPr>
           <a:lstStyle/>
           <a:p>
-            <a:pPr indent="0" lvl="0" marL="0" rtl="0" algn="l">
+            <a:pPr marL="0" lvl="0" indent="0" algn="l" rtl="0">
               <a:spcBef>
                 <a:spcPts val="0"/>
               </a:spcBef>
@@ -4537,9 +3824,6 @@
               </a:spcAft>
               <a:buNone/>
             </a:pPr>
-            <a:r>
-              <a:t/>
-            </a:r>
             <a:endParaRPr/>
           </a:p>
         </p:txBody>
@@ -4547,7 +3831,9 @@
       <p:sp>
         <p:nvSpPr>
           <p:cNvPr id="37" name="Google Shape;37;p9"/>
-          <p:cNvSpPr txBox="1"/>
+          <p:cNvSpPr txBox="1">
+            <a:spLocks noGrp="1"/>
+          </p:cNvSpPr>
           <p:nvPr>
             <p:ph type="title"/>
           </p:nvPr>
@@ -4562,7 +3848,7 @@
           </a:prstGeom>
         </p:spPr>
         <p:txBody>
-          <a:bodyPr anchorCtr="0" anchor="b" bIns="91425" lIns="91425" spcFirstLastPara="1" rIns="91425" wrap="square" tIns="91425">
+          <a:bodyPr spcFirstLastPara="1" wrap="square" lIns="91425" tIns="91425" rIns="91425" bIns="91425" anchor="b" anchorCtr="0">
             <a:noAutofit/>
           </a:bodyPr>
           <a:lstStyle>
@@ -4666,15 +3952,19 @@
               <a:defRPr sz="4200"/>
             </a:lvl9pPr>
           </a:lstStyle>
-          <a:p/>
+          <a:p>
+            <a:endParaRPr/>
+          </a:p>
         </p:txBody>
       </p:sp>
       <p:sp>
         <p:nvSpPr>
           <p:cNvPr id="38" name="Google Shape;38;p9"/>
-          <p:cNvSpPr txBox="1"/>
+          <p:cNvSpPr txBox="1">
+            <a:spLocks noGrp="1"/>
+          </p:cNvSpPr>
           <p:nvPr>
-            <p:ph idx="1" type="subTitle"/>
+            <p:ph type="subTitle" idx="1"/>
           </p:nvPr>
         </p:nvSpPr>
         <p:spPr>
@@ -4687,7 +3977,7 @@
           </a:prstGeom>
         </p:spPr>
         <p:txBody>
-          <a:bodyPr anchorCtr="0" anchor="t" bIns="91425" lIns="91425" spcFirstLastPara="1" rIns="91425" wrap="square" tIns="91425">
+          <a:bodyPr spcFirstLastPara="1" wrap="square" lIns="91425" tIns="91425" rIns="91425" bIns="91425" anchor="t" anchorCtr="0">
             <a:noAutofit/>
           </a:bodyPr>
           <a:lstStyle>
@@ -4818,15 +4108,19 @@
               <a:defRPr sz="2100"/>
             </a:lvl9pPr>
           </a:lstStyle>
-          <a:p/>
+          <a:p>
+            <a:endParaRPr/>
+          </a:p>
         </p:txBody>
       </p:sp>
       <p:sp>
         <p:nvSpPr>
           <p:cNvPr id="39" name="Google Shape;39;p9"/>
-          <p:cNvSpPr txBox="1"/>
+          <p:cNvSpPr txBox="1">
+            <a:spLocks noGrp="1"/>
+          </p:cNvSpPr>
           <p:nvPr>
-            <p:ph idx="2" type="body"/>
+            <p:ph type="body" idx="2"/>
           </p:nvPr>
         </p:nvSpPr>
         <p:spPr>
@@ -4839,11 +4133,11 @@
           </a:prstGeom>
         </p:spPr>
         <p:txBody>
-          <a:bodyPr anchorCtr="0" anchor="ctr" bIns="91425" lIns="91425" spcFirstLastPara="1" rIns="91425" wrap="square" tIns="91425">
+          <a:bodyPr spcFirstLastPara="1" wrap="square" lIns="91425" tIns="91425" rIns="91425" bIns="91425" anchor="ctr" anchorCtr="0">
             <a:noAutofit/>
           </a:bodyPr>
           <a:lstStyle>
-            <a:lvl1pPr indent="-342900" lvl="0" marL="457200">
+            <a:lvl1pPr marL="457200" lvl="0" indent="-342900">
               <a:spcBef>
                 <a:spcPts val="0"/>
               </a:spcBef>
@@ -4854,7 +4148,7 @@
               <a:buChar char="●"/>
               <a:defRPr/>
             </a:lvl1pPr>
-            <a:lvl2pPr indent="-317500" lvl="1" marL="914400">
+            <a:lvl2pPr marL="914400" lvl="1" indent="-317500">
               <a:spcBef>
                 <a:spcPts val="1600"/>
               </a:spcBef>
@@ -4865,7 +4159,7 @@
               <a:buChar char="○"/>
               <a:defRPr/>
             </a:lvl2pPr>
-            <a:lvl3pPr indent="-317500" lvl="2" marL="1371600">
+            <a:lvl3pPr marL="1371600" lvl="2" indent="-317500">
               <a:spcBef>
                 <a:spcPts val="1600"/>
               </a:spcBef>
@@ -4876,7 +4170,7 @@
               <a:buChar char="■"/>
               <a:defRPr/>
             </a:lvl3pPr>
-            <a:lvl4pPr indent="-317500" lvl="3" marL="1828800">
+            <a:lvl4pPr marL="1828800" lvl="3" indent="-317500">
               <a:spcBef>
                 <a:spcPts val="1600"/>
               </a:spcBef>
@@ -4887,7 +4181,7 @@
               <a:buChar char="●"/>
               <a:defRPr/>
             </a:lvl4pPr>
-            <a:lvl5pPr indent="-317500" lvl="4" marL="2286000">
+            <a:lvl5pPr marL="2286000" lvl="4" indent="-317500">
               <a:spcBef>
                 <a:spcPts val="1600"/>
               </a:spcBef>
@@ -4898,7 +4192,7 @@
               <a:buChar char="○"/>
               <a:defRPr/>
             </a:lvl5pPr>
-            <a:lvl6pPr indent="-317500" lvl="5" marL="2743200">
+            <a:lvl6pPr marL="2743200" lvl="5" indent="-317500">
               <a:spcBef>
                 <a:spcPts val="1600"/>
               </a:spcBef>
@@ -4909,7 +4203,7 @@
               <a:buChar char="■"/>
               <a:defRPr/>
             </a:lvl6pPr>
-            <a:lvl7pPr indent="-317500" lvl="6" marL="3200400">
+            <a:lvl7pPr marL="3200400" lvl="6" indent="-317500">
               <a:spcBef>
                 <a:spcPts val="1600"/>
               </a:spcBef>
@@ -4920,7 +4214,7 @@
               <a:buChar char="●"/>
               <a:defRPr/>
             </a:lvl7pPr>
-            <a:lvl8pPr indent="-317500" lvl="7" marL="3657600">
+            <a:lvl8pPr marL="3657600" lvl="7" indent="-317500">
               <a:spcBef>
                 <a:spcPts val="1600"/>
               </a:spcBef>
@@ -4931,7 +4225,7 @@
               <a:buChar char="○"/>
               <a:defRPr/>
             </a:lvl8pPr>
-            <a:lvl9pPr indent="-317500" lvl="8" marL="4114800">
+            <a:lvl9pPr marL="4114800" lvl="8" indent="-317500">
               <a:spcBef>
                 <a:spcPts val="1600"/>
               </a:spcBef>
@@ -4943,15 +4237,19 @@
               <a:defRPr/>
             </a:lvl9pPr>
           </a:lstStyle>
-          <a:p/>
+          <a:p>
+            <a:endParaRPr/>
+          </a:p>
         </p:txBody>
       </p:sp>
       <p:sp>
         <p:nvSpPr>
           <p:cNvPr id="40" name="Google Shape;40;p9"/>
-          <p:cNvSpPr txBox="1"/>
+          <p:cNvSpPr txBox="1">
+            <a:spLocks noGrp="1"/>
+          </p:cNvSpPr>
           <p:nvPr>
-            <p:ph idx="12" type="sldNum"/>
+            <p:ph type="sldNum" idx="12"/>
           </p:nvPr>
         </p:nvSpPr>
         <p:spPr>
@@ -4964,7 +4262,7 @@
           </a:prstGeom>
         </p:spPr>
         <p:txBody>
-          <a:bodyPr anchorCtr="0" anchor="ctr" bIns="91425" lIns="91425" spcFirstLastPara="1" rIns="91425" wrap="square" tIns="91425">
+          <a:bodyPr spcFirstLastPara="1" wrap="square" lIns="91425" tIns="91425" rIns="91425" bIns="91425" anchor="ctr" anchorCtr="0">
             <a:noAutofit/>
           </a:bodyPr>
           <a:lstStyle>
@@ -5006,7 +4304,7 @@
             </a:lvl9pPr>
           </a:lstStyle>
           <a:p>
-            <a:pPr indent="0" lvl="0" marL="0" rtl="0" algn="r">
+            <a:pPr marL="0" lvl="0" indent="0" algn="r" rtl="0">
               <a:spcBef>
                 <a:spcPts val="0"/>
               </a:spcBef>
@@ -5031,12 +4329,12 @@
 </p:sldLayout>
 </file>
 
-<file path=ppt/slideLayouts/slideLayout9.xml><?xml version="1.0" encoding="utf-8"?>
-<p:sldLayout xmlns:a="http://schemas.openxmlformats.org/drawingml/2006/main" xmlns:r="http://schemas.openxmlformats.org/officeDocument/2006/relationships" xmlns:mc="http://schemas.openxmlformats.org/markup-compatibility/2006" xmlns:mv="urn:schemas-microsoft-com:mac:vml" xmlns:p="http://schemas.openxmlformats.org/presentationml/2006/main" xmlns:c="http://schemas.openxmlformats.org/drawingml/2006/chart" xmlns:dgm="http://schemas.openxmlformats.org/drawingml/2006/diagram" xmlns:o="urn:schemas-microsoft-com:office:office" xmlns:v="urn:schemas-microsoft-com:vml" xmlns:pvml="urn:schemas-microsoft-com:office:powerpoint" xmlns:com="http://schemas.openxmlformats.org/drawingml/2006/compatibility" xmlns:p14="http://schemas.microsoft.com/office/powerpoint/2010/main" xmlns:p15="http://schemas.microsoft.com/office/powerpoint/2012/main" matchingName="Caption">
+<file path=ppt/slideLayouts/slideLayout8.xml><?xml version="1.0" encoding="utf-8"?>
+<p:sldLayout xmlns:a="http://schemas.openxmlformats.org/drawingml/2006/main" xmlns:r="http://schemas.openxmlformats.org/officeDocument/2006/relationships" xmlns:p="http://schemas.openxmlformats.org/presentationml/2006/main" matchingName="Caption">
   <p:cSld name="CAPTION_ONLY">
     <p:spTree>
       <p:nvGrpSpPr>
-        <p:cNvPr id="41" name="Shape 41"/>
+        <p:cNvPr id="1" name="Shape 41"/>
         <p:cNvGrpSpPr/>
         <p:nvPr/>
       </p:nvGrpSpPr>
@@ -5051,9 +4349,11 @@
       <p:sp>
         <p:nvSpPr>
           <p:cNvPr id="42" name="Google Shape;42;p10"/>
-          <p:cNvSpPr txBox="1"/>
+          <p:cNvSpPr txBox="1">
+            <a:spLocks noGrp="1"/>
+          </p:cNvSpPr>
           <p:nvPr>
-            <p:ph idx="1" type="body"/>
+            <p:ph type="body" idx="1"/>
           </p:nvPr>
         </p:nvSpPr>
         <p:spPr>
@@ -5066,11 +4366,11 @@
           </a:prstGeom>
         </p:spPr>
         <p:txBody>
-          <a:bodyPr anchorCtr="0" anchor="ctr" bIns="91425" lIns="91425" spcFirstLastPara="1" rIns="91425" wrap="square" tIns="91425">
+          <a:bodyPr spcFirstLastPara="1" wrap="square" lIns="91425" tIns="91425" rIns="91425" bIns="91425" anchor="ctr" anchorCtr="0">
             <a:noAutofit/>
           </a:bodyPr>
           <a:lstStyle>
-            <a:lvl1pPr indent="-228600" lvl="0" marL="457200">
+            <a:lvl1pPr marL="457200" lvl="0" indent="-228600">
               <a:lnSpc>
                 <a:spcPct val="100000"/>
               </a:lnSpc>
@@ -5085,15 +4385,19 @@
               <a:defRPr/>
             </a:lvl1pPr>
           </a:lstStyle>
-          <a:p/>
+          <a:p>
+            <a:endParaRPr/>
+          </a:p>
         </p:txBody>
       </p:sp>
       <p:sp>
         <p:nvSpPr>
           <p:cNvPr id="43" name="Google Shape;43;p10"/>
-          <p:cNvSpPr txBox="1"/>
+          <p:cNvSpPr txBox="1">
+            <a:spLocks noGrp="1"/>
+          </p:cNvSpPr>
           <p:nvPr>
-            <p:ph idx="12" type="sldNum"/>
+            <p:ph type="sldNum" idx="12"/>
           </p:nvPr>
         </p:nvSpPr>
         <p:spPr>
@@ -5106,7 +4410,7 @@
           </a:prstGeom>
         </p:spPr>
         <p:txBody>
-          <a:bodyPr anchorCtr="0" anchor="ctr" bIns="91425" lIns="91425" spcFirstLastPara="1" rIns="91425" wrap="square" tIns="91425">
+          <a:bodyPr spcFirstLastPara="1" wrap="square" lIns="91425" tIns="91425" rIns="91425" bIns="91425" anchor="ctr" anchorCtr="0">
             <a:noAutofit/>
           </a:bodyPr>
           <a:lstStyle>
@@ -5148,7 +4452,371 @@
             </a:lvl9pPr>
           </a:lstStyle>
           <a:p>
-            <a:pPr indent="0" lvl="0" marL="0" rtl="0" algn="r">
+            <a:pPr marL="0" lvl="0" indent="0" algn="r" rtl="0">
+              <a:spcBef>
+                <a:spcPts val="0"/>
+              </a:spcBef>
+              <a:spcAft>
+                <a:spcPts val="0"/>
+              </a:spcAft>
+              <a:buNone/>
+            </a:pPr>
+            <a:fld id="{00000000-1234-1234-1234-123412341234}" type="slidenum">
+              <a:rPr lang="en"/>
+              <a:t>‹#›</a:t>
+            </a:fld>
+            <a:endParaRPr/>
+          </a:p>
+        </p:txBody>
+      </p:sp>
+    </p:spTree>
+  </p:cSld>
+  <p:clrMapOvr>
+    <a:masterClrMapping/>
+  </p:clrMapOvr>
+</p:sldLayout>
+</file>
+
+<file path=ppt/slideLayouts/slideLayout9.xml><?xml version="1.0" encoding="utf-8"?>
+<p:sldLayout xmlns:a="http://schemas.openxmlformats.org/drawingml/2006/main" xmlns:r="http://schemas.openxmlformats.org/officeDocument/2006/relationships" xmlns:p="http://schemas.openxmlformats.org/presentationml/2006/main" matchingName="Big number">
+  <p:cSld name="BIG_NUMBER">
+    <p:spTree>
+      <p:nvGrpSpPr>
+        <p:cNvPr id="1" name="Shape 44"/>
+        <p:cNvGrpSpPr/>
+        <p:nvPr/>
+      </p:nvGrpSpPr>
+      <p:grpSpPr>
+        <a:xfrm>
+          <a:off x="0" y="0"/>
+          <a:ext cx="0" cy="0"/>
+          <a:chOff x="0" y="0"/>
+          <a:chExt cx="0" cy="0"/>
+        </a:xfrm>
+      </p:grpSpPr>
+      <p:sp>
+        <p:nvSpPr>
+          <p:cNvPr id="45" name="Google Shape;45;p11"/>
+          <p:cNvSpPr txBox="1">
+            <a:spLocks noGrp="1"/>
+          </p:cNvSpPr>
+          <p:nvPr>
+            <p:ph type="title" hasCustomPrompt="1"/>
+          </p:nvPr>
+        </p:nvSpPr>
+        <p:spPr>
+          <a:xfrm>
+            <a:off x="311700" y="1106125"/>
+            <a:ext cx="8520600" cy="1963500"/>
+          </a:xfrm>
+          <a:prstGeom prst="rect">
+            <a:avLst/>
+          </a:prstGeom>
+        </p:spPr>
+        <p:txBody>
+          <a:bodyPr spcFirstLastPara="1" wrap="square" lIns="91425" tIns="91425" rIns="91425" bIns="91425" anchor="b" anchorCtr="0">
+            <a:noAutofit/>
+          </a:bodyPr>
+          <a:lstStyle>
+            <a:lvl1pPr lvl="0" algn="ctr">
+              <a:spcBef>
+                <a:spcPts val="0"/>
+              </a:spcBef>
+              <a:spcAft>
+                <a:spcPts val="0"/>
+              </a:spcAft>
+              <a:buSzPts val="12000"/>
+              <a:buNone/>
+              <a:defRPr sz="12000"/>
+            </a:lvl1pPr>
+            <a:lvl2pPr lvl="1" algn="ctr">
+              <a:spcBef>
+                <a:spcPts val="0"/>
+              </a:spcBef>
+              <a:spcAft>
+                <a:spcPts val="0"/>
+              </a:spcAft>
+              <a:buSzPts val="12000"/>
+              <a:buNone/>
+              <a:defRPr sz="12000"/>
+            </a:lvl2pPr>
+            <a:lvl3pPr lvl="2" algn="ctr">
+              <a:spcBef>
+                <a:spcPts val="0"/>
+              </a:spcBef>
+              <a:spcAft>
+                <a:spcPts val="0"/>
+              </a:spcAft>
+              <a:buSzPts val="12000"/>
+              <a:buNone/>
+              <a:defRPr sz="12000"/>
+            </a:lvl3pPr>
+            <a:lvl4pPr lvl="3" algn="ctr">
+              <a:spcBef>
+                <a:spcPts val="0"/>
+              </a:spcBef>
+              <a:spcAft>
+                <a:spcPts val="0"/>
+              </a:spcAft>
+              <a:buSzPts val="12000"/>
+              <a:buNone/>
+              <a:defRPr sz="12000"/>
+            </a:lvl4pPr>
+            <a:lvl5pPr lvl="4" algn="ctr">
+              <a:spcBef>
+                <a:spcPts val="0"/>
+              </a:spcBef>
+              <a:spcAft>
+                <a:spcPts val="0"/>
+              </a:spcAft>
+              <a:buSzPts val="12000"/>
+              <a:buNone/>
+              <a:defRPr sz="12000"/>
+            </a:lvl5pPr>
+            <a:lvl6pPr lvl="5" algn="ctr">
+              <a:spcBef>
+                <a:spcPts val="0"/>
+              </a:spcBef>
+              <a:spcAft>
+                <a:spcPts val="0"/>
+              </a:spcAft>
+              <a:buSzPts val="12000"/>
+              <a:buNone/>
+              <a:defRPr sz="12000"/>
+            </a:lvl6pPr>
+            <a:lvl7pPr lvl="6" algn="ctr">
+              <a:spcBef>
+                <a:spcPts val="0"/>
+              </a:spcBef>
+              <a:spcAft>
+                <a:spcPts val="0"/>
+              </a:spcAft>
+              <a:buSzPts val="12000"/>
+              <a:buNone/>
+              <a:defRPr sz="12000"/>
+            </a:lvl7pPr>
+            <a:lvl8pPr lvl="7" algn="ctr">
+              <a:spcBef>
+                <a:spcPts val="0"/>
+              </a:spcBef>
+              <a:spcAft>
+                <a:spcPts val="0"/>
+              </a:spcAft>
+              <a:buSzPts val="12000"/>
+              <a:buNone/>
+              <a:defRPr sz="12000"/>
+            </a:lvl8pPr>
+            <a:lvl9pPr lvl="8" algn="ctr">
+              <a:spcBef>
+                <a:spcPts val="0"/>
+              </a:spcBef>
+              <a:spcAft>
+                <a:spcPts val="0"/>
+              </a:spcAft>
+              <a:buSzPts val="12000"/>
+              <a:buNone/>
+              <a:defRPr sz="12000"/>
+            </a:lvl9pPr>
+          </a:lstStyle>
+          <a:p>
+            <a:r>
+              <a:t>xx%</a:t>
+            </a:r>
+          </a:p>
+        </p:txBody>
+      </p:sp>
+      <p:sp>
+        <p:nvSpPr>
+          <p:cNvPr id="46" name="Google Shape;46;p11"/>
+          <p:cNvSpPr txBox="1">
+            <a:spLocks noGrp="1"/>
+          </p:cNvSpPr>
+          <p:nvPr>
+            <p:ph type="body" idx="1"/>
+          </p:nvPr>
+        </p:nvSpPr>
+        <p:spPr>
+          <a:xfrm>
+            <a:off x="311700" y="3152225"/>
+            <a:ext cx="8520600" cy="1300800"/>
+          </a:xfrm>
+          <a:prstGeom prst="rect">
+            <a:avLst/>
+          </a:prstGeom>
+        </p:spPr>
+        <p:txBody>
+          <a:bodyPr spcFirstLastPara="1" wrap="square" lIns="91425" tIns="91425" rIns="91425" bIns="91425" anchor="t" anchorCtr="0">
+            <a:noAutofit/>
+          </a:bodyPr>
+          <a:lstStyle>
+            <a:lvl1pPr marL="457200" lvl="0" indent="-342900" algn="ctr">
+              <a:spcBef>
+                <a:spcPts val="0"/>
+              </a:spcBef>
+              <a:spcAft>
+                <a:spcPts val="0"/>
+              </a:spcAft>
+              <a:buSzPts val="1800"/>
+              <a:buChar char="●"/>
+              <a:defRPr/>
+            </a:lvl1pPr>
+            <a:lvl2pPr marL="914400" lvl="1" indent="-317500" algn="ctr">
+              <a:spcBef>
+                <a:spcPts val="1600"/>
+              </a:spcBef>
+              <a:spcAft>
+                <a:spcPts val="0"/>
+              </a:spcAft>
+              <a:buSzPts val="1400"/>
+              <a:buChar char="○"/>
+              <a:defRPr/>
+            </a:lvl2pPr>
+            <a:lvl3pPr marL="1371600" lvl="2" indent="-317500" algn="ctr">
+              <a:spcBef>
+                <a:spcPts val="1600"/>
+              </a:spcBef>
+              <a:spcAft>
+                <a:spcPts val="0"/>
+              </a:spcAft>
+              <a:buSzPts val="1400"/>
+              <a:buChar char="■"/>
+              <a:defRPr/>
+            </a:lvl3pPr>
+            <a:lvl4pPr marL="1828800" lvl="3" indent="-317500" algn="ctr">
+              <a:spcBef>
+                <a:spcPts val="1600"/>
+              </a:spcBef>
+              <a:spcAft>
+                <a:spcPts val="0"/>
+              </a:spcAft>
+              <a:buSzPts val="1400"/>
+              <a:buChar char="●"/>
+              <a:defRPr/>
+            </a:lvl4pPr>
+            <a:lvl5pPr marL="2286000" lvl="4" indent="-317500" algn="ctr">
+              <a:spcBef>
+                <a:spcPts val="1600"/>
+              </a:spcBef>
+              <a:spcAft>
+                <a:spcPts val="0"/>
+              </a:spcAft>
+              <a:buSzPts val="1400"/>
+              <a:buChar char="○"/>
+              <a:defRPr/>
+            </a:lvl5pPr>
+            <a:lvl6pPr marL="2743200" lvl="5" indent="-317500" algn="ctr">
+              <a:spcBef>
+                <a:spcPts val="1600"/>
+              </a:spcBef>
+              <a:spcAft>
+                <a:spcPts val="0"/>
+              </a:spcAft>
+              <a:buSzPts val="1400"/>
+              <a:buChar char="■"/>
+              <a:defRPr/>
+            </a:lvl6pPr>
+            <a:lvl7pPr marL="3200400" lvl="6" indent="-317500" algn="ctr">
+              <a:spcBef>
+                <a:spcPts val="1600"/>
+              </a:spcBef>
+              <a:spcAft>
+                <a:spcPts val="0"/>
+              </a:spcAft>
+              <a:buSzPts val="1400"/>
+              <a:buChar char="●"/>
+              <a:defRPr/>
+            </a:lvl7pPr>
+            <a:lvl8pPr marL="3657600" lvl="7" indent="-317500" algn="ctr">
+              <a:spcBef>
+                <a:spcPts val="1600"/>
+              </a:spcBef>
+              <a:spcAft>
+                <a:spcPts val="0"/>
+              </a:spcAft>
+              <a:buSzPts val="1400"/>
+              <a:buChar char="○"/>
+              <a:defRPr/>
+            </a:lvl8pPr>
+            <a:lvl9pPr marL="4114800" lvl="8" indent="-317500" algn="ctr">
+              <a:spcBef>
+                <a:spcPts val="1600"/>
+              </a:spcBef>
+              <a:spcAft>
+                <a:spcPts val="1600"/>
+              </a:spcAft>
+              <a:buSzPts val="1400"/>
+              <a:buChar char="■"/>
+              <a:defRPr/>
+            </a:lvl9pPr>
+          </a:lstStyle>
+          <a:p>
+            <a:endParaRPr/>
+          </a:p>
+        </p:txBody>
+      </p:sp>
+      <p:sp>
+        <p:nvSpPr>
+          <p:cNvPr id="47" name="Google Shape;47;p11"/>
+          <p:cNvSpPr txBox="1">
+            <a:spLocks noGrp="1"/>
+          </p:cNvSpPr>
+          <p:nvPr>
+            <p:ph type="sldNum" idx="12"/>
+          </p:nvPr>
+        </p:nvSpPr>
+        <p:spPr>
+          <a:xfrm>
+            <a:off x="8472458" y="4663217"/>
+            <a:ext cx="548700" cy="393600"/>
+          </a:xfrm>
+          <a:prstGeom prst="rect">
+            <a:avLst/>
+          </a:prstGeom>
+        </p:spPr>
+        <p:txBody>
+          <a:bodyPr spcFirstLastPara="1" wrap="square" lIns="91425" tIns="91425" rIns="91425" bIns="91425" anchor="ctr" anchorCtr="0">
+            <a:noAutofit/>
+          </a:bodyPr>
+          <a:lstStyle>
+            <a:lvl1pPr lvl="0">
+              <a:buNone/>
+              <a:defRPr/>
+            </a:lvl1pPr>
+            <a:lvl2pPr lvl="1">
+              <a:buNone/>
+              <a:defRPr/>
+            </a:lvl2pPr>
+            <a:lvl3pPr lvl="2">
+              <a:buNone/>
+              <a:defRPr/>
+            </a:lvl3pPr>
+            <a:lvl4pPr lvl="3">
+              <a:buNone/>
+              <a:defRPr/>
+            </a:lvl4pPr>
+            <a:lvl5pPr lvl="4">
+              <a:buNone/>
+              <a:defRPr/>
+            </a:lvl5pPr>
+            <a:lvl6pPr lvl="5">
+              <a:buNone/>
+              <a:defRPr/>
+            </a:lvl6pPr>
+            <a:lvl7pPr lvl="6">
+              <a:buNone/>
+              <a:defRPr/>
+            </a:lvl7pPr>
+            <a:lvl8pPr lvl="7">
+              <a:buNone/>
+              <a:defRPr/>
+            </a:lvl8pPr>
+            <a:lvl9pPr lvl="8">
+              <a:buNone/>
+              <a:defRPr/>
+            </a:lvl9pPr>
+          </a:lstStyle>
+          <a:p>
+            <a:pPr marL="0" lvl="0" indent="0" algn="r" rtl="0">
               <a:spcBef>
                 <a:spcPts val="0"/>
               </a:spcBef>
@@ -5174,18 +4842,19 @@
 </file>
 
 <file path=ppt/slideMasters/slideMaster1.xml><?xml version="1.0" encoding="utf-8"?>
-<p:sldMaster xmlns:a="http://schemas.openxmlformats.org/drawingml/2006/main" xmlns:r="http://schemas.openxmlformats.org/officeDocument/2006/relationships" xmlns:mc="http://schemas.openxmlformats.org/markup-compatibility/2006" xmlns:mv="urn:schemas-microsoft-com:mac:vml" xmlns:p="http://schemas.openxmlformats.org/presentationml/2006/main" xmlns:c="http://schemas.openxmlformats.org/drawingml/2006/chart" xmlns:dgm="http://schemas.openxmlformats.org/drawingml/2006/diagram" xmlns:o="urn:schemas-microsoft-com:office:office" xmlns:v="urn:schemas-microsoft-com:vml" xmlns:pvml="urn:schemas-microsoft-com:office:powerpoint" xmlns:com="http://schemas.openxmlformats.org/drawingml/2006/compatibility" xmlns:p14="http://schemas.microsoft.com/office/powerpoint/2010/main" xmlns:p15="http://schemas.microsoft.com/office/powerpoint/2012/main">
+<p:sldMaster xmlns:a="http://schemas.openxmlformats.org/drawingml/2006/main" xmlns:r="http://schemas.openxmlformats.org/officeDocument/2006/relationships" xmlns:p="http://schemas.openxmlformats.org/presentationml/2006/main">
   <p:cSld name="simple-light-2">
     <p:bg>
       <p:bgPr>
         <a:solidFill>
           <a:schemeClr val="lt1"/>
         </a:solidFill>
+        <a:effectLst/>
       </p:bgPr>
     </p:bg>
     <p:spTree>
       <p:nvGrpSpPr>
-        <p:cNvPr id="5" name="Shape 5"/>
+        <p:cNvPr id="1" name="Shape 5"/>
         <p:cNvGrpSpPr/>
         <p:nvPr/>
       </p:nvGrpSpPr>
@@ -5200,7 +4869,9 @@
       <p:sp>
         <p:nvSpPr>
           <p:cNvPr id="6" name="Google Shape;6;p1"/>
-          <p:cNvSpPr txBox="1"/>
+          <p:cNvSpPr txBox="1">
+            <a:spLocks noGrp="1"/>
+          </p:cNvSpPr>
           <p:nvPr>
             <p:ph type="title"/>
           </p:nvPr>
@@ -5219,7 +4890,7 @@
           </a:ln>
         </p:spPr>
         <p:txBody>
-          <a:bodyPr anchorCtr="0" anchor="t" bIns="91425" lIns="91425" spcFirstLastPara="1" rIns="91425" wrap="square" tIns="91425">
+          <a:bodyPr spcFirstLastPara="1" wrap="square" lIns="91425" tIns="91425" rIns="91425" bIns="91425" anchor="t" anchorCtr="0">
             <a:noAutofit/>
           </a:bodyPr>
           <a:lstStyle>
@@ -5386,15 +5057,19 @@
               </a:defRPr>
             </a:lvl9pPr>
           </a:lstStyle>
-          <a:p/>
+          <a:p>
+            <a:endParaRPr/>
+          </a:p>
         </p:txBody>
       </p:sp>
       <p:sp>
         <p:nvSpPr>
           <p:cNvPr id="7" name="Google Shape;7;p1"/>
-          <p:cNvSpPr txBox="1"/>
+          <p:cNvSpPr txBox="1">
+            <a:spLocks noGrp="1"/>
+          </p:cNvSpPr>
           <p:nvPr>
-            <p:ph idx="1" type="body"/>
+            <p:ph type="body" idx="1"/>
           </p:nvPr>
         </p:nvSpPr>
         <p:spPr>
@@ -5411,11 +5086,11 @@
           </a:ln>
         </p:spPr>
         <p:txBody>
-          <a:bodyPr anchorCtr="0" anchor="t" bIns="91425" lIns="91425" spcFirstLastPara="1" rIns="91425" wrap="square" tIns="91425">
+          <a:bodyPr spcFirstLastPara="1" wrap="square" lIns="91425" tIns="91425" rIns="91425" bIns="91425" anchor="t" anchorCtr="0">
             <a:noAutofit/>
           </a:bodyPr>
           <a:lstStyle>
-            <a:lvl1pPr indent="-342900" lvl="0" marL="457200">
+            <a:lvl1pPr marL="457200" lvl="0" indent="-342900">
               <a:lnSpc>
                 <a:spcPct val="115000"/>
               </a:lnSpc>
@@ -5436,7 +5111,7 @@
                 </a:solidFill>
               </a:defRPr>
             </a:lvl1pPr>
-            <a:lvl2pPr indent="-317500" lvl="1" marL="914400">
+            <a:lvl2pPr marL="914400" lvl="1" indent="-317500">
               <a:lnSpc>
                 <a:spcPct val="115000"/>
               </a:lnSpc>
@@ -5457,7 +5132,7 @@
                 </a:solidFill>
               </a:defRPr>
             </a:lvl2pPr>
-            <a:lvl3pPr indent="-317500" lvl="2" marL="1371600">
+            <a:lvl3pPr marL="1371600" lvl="2" indent="-317500">
               <a:lnSpc>
                 <a:spcPct val="115000"/>
               </a:lnSpc>
@@ -5478,7 +5153,7 @@
                 </a:solidFill>
               </a:defRPr>
             </a:lvl3pPr>
-            <a:lvl4pPr indent="-317500" lvl="3" marL="1828800">
+            <a:lvl4pPr marL="1828800" lvl="3" indent="-317500">
               <a:lnSpc>
                 <a:spcPct val="115000"/>
               </a:lnSpc>
@@ -5499,7 +5174,7 @@
                 </a:solidFill>
               </a:defRPr>
             </a:lvl4pPr>
-            <a:lvl5pPr indent="-317500" lvl="4" marL="2286000">
+            <a:lvl5pPr marL="2286000" lvl="4" indent="-317500">
               <a:lnSpc>
                 <a:spcPct val="115000"/>
               </a:lnSpc>
@@ -5520,7 +5195,7 @@
                 </a:solidFill>
               </a:defRPr>
             </a:lvl5pPr>
-            <a:lvl6pPr indent="-317500" lvl="5" marL="2743200">
+            <a:lvl6pPr marL="2743200" lvl="5" indent="-317500">
               <a:lnSpc>
                 <a:spcPct val="115000"/>
               </a:lnSpc>
@@ -5541,7 +5216,7 @@
                 </a:solidFill>
               </a:defRPr>
             </a:lvl6pPr>
-            <a:lvl7pPr indent="-317500" lvl="6" marL="3200400">
+            <a:lvl7pPr marL="3200400" lvl="6" indent="-317500">
               <a:lnSpc>
                 <a:spcPct val="115000"/>
               </a:lnSpc>
@@ -5562,7 +5237,7 @@
                 </a:solidFill>
               </a:defRPr>
             </a:lvl7pPr>
-            <a:lvl8pPr indent="-317500" lvl="7" marL="3657600">
+            <a:lvl8pPr marL="3657600" lvl="7" indent="-317500">
               <a:lnSpc>
                 <a:spcPct val="115000"/>
               </a:lnSpc>
@@ -5583,7 +5258,7 @@
                 </a:solidFill>
               </a:defRPr>
             </a:lvl8pPr>
-            <a:lvl9pPr indent="-317500" lvl="8" marL="4114800">
+            <a:lvl9pPr marL="4114800" lvl="8" indent="-317500">
               <a:lnSpc>
                 <a:spcPct val="115000"/>
               </a:lnSpc>
@@ -5605,15 +5280,19 @@
               </a:defRPr>
             </a:lvl9pPr>
           </a:lstStyle>
-          <a:p/>
+          <a:p>
+            <a:endParaRPr/>
+          </a:p>
         </p:txBody>
       </p:sp>
       <p:sp>
         <p:nvSpPr>
           <p:cNvPr id="8" name="Google Shape;8;p1"/>
-          <p:cNvSpPr txBox="1"/>
+          <p:cNvSpPr txBox="1">
+            <a:spLocks noGrp="1"/>
+          </p:cNvSpPr>
           <p:nvPr>
-            <p:ph idx="12" type="sldNum"/>
+            <p:ph type="sldNum" idx="12"/>
           </p:nvPr>
         </p:nvSpPr>
         <p:spPr>
@@ -5630,7 +5309,7 @@
           </a:ln>
         </p:spPr>
         <p:txBody>
-          <a:bodyPr anchorCtr="0" anchor="ctr" bIns="91425" lIns="91425" spcFirstLastPara="1" rIns="91425" wrap="square" tIns="91425">
+          <a:bodyPr spcFirstLastPara="1" wrap="square" lIns="91425" tIns="91425" rIns="91425" bIns="91425" anchor="ctr" anchorCtr="0">
             <a:noAutofit/>
           </a:bodyPr>
           <a:lstStyle>
@@ -5708,7 +5387,7 @@
             </a:lvl9pPr>
           </a:lstStyle>
           <a:p>
-            <a:pPr indent="0" lvl="0" marL="0" rtl="0" algn="r">
+            <a:pPr marL="0" lvl="0" indent="0" algn="r" rtl="0">
               <a:spcBef>
                 <a:spcPts val="0"/>
               </a:spcBef>
@@ -5727,24 +5406,23 @@
       </p:sp>
     </p:spTree>
   </p:cSld>
-  <p:clrMap accent1="accent1" accent2="accent2" accent3="accent3" accent4="accent4" accent5="accent5" accent6="accent6" bg1="lt1" bg2="dk2" tx1="dk1" tx2="lt2" folHlink="folHlink" hlink="hlink"/>
+  <p:clrMap bg1="lt1" tx1="dk1" bg2="dk2" tx2="lt2" accent1="accent1" accent2="accent2" accent3="accent3" accent4="accent4" accent5="accent5" accent6="accent6" hlink="hlink" folHlink="folHlink"/>
   <p:sldLayoutIdLst>
     <p:sldLayoutId id="2147483648" r:id="rId1"/>
     <p:sldLayoutId id="2147483649" r:id="rId2"/>
     <p:sldLayoutId id="2147483650" r:id="rId3"/>
-    <p:sldLayoutId id="2147483651" r:id="rId4"/>
-    <p:sldLayoutId id="2147483652" r:id="rId5"/>
-    <p:sldLayoutId id="2147483653" r:id="rId6"/>
-    <p:sldLayoutId id="2147483654" r:id="rId7"/>
-    <p:sldLayoutId id="2147483655" r:id="rId8"/>
-    <p:sldLayoutId id="2147483656" r:id="rId9"/>
-    <p:sldLayoutId id="2147483657" r:id="rId10"/>
-    <p:sldLayoutId id="2147483658" r:id="rId11"/>
+    <p:sldLayoutId id="2147483652" r:id="rId4"/>
+    <p:sldLayoutId id="2147483653" r:id="rId5"/>
+    <p:sldLayoutId id="2147483654" r:id="rId6"/>
+    <p:sldLayoutId id="2147483655" r:id="rId7"/>
+    <p:sldLayoutId id="2147483656" r:id="rId8"/>
+    <p:sldLayoutId id="2147483657" r:id="rId9"/>
+    <p:sldLayoutId id="2147483658" r:id="rId10"/>
   </p:sldLayoutIdLst>
-  <p:hf dt="0" ftr="0" hdr="0" sldNum="0"/>
+  <p:hf sldNum="0" hdr="0" ftr="0" dt="0"/>
   <p:txStyles>
     <p:titleStyle>
-      <a:defPPr lvl="0" marR="0" rtl="0" algn="l">
+      <a:defPPr marR="0" lvl="0" algn="l" rtl="0">
         <a:lnSpc>
           <a:spcPct val="100000"/>
         </a:lnSpc>
@@ -5755,7 +5433,7 @@
           <a:spcPts val="0"/>
         </a:spcAft>
       </a:defPPr>
-      <a:lvl1pPr lvl="0" marR="0" rtl="0" algn="l">
+      <a:lvl1pPr marR="0" lvl="0" algn="l" rtl="0">
         <a:lnSpc>
           <a:spcPct val="100000"/>
         </a:lnSpc>
@@ -5769,7 +5447,7 @@
           <a:srgbClr val="000000"/>
         </a:buClr>
         <a:buFont typeface="Arial"/>
-        <a:defRPr b="0" i="0" sz="1400" u="none" cap="none" strike="noStrike">
+        <a:defRPr sz="1400" b="0" i="0" u="none" strike="noStrike" cap="none">
           <a:solidFill>
             <a:srgbClr val="000000"/>
           </a:solidFill>
@@ -5779,7 +5457,7 @@
           <a:sym typeface="Arial"/>
         </a:defRPr>
       </a:lvl1pPr>
-      <a:lvl2pPr lvl="1" marR="0" rtl="0" algn="l">
+      <a:lvl2pPr marR="0" lvl="1" algn="l" rtl="0">
         <a:lnSpc>
           <a:spcPct val="100000"/>
         </a:lnSpc>
@@ -5793,7 +5471,7 @@
           <a:srgbClr val="000000"/>
         </a:buClr>
         <a:buFont typeface="Arial"/>
-        <a:defRPr b="0" i="0" sz="1400" u="none" cap="none" strike="noStrike">
+        <a:defRPr sz="1400" b="0" i="0" u="none" strike="noStrike" cap="none">
           <a:solidFill>
             <a:srgbClr val="000000"/>
           </a:solidFill>
@@ -5803,7 +5481,7 @@
           <a:sym typeface="Arial"/>
         </a:defRPr>
       </a:lvl2pPr>
-      <a:lvl3pPr lvl="2" marR="0" rtl="0" algn="l">
+      <a:lvl3pPr marR="0" lvl="2" algn="l" rtl="0">
         <a:lnSpc>
           <a:spcPct val="100000"/>
         </a:lnSpc>
@@ -5817,7 +5495,7 @@
           <a:srgbClr val="000000"/>
         </a:buClr>
         <a:buFont typeface="Arial"/>
-        <a:defRPr b="0" i="0" sz="1400" u="none" cap="none" strike="noStrike">
+        <a:defRPr sz="1400" b="0" i="0" u="none" strike="noStrike" cap="none">
           <a:solidFill>
             <a:srgbClr val="000000"/>
           </a:solidFill>
@@ -5827,7 +5505,7 @@
           <a:sym typeface="Arial"/>
         </a:defRPr>
       </a:lvl3pPr>
-      <a:lvl4pPr lvl="3" marR="0" rtl="0" algn="l">
+      <a:lvl4pPr marR="0" lvl="3" algn="l" rtl="0">
         <a:lnSpc>
           <a:spcPct val="100000"/>
         </a:lnSpc>
@@ -5841,7 +5519,7 @@
           <a:srgbClr val="000000"/>
         </a:buClr>
         <a:buFont typeface="Arial"/>
-        <a:defRPr b="0" i="0" sz="1400" u="none" cap="none" strike="noStrike">
+        <a:defRPr sz="1400" b="0" i="0" u="none" strike="noStrike" cap="none">
           <a:solidFill>
             <a:srgbClr val="000000"/>
           </a:solidFill>
@@ -5851,7 +5529,7 @@
           <a:sym typeface="Arial"/>
         </a:defRPr>
       </a:lvl4pPr>
-      <a:lvl5pPr lvl="4" marR="0" rtl="0" algn="l">
+      <a:lvl5pPr marR="0" lvl="4" algn="l" rtl="0">
         <a:lnSpc>
           <a:spcPct val="100000"/>
         </a:lnSpc>
@@ -5865,7 +5543,7 @@
           <a:srgbClr val="000000"/>
         </a:buClr>
         <a:buFont typeface="Arial"/>
-        <a:defRPr b="0" i="0" sz="1400" u="none" cap="none" strike="noStrike">
+        <a:defRPr sz="1400" b="0" i="0" u="none" strike="noStrike" cap="none">
           <a:solidFill>
             <a:srgbClr val="000000"/>
           </a:solidFill>
@@ -5875,7 +5553,7 @@
           <a:sym typeface="Arial"/>
         </a:defRPr>
       </a:lvl5pPr>
-      <a:lvl6pPr lvl="5" marR="0" rtl="0" algn="l">
+      <a:lvl6pPr marR="0" lvl="5" algn="l" rtl="0">
         <a:lnSpc>
           <a:spcPct val="100000"/>
         </a:lnSpc>
@@ -5889,7 +5567,7 @@
           <a:srgbClr val="000000"/>
         </a:buClr>
         <a:buFont typeface="Arial"/>
-        <a:defRPr b="0" i="0" sz="1400" u="none" cap="none" strike="noStrike">
+        <a:defRPr sz="1400" b="0" i="0" u="none" strike="noStrike" cap="none">
           <a:solidFill>
             <a:srgbClr val="000000"/>
           </a:solidFill>
@@ -5899,7 +5577,7 @@
           <a:sym typeface="Arial"/>
         </a:defRPr>
       </a:lvl6pPr>
-      <a:lvl7pPr lvl="6" marR="0" rtl="0" algn="l">
+      <a:lvl7pPr marR="0" lvl="6" algn="l" rtl="0">
         <a:lnSpc>
           <a:spcPct val="100000"/>
         </a:lnSpc>
@@ -5913,7 +5591,7 @@
           <a:srgbClr val="000000"/>
         </a:buClr>
         <a:buFont typeface="Arial"/>
-        <a:defRPr b="0" i="0" sz="1400" u="none" cap="none" strike="noStrike">
+        <a:defRPr sz="1400" b="0" i="0" u="none" strike="noStrike" cap="none">
           <a:solidFill>
             <a:srgbClr val="000000"/>
           </a:solidFill>
@@ -5923,7 +5601,7 @@
           <a:sym typeface="Arial"/>
         </a:defRPr>
       </a:lvl7pPr>
-      <a:lvl8pPr lvl="7" marR="0" rtl="0" algn="l">
+      <a:lvl8pPr marR="0" lvl="7" algn="l" rtl="0">
         <a:lnSpc>
           <a:spcPct val="100000"/>
         </a:lnSpc>
@@ -5937,7 +5615,7 @@
           <a:srgbClr val="000000"/>
         </a:buClr>
         <a:buFont typeface="Arial"/>
-        <a:defRPr b="0" i="0" sz="1400" u="none" cap="none" strike="noStrike">
+        <a:defRPr sz="1400" b="0" i="0" u="none" strike="noStrike" cap="none">
           <a:solidFill>
             <a:srgbClr val="000000"/>
           </a:solidFill>
@@ -5947,7 +5625,7 @@
           <a:sym typeface="Arial"/>
         </a:defRPr>
       </a:lvl8pPr>
-      <a:lvl9pPr lvl="8" marR="0" rtl="0" algn="l">
+      <a:lvl9pPr marR="0" lvl="8" algn="l" rtl="0">
         <a:lnSpc>
           <a:spcPct val="100000"/>
         </a:lnSpc>
@@ -5961,7 +5639,7 @@
           <a:srgbClr val="000000"/>
         </a:buClr>
         <a:buFont typeface="Arial"/>
-        <a:defRPr b="0" i="0" sz="1400" u="none" cap="none" strike="noStrike">
+        <a:defRPr sz="1400" b="0" i="0" u="none" strike="noStrike" cap="none">
           <a:solidFill>
             <a:srgbClr val="000000"/>
           </a:solidFill>
@@ -5973,7 +5651,7 @@
       </a:lvl9pPr>
     </p:titleStyle>
     <p:bodyStyle>
-      <a:defPPr lvl="0" marR="0" rtl="0" algn="l">
+      <a:defPPr marR="0" lvl="0" algn="l" rtl="0">
         <a:lnSpc>
           <a:spcPct val="100000"/>
         </a:lnSpc>
@@ -5984,7 +5662,7 @@
           <a:spcPts val="0"/>
         </a:spcAft>
       </a:defPPr>
-      <a:lvl1pPr lvl="0" marR="0" rtl="0" algn="l">
+      <a:lvl1pPr marR="0" lvl="0" algn="l" rtl="0">
         <a:lnSpc>
           <a:spcPct val="100000"/>
         </a:lnSpc>
@@ -5998,7 +5676,7 @@
           <a:srgbClr val="000000"/>
         </a:buClr>
         <a:buFont typeface="Arial"/>
-        <a:defRPr b="0" i="0" sz="1400" u="none" cap="none" strike="noStrike">
+        <a:defRPr sz="1400" b="0" i="0" u="none" strike="noStrike" cap="none">
           <a:solidFill>
             <a:srgbClr val="000000"/>
           </a:solidFill>
@@ -6008,7 +5686,7 @@
           <a:sym typeface="Arial"/>
         </a:defRPr>
       </a:lvl1pPr>
-      <a:lvl2pPr lvl="1" marR="0" rtl="0" algn="l">
+      <a:lvl2pPr marR="0" lvl="1" algn="l" rtl="0">
         <a:lnSpc>
           <a:spcPct val="100000"/>
         </a:lnSpc>
@@ -6022,7 +5700,7 @@
           <a:srgbClr val="000000"/>
         </a:buClr>
         <a:buFont typeface="Arial"/>
-        <a:defRPr b="0" i="0" sz="1400" u="none" cap="none" strike="noStrike">
+        <a:defRPr sz="1400" b="0" i="0" u="none" strike="noStrike" cap="none">
           <a:solidFill>
             <a:srgbClr val="000000"/>
           </a:solidFill>
@@ -6032,7 +5710,7 @@
           <a:sym typeface="Arial"/>
         </a:defRPr>
       </a:lvl2pPr>
-      <a:lvl3pPr lvl="2" marR="0" rtl="0" algn="l">
+      <a:lvl3pPr marR="0" lvl="2" algn="l" rtl="0">
         <a:lnSpc>
           <a:spcPct val="100000"/>
         </a:lnSpc>
@@ -6046,7 +5724,7 @@
           <a:srgbClr val="000000"/>
         </a:buClr>
         <a:buFont typeface="Arial"/>
-        <a:defRPr b="0" i="0" sz="1400" u="none" cap="none" strike="noStrike">
+        <a:defRPr sz="1400" b="0" i="0" u="none" strike="noStrike" cap="none">
           <a:solidFill>
             <a:srgbClr val="000000"/>
           </a:solidFill>
@@ -6056,7 +5734,7 @@
           <a:sym typeface="Arial"/>
         </a:defRPr>
       </a:lvl3pPr>
-      <a:lvl4pPr lvl="3" marR="0" rtl="0" algn="l">
+      <a:lvl4pPr marR="0" lvl="3" algn="l" rtl="0">
         <a:lnSpc>
           <a:spcPct val="100000"/>
         </a:lnSpc>
@@ -6070,7 +5748,7 @@
           <a:srgbClr val="000000"/>
         </a:buClr>
         <a:buFont typeface="Arial"/>
-        <a:defRPr b="0" i="0" sz="1400" u="none" cap="none" strike="noStrike">
+        <a:defRPr sz="1400" b="0" i="0" u="none" strike="noStrike" cap="none">
           <a:solidFill>
             <a:srgbClr val="000000"/>
           </a:solidFill>
@@ -6080,7 +5758,7 @@
           <a:sym typeface="Arial"/>
         </a:defRPr>
       </a:lvl4pPr>
-      <a:lvl5pPr lvl="4" marR="0" rtl="0" algn="l">
+      <a:lvl5pPr marR="0" lvl="4" algn="l" rtl="0">
         <a:lnSpc>
           <a:spcPct val="100000"/>
         </a:lnSpc>
@@ -6094,7 +5772,7 @@
           <a:srgbClr val="000000"/>
         </a:buClr>
         <a:buFont typeface="Arial"/>
-        <a:defRPr b="0" i="0" sz="1400" u="none" cap="none" strike="noStrike">
+        <a:defRPr sz="1400" b="0" i="0" u="none" strike="noStrike" cap="none">
           <a:solidFill>
             <a:srgbClr val="000000"/>
           </a:solidFill>
@@ -6104,7 +5782,7 @@
           <a:sym typeface="Arial"/>
         </a:defRPr>
       </a:lvl5pPr>
-      <a:lvl6pPr lvl="5" marR="0" rtl="0" algn="l">
+      <a:lvl6pPr marR="0" lvl="5" algn="l" rtl="0">
         <a:lnSpc>
           <a:spcPct val="100000"/>
         </a:lnSpc>
@@ -6118,7 +5796,7 @@
           <a:srgbClr val="000000"/>
         </a:buClr>
         <a:buFont typeface="Arial"/>
-        <a:defRPr b="0" i="0" sz="1400" u="none" cap="none" strike="noStrike">
+        <a:defRPr sz="1400" b="0" i="0" u="none" strike="noStrike" cap="none">
           <a:solidFill>
             <a:srgbClr val="000000"/>
           </a:solidFill>
@@ -6128,7 +5806,7 @@
           <a:sym typeface="Arial"/>
         </a:defRPr>
       </a:lvl6pPr>
-      <a:lvl7pPr lvl="6" marR="0" rtl="0" algn="l">
+      <a:lvl7pPr marR="0" lvl="6" algn="l" rtl="0">
         <a:lnSpc>
           <a:spcPct val="100000"/>
         </a:lnSpc>
@@ -6142,7 +5820,7 @@
           <a:srgbClr val="000000"/>
         </a:buClr>
         <a:buFont typeface="Arial"/>
-        <a:defRPr b="0" i="0" sz="1400" u="none" cap="none" strike="noStrike">
+        <a:defRPr sz="1400" b="0" i="0" u="none" strike="noStrike" cap="none">
           <a:solidFill>
             <a:srgbClr val="000000"/>
           </a:solidFill>
@@ -6152,7 +5830,7 @@
           <a:sym typeface="Arial"/>
         </a:defRPr>
       </a:lvl7pPr>
-      <a:lvl8pPr lvl="7" marR="0" rtl="0" algn="l">
+      <a:lvl8pPr marR="0" lvl="7" algn="l" rtl="0">
         <a:lnSpc>
           <a:spcPct val="100000"/>
         </a:lnSpc>
@@ -6166,7 +5844,7 @@
           <a:srgbClr val="000000"/>
         </a:buClr>
         <a:buFont typeface="Arial"/>
-        <a:defRPr b="0" i="0" sz="1400" u="none" cap="none" strike="noStrike">
+        <a:defRPr sz="1400" b="0" i="0" u="none" strike="noStrike" cap="none">
           <a:solidFill>
             <a:srgbClr val="000000"/>
           </a:solidFill>
@@ -6176,7 +5854,7 @@
           <a:sym typeface="Arial"/>
         </a:defRPr>
       </a:lvl8pPr>
-      <a:lvl9pPr lvl="8" marR="0" rtl="0" algn="l">
+      <a:lvl9pPr marR="0" lvl="8" algn="l" rtl="0">
         <a:lnSpc>
           <a:spcPct val="100000"/>
         </a:lnSpc>
@@ -6190,7 +5868,7 @@
           <a:srgbClr val="000000"/>
         </a:buClr>
         <a:buFont typeface="Arial"/>
-        <a:defRPr b="0" i="0" sz="1400" u="none" cap="none" strike="noStrike">
+        <a:defRPr sz="1400" b="0" i="0" u="none" strike="noStrike" cap="none">
           <a:solidFill>
             <a:srgbClr val="000000"/>
           </a:solidFill>
@@ -6202,7 +5880,7 @@
       </a:lvl9pPr>
     </p:bodyStyle>
     <p:otherStyle>
-      <a:defPPr lvl="0" marR="0" rtl="0" algn="l">
+      <a:defPPr marR="0" lvl="0" algn="l" rtl="0">
         <a:lnSpc>
           <a:spcPct val="100000"/>
         </a:lnSpc>
@@ -6213,7 +5891,7 @@
           <a:spcPts val="0"/>
         </a:spcAft>
       </a:defPPr>
-      <a:lvl1pPr lvl="0" marR="0" rtl="0" algn="l">
+      <a:lvl1pPr marR="0" lvl="0" algn="l" rtl="0">
         <a:lnSpc>
           <a:spcPct val="100000"/>
         </a:lnSpc>
@@ -6227,7 +5905,7 @@
           <a:srgbClr val="000000"/>
         </a:buClr>
         <a:buFont typeface="Arial"/>
-        <a:defRPr b="0" i="0" sz="1400" u="none" cap="none" strike="noStrike">
+        <a:defRPr sz="1400" b="0" i="0" u="none" strike="noStrike" cap="none">
           <a:solidFill>
             <a:srgbClr val="000000"/>
           </a:solidFill>
@@ -6237,7 +5915,7 @@
           <a:sym typeface="Arial"/>
         </a:defRPr>
       </a:lvl1pPr>
-      <a:lvl2pPr lvl="1" marR="0" rtl="0" algn="l">
+      <a:lvl2pPr marR="0" lvl="1" algn="l" rtl="0">
         <a:lnSpc>
           <a:spcPct val="100000"/>
         </a:lnSpc>
@@ -6251,7 +5929,7 @@
           <a:srgbClr val="000000"/>
         </a:buClr>
         <a:buFont typeface="Arial"/>
-        <a:defRPr b="0" i="0" sz="1400" u="none" cap="none" strike="noStrike">
+        <a:defRPr sz="1400" b="0" i="0" u="none" strike="noStrike" cap="none">
           <a:solidFill>
             <a:srgbClr val="000000"/>
           </a:solidFill>
@@ -6261,7 +5939,7 @@
           <a:sym typeface="Arial"/>
         </a:defRPr>
       </a:lvl2pPr>
-      <a:lvl3pPr lvl="2" marR="0" rtl="0" algn="l">
+      <a:lvl3pPr marR="0" lvl="2" algn="l" rtl="0">
         <a:lnSpc>
           <a:spcPct val="100000"/>
         </a:lnSpc>
@@ -6275,7 +5953,7 @@
           <a:srgbClr val="000000"/>
         </a:buClr>
         <a:buFont typeface="Arial"/>
-        <a:defRPr b="0" i="0" sz="1400" u="none" cap="none" strike="noStrike">
+        <a:defRPr sz="1400" b="0" i="0" u="none" strike="noStrike" cap="none">
           <a:solidFill>
             <a:srgbClr val="000000"/>
           </a:solidFill>
@@ -6285,7 +5963,7 @@
           <a:sym typeface="Arial"/>
         </a:defRPr>
       </a:lvl3pPr>
-      <a:lvl4pPr lvl="3" marR="0" rtl="0" algn="l">
+      <a:lvl4pPr marR="0" lvl="3" algn="l" rtl="0">
         <a:lnSpc>
           <a:spcPct val="100000"/>
         </a:lnSpc>
@@ -6299,7 +5977,7 @@
           <a:srgbClr val="000000"/>
         </a:buClr>
         <a:buFont typeface="Arial"/>
-        <a:defRPr b="0" i="0" sz="1400" u="none" cap="none" strike="noStrike">
+        <a:defRPr sz="1400" b="0" i="0" u="none" strike="noStrike" cap="none">
           <a:solidFill>
             <a:srgbClr val="000000"/>
           </a:solidFill>
@@ -6309,7 +5987,7 @@
           <a:sym typeface="Arial"/>
         </a:defRPr>
       </a:lvl4pPr>
-      <a:lvl5pPr lvl="4" marR="0" rtl="0" algn="l">
+      <a:lvl5pPr marR="0" lvl="4" algn="l" rtl="0">
         <a:lnSpc>
           <a:spcPct val="100000"/>
         </a:lnSpc>
@@ -6323,7 +6001,7 @@
           <a:srgbClr val="000000"/>
         </a:buClr>
         <a:buFont typeface="Arial"/>
-        <a:defRPr b="0" i="0" sz="1400" u="none" cap="none" strike="noStrike">
+        <a:defRPr sz="1400" b="0" i="0" u="none" strike="noStrike" cap="none">
           <a:solidFill>
             <a:srgbClr val="000000"/>
           </a:solidFill>
@@ -6333,7 +6011,7 @@
           <a:sym typeface="Arial"/>
         </a:defRPr>
       </a:lvl5pPr>
-      <a:lvl6pPr lvl="5" marR="0" rtl="0" algn="l">
+      <a:lvl6pPr marR="0" lvl="5" algn="l" rtl="0">
         <a:lnSpc>
           <a:spcPct val="100000"/>
         </a:lnSpc>
@@ -6347,7 +6025,7 @@
           <a:srgbClr val="000000"/>
         </a:buClr>
         <a:buFont typeface="Arial"/>
-        <a:defRPr b="0" i="0" sz="1400" u="none" cap="none" strike="noStrike">
+        <a:defRPr sz="1400" b="0" i="0" u="none" strike="noStrike" cap="none">
           <a:solidFill>
             <a:srgbClr val="000000"/>
           </a:solidFill>
@@ -6357,7 +6035,7 @@
           <a:sym typeface="Arial"/>
         </a:defRPr>
       </a:lvl6pPr>
-      <a:lvl7pPr lvl="6" marR="0" rtl="0" algn="l">
+      <a:lvl7pPr marR="0" lvl="6" algn="l" rtl="0">
         <a:lnSpc>
           <a:spcPct val="100000"/>
         </a:lnSpc>
@@ -6371,7 +6049,7 @@
           <a:srgbClr val="000000"/>
         </a:buClr>
         <a:buFont typeface="Arial"/>
-        <a:defRPr b="0" i="0" sz="1400" u="none" cap="none" strike="noStrike">
+        <a:defRPr sz="1400" b="0" i="0" u="none" strike="noStrike" cap="none">
           <a:solidFill>
             <a:srgbClr val="000000"/>
           </a:solidFill>
@@ -6381,7 +6059,7 @@
           <a:sym typeface="Arial"/>
         </a:defRPr>
       </a:lvl7pPr>
-      <a:lvl8pPr lvl="7" marR="0" rtl="0" algn="l">
+      <a:lvl8pPr marR="0" lvl="7" algn="l" rtl="0">
         <a:lnSpc>
           <a:spcPct val="100000"/>
         </a:lnSpc>
@@ -6395,7 +6073,7 @@
           <a:srgbClr val="000000"/>
         </a:buClr>
         <a:buFont typeface="Arial"/>
-        <a:defRPr b="0" i="0" sz="1400" u="none" cap="none" strike="noStrike">
+        <a:defRPr sz="1400" b="0" i="0" u="none" strike="noStrike" cap="none">
           <a:solidFill>
             <a:srgbClr val="000000"/>
           </a:solidFill>
@@ -6405,7 +6083,7 @@
           <a:sym typeface="Arial"/>
         </a:defRPr>
       </a:lvl8pPr>
-      <a:lvl9pPr lvl="8" marR="0" rtl="0" algn="l">
+      <a:lvl9pPr marR="0" lvl="8" algn="l" rtl="0">
         <a:lnSpc>
           <a:spcPct val="100000"/>
         </a:lnSpc>
@@ -6419,7 +6097,7 @@
           <a:srgbClr val="000000"/>
         </a:buClr>
         <a:buFont typeface="Arial"/>
-        <a:defRPr b="0" i="0" sz="1400" u="none" cap="none" strike="noStrike">
+        <a:defRPr sz="1400" b="0" i="0" u="none" strike="noStrike" cap="none">
           <a:solidFill>
             <a:srgbClr val="000000"/>
           </a:solidFill>
@@ -6435,11 +6113,11 @@
 </file>
 
 <file path=ppt/slides/slide1.xml><?xml version="1.0" encoding="utf-8"?>
-<p:sld xmlns:a="http://schemas.openxmlformats.org/drawingml/2006/main" xmlns:r="http://schemas.openxmlformats.org/officeDocument/2006/relationships" xmlns:mc="http://schemas.openxmlformats.org/markup-compatibility/2006" xmlns:mv="urn:schemas-microsoft-com:mac:vml" xmlns:p="http://schemas.openxmlformats.org/presentationml/2006/main" xmlns:c="http://schemas.openxmlformats.org/drawingml/2006/chart" xmlns:dgm="http://schemas.openxmlformats.org/drawingml/2006/diagram" xmlns:o="urn:schemas-microsoft-com:office:office" xmlns:v="urn:schemas-microsoft-com:vml" xmlns:pvml="urn:schemas-microsoft-com:office:powerpoint" xmlns:com="http://schemas.openxmlformats.org/drawingml/2006/compatibility" xmlns:p14="http://schemas.microsoft.com/office/powerpoint/2010/main" xmlns:p15="http://schemas.microsoft.com/office/powerpoint/2012/main">
+<p:sld xmlns:a="http://schemas.openxmlformats.org/drawingml/2006/main" xmlns:r="http://schemas.openxmlformats.org/officeDocument/2006/relationships" xmlns:p="http://schemas.openxmlformats.org/presentationml/2006/main">
   <p:cSld>
     <p:spTree>
       <p:nvGrpSpPr>
-        <p:cNvPr id="53" name="Shape 53"/>
+        <p:cNvPr id="1" name="Shape 53"/>
         <p:cNvGrpSpPr/>
         <p:nvPr/>
       </p:nvGrpSpPr>
@@ -6454,7 +6132,9 @@
       <p:sp>
         <p:nvSpPr>
           <p:cNvPr id="54" name="Google Shape;54;p13"/>
-          <p:cNvSpPr txBox="1"/>
+          <p:cNvSpPr txBox="1">
+            <a:spLocks noGrp="1"/>
+          </p:cNvSpPr>
           <p:nvPr>
             <p:ph type="ctrTitle"/>
           </p:nvPr>
@@ -6469,12 +6149,12 @@
           </a:prstGeom>
         </p:spPr>
         <p:txBody>
-          <a:bodyPr anchorCtr="0" anchor="b" bIns="91425" lIns="91425" spcFirstLastPara="1" rIns="91425" wrap="square" tIns="91425">
+          <a:bodyPr spcFirstLastPara="1" wrap="square" lIns="91425" tIns="91425" rIns="91425" bIns="91425" anchor="b" anchorCtr="0">
             <a:noAutofit/>
           </a:bodyPr>
           <a:lstStyle/>
           <a:p>
-            <a:pPr indent="0" lvl="0" marL="0" rtl="0" algn="ctr">
+            <a:pPr marL="0" lvl="0" indent="0" algn="ctr" rtl="0">
               <a:lnSpc>
                 <a:spcPct val="115000"/>
               </a:lnSpc>
@@ -6496,13 +6176,13 @@
               <a:t>Political Fake News Characterization Using Twitter </a:t>
             </a:r>
             <a:r>
-              <a:rPr i="1" lang="en" sz="2400"/>
+              <a:rPr lang="en" sz="2400" i="1"/>
               <a:t>Replication</a:t>
             </a:r>
             <a:endParaRPr sz="2400"/>
           </a:p>
           <a:p>
-            <a:pPr indent="0" lvl="0" marL="0" rtl="0" algn="ctr">
+            <a:pPr marL="0" lvl="0" indent="0" algn="ctr" rtl="0">
               <a:spcBef>
                 <a:spcPts val="400"/>
               </a:spcBef>
@@ -6511,9 +6191,6 @@
               </a:spcAft>
               <a:buNone/>
             </a:pPr>
-            <a:r>
-              <a:t/>
-            </a:r>
             <a:endParaRPr sz="2400"/>
           </a:p>
         </p:txBody>
@@ -6521,9 +6198,11 @@
       <p:sp>
         <p:nvSpPr>
           <p:cNvPr id="55" name="Google Shape;55;p13"/>
-          <p:cNvSpPr txBox="1"/>
+          <p:cNvSpPr txBox="1">
+            <a:spLocks noGrp="1"/>
+          </p:cNvSpPr>
           <p:nvPr>
-            <p:ph idx="1" type="subTitle"/>
+            <p:ph type="subTitle" idx="1"/>
           </p:nvPr>
         </p:nvSpPr>
         <p:spPr>
@@ -6536,12 +6215,12 @@
           </a:prstGeom>
         </p:spPr>
         <p:txBody>
-          <a:bodyPr anchorCtr="0" anchor="t" bIns="91425" lIns="91425" spcFirstLastPara="1" rIns="91425" wrap="square" tIns="91425">
+          <a:bodyPr spcFirstLastPara="1" wrap="square" lIns="91425" tIns="91425" rIns="91425" bIns="91425" anchor="t" anchorCtr="0">
             <a:noAutofit/>
           </a:bodyPr>
           <a:lstStyle/>
           <a:p>
-            <a:pPr indent="0" lvl="0" marL="0" rtl="0" algn="ctr">
+            <a:pPr marL="0" lvl="0" indent="0" algn="ctr" rtl="0">
               <a:spcBef>
                 <a:spcPts val="0"/>
               </a:spcBef>
@@ -6557,7 +6236,7 @@
             <a:endParaRPr sz="1400"/>
           </a:p>
           <a:p>
-            <a:pPr indent="0" lvl="0" marL="0" rtl="0" algn="ctr">
+            <a:pPr marL="0" lvl="0" indent="0" algn="ctr" rtl="0">
               <a:spcBef>
                 <a:spcPts val="0"/>
               </a:spcBef>
@@ -6573,7 +6252,7 @@
             <a:endParaRPr sz="1400"/>
           </a:p>
           <a:p>
-            <a:pPr indent="0" lvl="0" marL="0" rtl="0" algn="ctr">
+            <a:pPr marL="0" lvl="0" indent="0" algn="ctr" rtl="0">
               <a:spcBef>
                 <a:spcPts val="0"/>
               </a:spcBef>
@@ -6589,7 +6268,7 @@
             <a:endParaRPr sz="1400"/>
           </a:p>
           <a:p>
-            <a:pPr indent="0" lvl="0" marL="0" rtl="0" algn="ctr">
+            <a:pPr marL="0" lvl="0" indent="0" algn="ctr" rtl="0">
               <a:spcBef>
                 <a:spcPts val="0"/>
               </a:spcBef>
@@ -6610,7 +6289,7 @@
             <a:endParaRPr sz="1400"/>
           </a:p>
           <a:p>
-            <a:pPr indent="0" lvl="0" marL="0" rtl="0" algn="ctr">
+            <a:pPr marL="0" lvl="0" indent="0" algn="ctr" rtl="0">
               <a:spcBef>
                 <a:spcPts val="0"/>
               </a:spcBef>
@@ -6626,7 +6305,7 @@
             <a:endParaRPr sz="1400"/>
           </a:p>
           <a:p>
-            <a:pPr indent="0" lvl="0" marL="0" rtl="0" algn="ctr">
+            <a:pPr marL="0" lvl="0" indent="0" algn="ctr" rtl="0">
               <a:spcBef>
                 <a:spcPts val="0"/>
               </a:spcBef>
@@ -6635,13 +6314,10 @@
               </a:spcAft>
               <a:buNone/>
             </a:pPr>
-            <a:r>
-              <a:t/>
-            </a:r>
             <a:endParaRPr/>
           </a:p>
           <a:p>
-            <a:pPr indent="0" lvl="0" marL="0" rtl="0" algn="ctr">
+            <a:pPr marL="0" lvl="0" indent="0" algn="ctr" rtl="0">
               <a:spcBef>
                 <a:spcPts val="0"/>
               </a:spcBef>
@@ -6650,9 +6326,6 @@
               </a:spcAft>
               <a:buNone/>
             </a:pPr>
-            <a:r>
-              <a:t/>
-            </a:r>
             <a:endParaRPr/>
           </a:p>
         </p:txBody>
@@ -6666,11 +6339,11 @@
 </file>
 
 <file path=ppt/slides/slide10.xml><?xml version="1.0" encoding="utf-8"?>
-<p:sld xmlns:a="http://schemas.openxmlformats.org/drawingml/2006/main" xmlns:r="http://schemas.openxmlformats.org/officeDocument/2006/relationships" xmlns:mc="http://schemas.openxmlformats.org/markup-compatibility/2006" xmlns:mv="urn:schemas-microsoft-com:mac:vml" xmlns:p="http://schemas.openxmlformats.org/presentationml/2006/main" xmlns:c="http://schemas.openxmlformats.org/drawingml/2006/chart" xmlns:dgm="http://schemas.openxmlformats.org/drawingml/2006/diagram" xmlns:o="urn:schemas-microsoft-com:office:office" xmlns:v="urn:schemas-microsoft-com:vml" xmlns:pvml="urn:schemas-microsoft-com:office:powerpoint" xmlns:com="http://schemas.openxmlformats.org/drawingml/2006/compatibility" xmlns:p14="http://schemas.microsoft.com/office/powerpoint/2010/main" xmlns:p15="http://schemas.microsoft.com/office/powerpoint/2012/main">
+<p:sld xmlns:a="http://schemas.openxmlformats.org/drawingml/2006/main" xmlns:r="http://schemas.openxmlformats.org/officeDocument/2006/relationships" xmlns:p="http://schemas.openxmlformats.org/presentationml/2006/main">
   <p:cSld>
     <p:spTree>
       <p:nvGrpSpPr>
-        <p:cNvPr id="117" name="Shape 117"/>
+        <p:cNvPr id="1" name="Shape 117"/>
         <p:cNvGrpSpPr/>
         <p:nvPr/>
       </p:nvGrpSpPr>
@@ -6685,7 +6358,9 @@
       <p:sp>
         <p:nvSpPr>
           <p:cNvPr id="118" name="Google Shape;118;p22"/>
-          <p:cNvSpPr txBox="1"/>
+          <p:cNvSpPr txBox="1">
+            <a:spLocks noGrp="1"/>
+          </p:cNvSpPr>
           <p:nvPr>
             <p:ph type="title"/>
           </p:nvPr>
@@ -6700,12 +6375,12 @@
           </a:prstGeom>
         </p:spPr>
         <p:txBody>
-          <a:bodyPr anchorCtr="0" anchor="t" bIns="91425" lIns="91425" spcFirstLastPara="1" rIns="91425" wrap="square" tIns="91425">
+          <a:bodyPr spcFirstLastPara="1" wrap="square" lIns="91425" tIns="91425" rIns="91425" bIns="91425" anchor="t" anchorCtr="0">
             <a:noAutofit/>
           </a:bodyPr>
           <a:lstStyle/>
           <a:p>
-            <a:pPr indent="0" lvl="0" marL="0" rtl="0" algn="l">
+            <a:pPr marL="0" lvl="0" indent="0" algn="l" rtl="0">
               <a:spcBef>
                 <a:spcPts val="0"/>
               </a:spcBef>
@@ -6715,19 +6390,25 @@
               <a:buNone/>
             </a:pPr>
             <a:r>
-              <a:rPr lang="en"/>
-              <a:t>Replication Efforts</a:t>
+              <a:rPr lang="en" dirty="0"/>
+              <a:t>Replication Efforts – </a:t>
             </a:r>
-            <a:endParaRPr/>
+            <a:r>
+              <a:rPr lang="en-US" dirty="0"/>
+              <a:t>Figure 12</a:t>
+            </a:r>
+            <a:endParaRPr dirty="0"/>
           </a:p>
         </p:txBody>
       </p:sp>
       <p:sp>
         <p:nvSpPr>
           <p:cNvPr id="119" name="Google Shape;119;p22"/>
-          <p:cNvSpPr txBox="1"/>
+          <p:cNvSpPr txBox="1">
+            <a:spLocks noGrp="1"/>
+          </p:cNvSpPr>
           <p:nvPr>
-            <p:ph idx="1" type="body"/>
+            <p:ph type="body" idx="1"/>
           </p:nvPr>
         </p:nvSpPr>
         <p:spPr>
@@ -6740,12 +6421,12 @@
           </a:prstGeom>
         </p:spPr>
         <p:txBody>
-          <a:bodyPr anchorCtr="0" anchor="t" bIns="91425" lIns="91425" spcFirstLastPara="1" rIns="91425" wrap="square" tIns="91425">
+          <a:bodyPr spcFirstLastPara="1" wrap="square" lIns="91425" tIns="91425" rIns="91425" bIns="91425" anchor="t" anchorCtr="0">
             <a:noAutofit/>
           </a:bodyPr>
           <a:lstStyle/>
           <a:p>
-            <a:pPr indent="0" lvl="0" marL="0" rtl="0" algn="l">
+            <a:pPr marL="0" lvl="0" indent="0" algn="l" rtl="0">
               <a:spcBef>
                 <a:spcPts val="0"/>
               </a:spcBef>
@@ -6754,9 +6435,6 @@
               </a:spcAft>
               <a:buNone/>
             </a:pPr>
-            <a:r>
-              <a:t/>
-            </a:r>
             <a:endParaRPr sz="1200">
               <a:solidFill>
                 <a:srgbClr val="2D3B45"/>
@@ -6767,7 +6445,7 @@
             </a:endParaRPr>
           </a:p>
           <a:p>
-            <a:pPr indent="0" lvl="0" marL="457200" rtl="0" algn="l">
+            <a:pPr marL="457200" lvl="0" indent="0" algn="l" rtl="0">
               <a:spcBef>
                 <a:spcPts val="1000"/>
               </a:spcBef>
@@ -6776,9 +6454,6 @@
               </a:spcAft>
               <a:buNone/>
             </a:pPr>
-            <a:r>
-              <a:t/>
-            </a:r>
             <a:endParaRPr sz="1200">
               <a:solidFill>
                 <a:srgbClr val="2D3B45"/>
@@ -6825,17 +6500,14 @@
           <p:nvPr/>
         </p:nvPicPr>
         <p:blipFill>
-          <a:blip r:embed="rId4">
-            <a:alphaModFix/>
-          </a:blip>
-          <a:stretch>
-            <a:fillRect/>
-          </a:stretch>
+          <a:blip r:embed="rId4"/>
+          <a:srcRect/>
+          <a:stretch/>
         </p:blipFill>
         <p:spPr>
           <a:xfrm>
-            <a:off x="0" y="1152475"/>
-            <a:ext cx="4572000" cy="4062126"/>
+            <a:off x="0" y="1509538"/>
+            <a:ext cx="4572000" cy="3347999"/>
           </a:xfrm>
           <a:prstGeom prst="rect">
             <a:avLst/>
@@ -6855,11 +6527,11 @@
 </file>
 
 <file path=ppt/slides/slide11.xml><?xml version="1.0" encoding="utf-8"?>
-<p:sld xmlns:a="http://schemas.openxmlformats.org/drawingml/2006/main" xmlns:r="http://schemas.openxmlformats.org/officeDocument/2006/relationships" xmlns:mc="http://schemas.openxmlformats.org/markup-compatibility/2006" xmlns:mv="urn:schemas-microsoft-com:mac:vml" xmlns:p="http://schemas.openxmlformats.org/presentationml/2006/main" xmlns:c="http://schemas.openxmlformats.org/drawingml/2006/chart" xmlns:dgm="http://schemas.openxmlformats.org/drawingml/2006/diagram" xmlns:o="urn:schemas-microsoft-com:office:office" xmlns:v="urn:schemas-microsoft-com:vml" xmlns:pvml="urn:schemas-microsoft-com:office:powerpoint" xmlns:com="http://schemas.openxmlformats.org/drawingml/2006/compatibility" xmlns:p14="http://schemas.microsoft.com/office/powerpoint/2010/main" xmlns:p15="http://schemas.microsoft.com/office/powerpoint/2012/main">
+<p:sld xmlns:a="http://schemas.openxmlformats.org/drawingml/2006/main" xmlns:r="http://schemas.openxmlformats.org/officeDocument/2006/relationships" xmlns:p="http://schemas.openxmlformats.org/presentationml/2006/main">
   <p:cSld>
     <p:spTree>
       <p:nvGrpSpPr>
-        <p:cNvPr id="125" name="Shape 125"/>
+        <p:cNvPr id="1" name="Shape 125"/>
         <p:cNvGrpSpPr/>
         <p:nvPr/>
       </p:nvGrpSpPr>
@@ -6874,7 +6546,9 @@
       <p:sp>
         <p:nvSpPr>
           <p:cNvPr id="126" name="Google Shape;126;p23"/>
-          <p:cNvSpPr txBox="1"/>
+          <p:cNvSpPr txBox="1">
+            <a:spLocks noGrp="1"/>
+          </p:cNvSpPr>
           <p:nvPr>
             <p:ph type="title"/>
           </p:nvPr>
@@ -6889,12 +6563,12 @@
           </a:prstGeom>
         </p:spPr>
         <p:txBody>
-          <a:bodyPr anchorCtr="0" anchor="t" bIns="91425" lIns="91425" spcFirstLastPara="1" rIns="91425" wrap="square" tIns="91425">
+          <a:bodyPr spcFirstLastPara="1" wrap="square" lIns="91425" tIns="91425" rIns="91425" bIns="91425" anchor="t" anchorCtr="0">
             <a:noAutofit/>
           </a:bodyPr>
           <a:lstStyle/>
           <a:p>
-            <a:pPr indent="0" lvl="0" marL="0" rtl="0" algn="l">
+            <a:pPr marL="0" lvl="0" indent="0" algn="l" rtl="0">
               <a:spcBef>
                 <a:spcPts val="0"/>
               </a:spcBef>
@@ -6914,9 +6588,11 @@
       <p:sp>
         <p:nvSpPr>
           <p:cNvPr id="127" name="Google Shape;127;p23"/>
-          <p:cNvSpPr txBox="1"/>
+          <p:cNvSpPr txBox="1">
+            <a:spLocks noGrp="1"/>
+          </p:cNvSpPr>
           <p:nvPr>
-            <p:ph idx="1" type="body"/>
+            <p:ph type="body" idx="1"/>
           </p:nvPr>
         </p:nvSpPr>
         <p:spPr>
@@ -6929,12 +6605,12 @@
           </a:prstGeom>
         </p:spPr>
         <p:txBody>
-          <a:bodyPr anchorCtr="0" anchor="t" bIns="91425" lIns="91425" spcFirstLastPara="1" rIns="91425" wrap="square" tIns="91425">
+          <a:bodyPr spcFirstLastPara="1" wrap="square" lIns="91425" tIns="91425" rIns="91425" bIns="91425" anchor="t" anchorCtr="0">
             <a:noAutofit/>
           </a:bodyPr>
           <a:lstStyle/>
           <a:p>
-            <a:pPr indent="-342900" lvl="0" marL="457200" rtl="0" algn="l">
+            <a:pPr marL="457200" lvl="0" indent="-342900" algn="l" rtl="0">
               <a:spcBef>
                 <a:spcPts val="0"/>
               </a:spcBef>
@@ -6968,7 +6644,7 @@
             </a:endParaRPr>
           </a:p>
           <a:p>
-            <a:pPr indent="-317500" lvl="1" marL="914400" rtl="0" algn="l">
+            <a:pPr marL="914400" lvl="1" indent="-317500" algn="l" rtl="0">
               <a:spcBef>
                 <a:spcPts val="0"/>
               </a:spcBef>
@@ -6990,18 +6666,7 @@
                   <a:srgbClr val="FFFFFF"/>
                 </a:highlight>
               </a:rPr>
-              <a:t>s</a:t>
-            </a:r>
-            <a:r>
-              <a:rPr lang="en">
-                <a:solidFill>
-                  <a:srgbClr val="2D3B45"/>
-                </a:solidFill>
-                <a:highlight>
-                  <a:srgbClr val="FFFFFF"/>
-                </a:highlight>
-              </a:rPr>
-              <a:t>tyling plot content, labels, overlays</a:t>
+              <a:t>styling plot content, labels, overlays</a:t>
             </a:r>
             <a:endParaRPr>
               <a:solidFill>
@@ -7013,7 +6678,7 @@
             </a:endParaRPr>
           </a:p>
           <a:p>
-            <a:pPr indent="-317500" lvl="1" marL="914400" rtl="0" algn="l">
+            <a:pPr marL="914400" lvl="1" indent="-317500" algn="l" rtl="0">
               <a:spcBef>
                 <a:spcPts val="0"/>
               </a:spcBef>
@@ -7035,29 +6700,7 @@
                   <a:srgbClr val="FFFFFF"/>
                 </a:highlight>
               </a:rPr>
-              <a:t>p</a:t>
-            </a:r>
-            <a:r>
-              <a:rPr lang="en">
-                <a:solidFill>
-                  <a:srgbClr val="2D3B45"/>
-                </a:solidFill>
-                <a:highlight>
-                  <a:srgbClr val="FFFFFF"/>
-                </a:highlight>
-              </a:rPr>
-              <a:t>roviding accompanying calculations (like p-values) for </a:t>
-            </a:r>
-            <a:r>
-              <a:rPr lang="en">
-                <a:solidFill>
-                  <a:srgbClr val="2D3B45"/>
-                </a:solidFill>
-                <a:highlight>
-                  <a:srgbClr val="FFFFFF"/>
-                </a:highlight>
-              </a:rPr>
-              <a:t>Kolmogorov-Smirnoff and other tests</a:t>
+              <a:t>providing accompanying calculations (like p-values) for Kolmogorov-Smirnoff and other tests</a:t>
             </a:r>
             <a:endParaRPr>
               <a:solidFill>
@@ -7069,7 +6712,7 @@
             </a:endParaRPr>
           </a:p>
           <a:p>
-            <a:pPr indent="-342900" lvl="0" marL="457200" rtl="0" algn="l">
+            <a:pPr marL="457200" lvl="0" indent="-342900" algn="l" rtl="0">
               <a:spcBef>
                 <a:spcPts val="0"/>
               </a:spcBef>
@@ -7103,7 +6746,7 @@
             </a:endParaRPr>
           </a:p>
           <a:p>
-            <a:pPr indent="-317500" lvl="1" marL="914400" rtl="0" algn="l">
+            <a:pPr marL="914400" lvl="1" indent="-317500" algn="l" rtl="0">
               <a:spcBef>
                 <a:spcPts val="0"/>
               </a:spcBef>
@@ -7125,18 +6768,7 @@
                   <a:srgbClr val="FFFFFF"/>
                 </a:highlight>
               </a:rPr>
-              <a:t>a</a:t>
-            </a:r>
-            <a:r>
-              <a:rPr lang="en">
-                <a:solidFill>
-                  <a:srgbClr val="2D3B45"/>
-                </a:solidFill>
-                <a:highlight>
-                  <a:srgbClr val="FFFFFF"/>
-                </a:highlight>
-              </a:rPr>
-              <a:t>esthetic discrepancies in object shape and size</a:t>
+              <a:t>aesthetic discrepancies in object shape and size</a:t>
             </a:r>
             <a:endParaRPr>
               <a:solidFill>
@@ -7148,7 +6780,7 @@
             </a:endParaRPr>
           </a:p>
           <a:p>
-            <a:pPr indent="-317500" lvl="1" marL="914400" rtl="0" algn="l">
+            <a:pPr marL="914400" lvl="1" indent="-317500" algn="l" rtl="0">
               <a:spcBef>
                 <a:spcPts val="0"/>
               </a:spcBef>
@@ -7170,18 +6802,7 @@
                   <a:srgbClr val="FFFFFF"/>
                 </a:highlight>
               </a:rPr>
-              <a:t>s</a:t>
-            </a:r>
-            <a:r>
-              <a:rPr lang="en">
-                <a:solidFill>
-                  <a:srgbClr val="2D3B45"/>
-                </a:solidFill>
-                <a:highlight>
-                  <a:srgbClr val="FFFFFF"/>
-                </a:highlight>
-              </a:rPr>
-              <a:t>caling discrepancies in axes and corresponding units</a:t>
+              <a:t>scaling discrepancies in axes and corresponding units</a:t>
             </a:r>
             <a:endParaRPr>
               <a:solidFill>
@@ -7193,7 +6814,7 @@
             </a:endParaRPr>
           </a:p>
           <a:p>
-            <a:pPr indent="-317500" lvl="1" marL="914400" rtl="0" algn="l">
+            <a:pPr marL="914400" lvl="1" indent="-317500" algn="l" rtl="0">
               <a:spcBef>
                 <a:spcPts val="0"/>
               </a:spcBef>
@@ -7215,18 +6836,7 @@
                   <a:srgbClr val="FFFFFF"/>
                 </a:highlight>
               </a:rPr>
-              <a:t>l</a:t>
-            </a:r>
-            <a:r>
-              <a:rPr lang="en">
-                <a:solidFill>
-                  <a:srgbClr val="2D3B45"/>
-                </a:solidFill>
-                <a:highlight>
-                  <a:srgbClr val="FFFFFF"/>
-                </a:highlight>
-              </a:rPr>
-              <a:t>ack of complete codebase from original project (human curated labeling) </a:t>
+              <a:t>lack of complete codebase from original project (human curated labeling) </a:t>
             </a:r>
             <a:endParaRPr>
               <a:solidFill>
@@ -7238,7 +6848,7 @@
             </a:endParaRPr>
           </a:p>
           <a:p>
-            <a:pPr indent="-317500" lvl="1" marL="914400" rtl="0" algn="l">
+            <a:pPr marL="914400" lvl="1" indent="-317500" algn="l" rtl="0">
               <a:spcBef>
                 <a:spcPts val="0"/>
               </a:spcBef>
@@ -7260,18 +6870,7 @@
                   <a:srgbClr val="FFFFFF"/>
                 </a:highlight>
               </a:rPr>
-              <a:t>o</a:t>
-            </a:r>
-            <a:r>
-              <a:rPr lang="en">
-                <a:solidFill>
-                  <a:srgbClr val="2D3B45"/>
-                </a:solidFill>
-                <a:highlight>
-                  <a:srgbClr val="FFFFFF"/>
-                </a:highlight>
-              </a:rPr>
-              <a:t>bfuscated statistical methods from original paper </a:t>
+              <a:t>obfuscated statistical methods from original paper </a:t>
             </a:r>
             <a:endParaRPr>
               <a:solidFill>
@@ -7283,7 +6882,7 @@
             </a:endParaRPr>
           </a:p>
           <a:p>
-            <a:pPr indent="0" lvl="0" marL="0" rtl="0" algn="l">
+            <a:pPr marL="0" lvl="0" indent="0" algn="l" rtl="0">
               <a:spcBef>
                 <a:spcPts val="1000"/>
               </a:spcBef>
@@ -7292,9 +6891,6 @@
               </a:spcAft>
               <a:buNone/>
             </a:pPr>
-            <a:r>
-              <a:t/>
-            </a:r>
             <a:endParaRPr/>
           </a:p>
         </p:txBody>
@@ -7308,11 +6904,11 @@
 </file>
 
 <file path=ppt/slides/slide2.xml><?xml version="1.0" encoding="utf-8"?>
-<p:sld xmlns:a="http://schemas.openxmlformats.org/drawingml/2006/main" xmlns:r="http://schemas.openxmlformats.org/officeDocument/2006/relationships" xmlns:mc="http://schemas.openxmlformats.org/markup-compatibility/2006" xmlns:mv="urn:schemas-microsoft-com:mac:vml" xmlns:p="http://schemas.openxmlformats.org/presentationml/2006/main" xmlns:c="http://schemas.openxmlformats.org/drawingml/2006/chart" xmlns:dgm="http://schemas.openxmlformats.org/drawingml/2006/diagram" xmlns:o="urn:schemas-microsoft-com:office:office" xmlns:v="urn:schemas-microsoft-com:vml" xmlns:pvml="urn:schemas-microsoft-com:office:powerpoint" xmlns:com="http://schemas.openxmlformats.org/drawingml/2006/compatibility" xmlns:p14="http://schemas.microsoft.com/office/powerpoint/2010/main" xmlns:p15="http://schemas.microsoft.com/office/powerpoint/2012/main">
+<p:sld xmlns:a="http://schemas.openxmlformats.org/drawingml/2006/main" xmlns:r="http://schemas.openxmlformats.org/officeDocument/2006/relationships" xmlns:p="http://schemas.openxmlformats.org/presentationml/2006/main">
   <p:cSld>
     <p:spTree>
       <p:nvGrpSpPr>
-        <p:cNvPr id="59" name="Shape 59"/>
+        <p:cNvPr id="1" name="Shape 59"/>
         <p:cNvGrpSpPr/>
         <p:nvPr/>
       </p:nvGrpSpPr>
@@ -7327,7 +6923,9 @@
       <p:sp>
         <p:nvSpPr>
           <p:cNvPr id="60" name="Google Shape;60;p14"/>
-          <p:cNvSpPr txBox="1"/>
+          <p:cNvSpPr txBox="1">
+            <a:spLocks noGrp="1"/>
+          </p:cNvSpPr>
           <p:nvPr>
             <p:ph type="title"/>
           </p:nvPr>
@@ -7342,12 +6940,12 @@
           </a:prstGeom>
         </p:spPr>
         <p:txBody>
-          <a:bodyPr anchorCtr="0" anchor="t" bIns="91425" lIns="91425" spcFirstLastPara="1" rIns="91425" wrap="square" tIns="91425">
+          <a:bodyPr spcFirstLastPara="1" wrap="square" lIns="91425" tIns="91425" rIns="91425" bIns="91425" anchor="t" anchorCtr="0">
             <a:noAutofit/>
           </a:bodyPr>
           <a:lstStyle/>
           <a:p>
-            <a:pPr indent="0" lvl="0" marL="0" rtl="0" algn="l">
+            <a:pPr marL="0" lvl="0" indent="0" algn="l" rtl="0">
               <a:spcBef>
                 <a:spcPts val="0"/>
               </a:spcBef>
@@ -7367,9 +6965,11 @@
       <p:sp>
         <p:nvSpPr>
           <p:cNvPr id="61" name="Google Shape;61;p14"/>
-          <p:cNvSpPr txBox="1"/>
+          <p:cNvSpPr txBox="1">
+            <a:spLocks noGrp="1"/>
+          </p:cNvSpPr>
           <p:nvPr>
-            <p:ph idx="1" type="body"/>
+            <p:ph type="body" idx="1"/>
           </p:nvPr>
         </p:nvSpPr>
         <p:spPr>
@@ -7382,12 +6982,12 @@
           </a:prstGeom>
         </p:spPr>
         <p:txBody>
-          <a:bodyPr anchorCtr="0" anchor="t" bIns="91425" lIns="91425" spcFirstLastPara="1" rIns="91425" wrap="square" tIns="91425">
+          <a:bodyPr spcFirstLastPara="1" wrap="square" lIns="91425" tIns="91425" rIns="91425" bIns="91425" anchor="t" anchorCtr="0">
             <a:noAutofit/>
           </a:bodyPr>
           <a:lstStyle/>
           <a:p>
-            <a:pPr indent="-342900" lvl="0" marL="457200" rtl="0" algn="l">
+            <a:pPr marL="457200" lvl="0" indent="-342900" algn="l" rtl="0">
               <a:spcBef>
                 <a:spcPts val="0"/>
               </a:spcBef>
@@ -7404,7 +7004,7 @@
             <a:endParaRPr/>
           </a:p>
           <a:p>
-            <a:pPr indent="-317500" lvl="1" marL="914400" rtl="0" algn="l">
+            <a:pPr marL="914400" lvl="1" indent="-317500" algn="l" rtl="0">
               <a:spcBef>
                 <a:spcPts val="0"/>
               </a:spcBef>
@@ -7415,13 +7015,13 @@
               <a:buChar char="-"/>
             </a:pPr>
             <a:r>
-              <a:rPr i="1" lang="en"/>
+              <a:rPr lang="en" i="1"/>
               <a:t>Amador et. al. of Cornell University </a:t>
             </a:r>
             <a:endParaRPr i="1"/>
           </a:p>
           <a:p>
-            <a:pPr indent="-342900" lvl="0" marL="457200" rtl="0" algn="l">
+            <a:pPr marL="457200" lvl="0" indent="-342900" algn="l" rtl="0">
               <a:spcBef>
                 <a:spcPts val="0"/>
               </a:spcBef>
@@ -7438,7 +7038,7 @@
             <a:endParaRPr/>
           </a:p>
           <a:p>
-            <a:pPr indent="-317500" lvl="1" marL="914400" rtl="0" algn="l">
+            <a:pPr marL="914400" lvl="1" indent="-317500" algn="l" rtl="0">
               <a:spcBef>
                 <a:spcPts val="0"/>
               </a:spcBef>
@@ -7455,7 +7055,7 @@
             <a:endParaRPr/>
           </a:p>
           <a:p>
-            <a:pPr indent="-342900" lvl="0" marL="457200" rtl="0" algn="l">
+            <a:pPr marL="457200" lvl="0" indent="-342900" algn="l" rtl="0">
               <a:spcBef>
                 <a:spcPts val="0"/>
               </a:spcBef>
@@ -7472,7 +7072,7 @@
             <a:endParaRPr/>
           </a:p>
           <a:p>
-            <a:pPr indent="-317500" lvl="1" marL="914400" rtl="0" algn="l">
+            <a:pPr marL="914400" lvl="1" indent="-317500" algn="l" rtl="0">
               <a:spcBef>
                 <a:spcPts val="0"/>
               </a:spcBef>
@@ -7489,7 +7089,7 @@
             <a:endParaRPr/>
           </a:p>
           <a:p>
-            <a:pPr indent="-317500" lvl="1" marL="914400" rtl="0" algn="l">
+            <a:pPr marL="914400" lvl="1" indent="-317500" algn="l" rtl="0">
               <a:spcBef>
                 <a:spcPts val="0"/>
               </a:spcBef>
@@ -7506,7 +7106,7 @@
             <a:endParaRPr/>
           </a:p>
           <a:p>
-            <a:pPr indent="-317500" lvl="1" marL="914400" rtl="0" algn="l">
+            <a:pPr marL="914400" lvl="1" indent="-317500" algn="l" rtl="0">
               <a:spcBef>
                 <a:spcPts val="0"/>
               </a:spcBef>
@@ -7523,7 +7123,7 @@
             <a:endParaRPr/>
           </a:p>
           <a:p>
-            <a:pPr indent="-342900" lvl="0" marL="457200" rtl="0" algn="l">
+            <a:pPr marL="457200" lvl="0" indent="-342900" algn="l" rtl="0">
               <a:spcBef>
                 <a:spcPts val="0"/>
               </a:spcBef>
@@ -7540,7 +7140,7 @@
             <a:endParaRPr/>
           </a:p>
           <a:p>
-            <a:pPr indent="0" lvl="0" marL="457200" rtl="0" algn="l">
+            <a:pPr marL="457200" lvl="0" indent="0" algn="l" rtl="0">
               <a:spcBef>
                 <a:spcPts val="1600"/>
               </a:spcBef>
@@ -7549,9 +7149,6 @@
               </a:spcAft>
               <a:buNone/>
             </a:pPr>
-            <a:r>
-              <a:t/>
-            </a:r>
             <a:endParaRPr/>
           </a:p>
         </p:txBody>
@@ -7565,11 +7162,11 @@
 </file>
 
 <file path=ppt/slides/slide3.xml><?xml version="1.0" encoding="utf-8"?>
-<p:sld xmlns:a="http://schemas.openxmlformats.org/drawingml/2006/main" xmlns:r="http://schemas.openxmlformats.org/officeDocument/2006/relationships" xmlns:mc="http://schemas.openxmlformats.org/markup-compatibility/2006" xmlns:mv="urn:schemas-microsoft-com:mac:vml" xmlns:p="http://schemas.openxmlformats.org/presentationml/2006/main" xmlns:c="http://schemas.openxmlformats.org/drawingml/2006/chart" xmlns:dgm="http://schemas.openxmlformats.org/drawingml/2006/diagram" xmlns:o="urn:schemas-microsoft-com:office:office" xmlns:v="urn:schemas-microsoft-com:vml" xmlns:pvml="urn:schemas-microsoft-com:office:powerpoint" xmlns:com="http://schemas.openxmlformats.org/drawingml/2006/compatibility" xmlns:p14="http://schemas.microsoft.com/office/powerpoint/2010/main" xmlns:p15="http://schemas.microsoft.com/office/powerpoint/2012/main">
+<p:sld xmlns:a="http://schemas.openxmlformats.org/drawingml/2006/main" xmlns:r="http://schemas.openxmlformats.org/officeDocument/2006/relationships" xmlns:p="http://schemas.openxmlformats.org/presentationml/2006/main">
   <p:cSld>
     <p:spTree>
       <p:nvGrpSpPr>
-        <p:cNvPr id="65" name="Shape 65"/>
+        <p:cNvPr id="1" name="Shape 65"/>
         <p:cNvGrpSpPr/>
         <p:nvPr/>
       </p:nvGrpSpPr>
@@ -7584,7 +7181,9 @@
       <p:sp>
         <p:nvSpPr>
           <p:cNvPr id="66" name="Google Shape;66;p15"/>
-          <p:cNvSpPr txBox="1"/>
+          <p:cNvSpPr txBox="1">
+            <a:spLocks noGrp="1"/>
+          </p:cNvSpPr>
           <p:nvPr>
             <p:ph type="title"/>
           </p:nvPr>
@@ -7599,12 +7198,12 @@
           </a:prstGeom>
         </p:spPr>
         <p:txBody>
-          <a:bodyPr anchorCtr="0" anchor="t" bIns="91425" lIns="91425" spcFirstLastPara="1" rIns="91425" wrap="square" tIns="91425">
+          <a:bodyPr spcFirstLastPara="1" wrap="square" lIns="91425" tIns="91425" rIns="91425" bIns="91425" anchor="t" anchorCtr="0">
             <a:noAutofit/>
           </a:bodyPr>
           <a:lstStyle/>
           <a:p>
-            <a:pPr indent="0" lvl="0" marL="0" rtl="0" algn="l">
+            <a:pPr marL="0" lvl="0" indent="0" algn="l" rtl="0">
               <a:spcBef>
                 <a:spcPts val="0"/>
               </a:spcBef>
@@ -7624,9 +7223,11 @@
       <p:sp>
         <p:nvSpPr>
           <p:cNvPr id="67" name="Google Shape;67;p15"/>
-          <p:cNvSpPr txBox="1"/>
+          <p:cNvSpPr txBox="1">
+            <a:spLocks noGrp="1"/>
+          </p:cNvSpPr>
           <p:nvPr>
-            <p:ph idx="1" type="body"/>
+            <p:ph type="body" idx="1"/>
           </p:nvPr>
         </p:nvSpPr>
         <p:spPr>
@@ -7639,12 +7240,12 @@
           </a:prstGeom>
         </p:spPr>
         <p:txBody>
-          <a:bodyPr anchorCtr="0" anchor="t" bIns="91425" lIns="91425" spcFirstLastPara="1" rIns="91425" wrap="square" tIns="91425">
+          <a:bodyPr spcFirstLastPara="1" wrap="square" lIns="91425" tIns="91425" rIns="91425" bIns="91425" anchor="t" anchorCtr="0">
             <a:noAutofit/>
           </a:bodyPr>
           <a:lstStyle/>
           <a:p>
-            <a:pPr indent="-342900" lvl="0" marL="457200" rtl="0" algn="l">
+            <a:pPr marL="457200" lvl="0" indent="-342900" algn="l" rtl="0">
               <a:spcBef>
                 <a:spcPts val="0"/>
               </a:spcBef>
@@ -7656,16 +7257,12 @@
             </a:pPr>
             <a:r>
               <a:rPr lang="en"/>
-              <a:t>Specifically tests for significant differences in curated accounts’</a:t>
-            </a:r>
-            <a:r>
-              <a:rPr lang="en"/>
-              <a:t>:</a:t>
+              <a:t>Specifically tests for significant differences in curated accounts’:</a:t>
             </a:r>
             <a:endParaRPr/>
           </a:p>
           <a:p>
-            <a:pPr indent="-317500" lvl="1" marL="914400" rtl="0" algn="l">
+            <a:pPr marL="914400" lvl="1" indent="-317500" algn="l" rtl="0">
               <a:spcBef>
                 <a:spcPts val="0"/>
               </a:spcBef>
@@ -7677,16 +7274,12 @@
             </a:pPr>
             <a:r>
               <a:rPr lang="en"/>
-              <a:t>hashtags, mentions, URLs from </a:t>
-            </a:r>
-            <a:r>
-              <a:rPr lang="en"/>
-              <a:t>fake and legitimate accounts </a:t>
+              <a:t>hashtags, mentions, URLs from fake and legitimate accounts </a:t>
             </a:r>
             <a:endParaRPr/>
           </a:p>
           <a:p>
-            <a:pPr indent="-317500" lvl="1" marL="914400" rtl="0" algn="l">
+            <a:pPr marL="914400" lvl="1" indent="-317500" algn="l" rtl="0">
               <a:spcBef>
                 <a:spcPts val="0"/>
               </a:spcBef>
@@ -7698,16 +7291,12 @@
             </a:pPr>
             <a:r>
               <a:rPr lang="en"/>
-              <a:t>proportion of ‘favorites’ and ‘retweets’ </a:t>
-            </a:r>
-            <a:r>
-              <a:rPr lang="en"/>
-              <a:t>from fake and legitimate accounts</a:t>
+              <a:t>proportion of ‘favorites’ and ‘retweets’ from fake and legitimate accounts</a:t>
             </a:r>
             <a:endParaRPr/>
           </a:p>
           <a:p>
-            <a:pPr indent="-317500" lvl="1" marL="914400" rtl="0" algn="l">
+            <a:pPr marL="914400" lvl="1" indent="-317500" algn="l" rtl="0">
               <a:spcBef>
                 <a:spcPts val="0"/>
               </a:spcBef>
@@ -7724,7 +7313,7 @@
             <a:endParaRPr/>
           </a:p>
           <a:p>
-            <a:pPr indent="-317500" lvl="1" marL="914400" rtl="0" algn="l">
+            <a:pPr marL="914400" lvl="1" indent="-317500" algn="l" rtl="0">
               <a:spcBef>
                 <a:spcPts val="0"/>
               </a:spcBef>
@@ -7736,16 +7325,12 @@
             </a:pPr>
             <a:r>
               <a:rPr lang="en"/>
-              <a:t>v</a:t>
-            </a:r>
-            <a:r>
-              <a:rPr lang="en"/>
-              <a:t>erified status of tweet authors</a:t>
+              <a:t>verified status of tweet authors</a:t>
             </a:r>
             <a:endParaRPr/>
           </a:p>
           <a:p>
-            <a:pPr indent="-342900" lvl="0" marL="457200" rtl="0" algn="l">
+            <a:pPr marL="457200" lvl="0" indent="-342900" algn="l" rtl="0">
               <a:spcBef>
                 <a:spcPts val="0"/>
               </a:spcBef>
@@ -7762,7 +7347,7 @@
             <a:endParaRPr/>
           </a:p>
           <a:p>
-            <a:pPr indent="-342900" lvl="0" marL="457200" rtl="0" algn="l">
+            <a:pPr marL="457200" lvl="0" indent="-342900" algn="l" rtl="0">
               <a:spcBef>
                 <a:spcPts val="0"/>
               </a:spcBef>
@@ -7779,7 +7364,7 @@
             <a:endParaRPr/>
           </a:p>
           <a:p>
-            <a:pPr indent="-317500" lvl="1" marL="914400" rtl="0" algn="l">
+            <a:pPr marL="914400" lvl="1" indent="-317500" algn="l" rtl="0">
               <a:spcBef>
                 <a:spcPts val="0"/>
               </a:spcBef>
@@ -7796,7 +7381,7 @@
             <a:endParaRPr/>
           </a:p>
           <a:p>
-            <a:pPr indent="-317500" lvl="1" marL="914400" rtl="0" algn="l">
+            <a:pPr marL="914400" lvl="1" indent="-317500" algn="l" rtl="0">
               <a:spcBef>
                 <a:spcPts val="0"/>
               </a:spcBef>
@@ -7813,7 +7398,7 @@
             <a:endParaRPr/>
           </a:p>
           <a:p>
-            <a:pPr indent="-317500" lvl="1" marL="914400" rtl="0" algn="l">
+            <a:pPr marL="914400" lvl="1" indent="-317500" algn="l" rtl="0">
               <a:spcBef>
                 <a:spcPts val="0"/>
               </a:spcBef>
@@ -7830,7 +7415,7 @@
             <a:endParaRPr/>
           </a:p>
           <a:p>
-            <a:pPr indent="-317500" lvl="1" marL="914400" rtl="0" algn="l">
+            <a:pPr marL="914400" lvl="1" indent="-317500" algn="l" rtl="0">
               <a:spcBef>
                 <a:spcPts val="0"/>
               </a:spcBef>
@@ -7847,7 +7432,7 @@
             <a:endParaRPr/>
           </a:p>
           <a:p>
-            <a:pPr indent="0" lvl="0" marL="457200" rtl="0" algn="l">
+            <a:pPr marL="457200" lvl="0" indent="0" algn="l" rtl="0">
               <a:spcBef>
                 <a:spcPts val="1600"/>
               </a:spcBef>
@@ -7856,9 +7441,6 @@
               </a:spcAft>
               <a:buNone/>
             </a:pPr>
-            <a:r>
-              <a:t/>
-            </a:r>
             <a:endParaRPr/>
           </a:p>
         </p:txBody>
@@ -7872,11 +7454,11 @@
 </file>
 
 <file path=ppt/slides/slide4.xml><?xml version="1.0" encoding="utf-8"?>
-<p:sld xmlns:a="http://schemas.openxmlformats.org/drawingml/2006/main" xmlns:r="http://schemas.openxmlformats.org/officeDocument/2006/relationships" xmlns:mc="http://schemas.openxmlformats.org/markup-compatibility/2006" xmlns:mv="urn:schemas-microsoft-com:mac:vml" xmlns:p="http://schemas.openxmlformats.org/presentationml/2006/main" xmlns:c="http://schemas.openxmlformats.org/drawingml/2006/chart" xmlns:dgm="http://schemas.openxmlformats.org/drawingml/2006/diagram" xmlns:o="urn:schemas-microsoft-com:office:office" xmlns:v="urn:schemas-microsoft-com:vml" xmlns:pvml="urn:schemas-microsoft-com:office:powerpoint" xmlns:com="http://schemas.openxmlformats.org/drawingml/2006/compatibility" xmlns:p14="http://schemas.microsoft.com/office/powerpoint/2010/main" xmlns:p15="http://schemas.microsoft.com/office/powerpoint/2012/main">
+<p:sld xmlns:a="http://schemas.openxmlformats.org/drawingml/2006/main" xmlns:r="http://schemas.openxmlformats.org/officeDocument/2006/relationships" xmlns:p="http://schemas.openxmlformats.org/presentationml/2006/main">
   <p:cSld>
     <p:spTree>
       <p:nvGrpSpPr>
-        <p:cNvPr id="71" name="Shape 71"/>
+        <p:cNvPr id="1" name="Shape 71"/>
         <p:cNvGrpSpPr/>
         <p:nvPr/>
       </p:nvGrpSpPr>
@@ -7891,7 +7473,9 @@
       <p:sp>
         <p:nvSpPr>
           <p:cNvPr id="72" name="Google Shape;72;p16"/>
-          <p:cNvSpPr txBox="1"/>
+          <p:cNvSpPr txBox="1">
+            <a:spLocks noGrp="1"/>
+          </p:cNvSpPr>
           <p:nvPr>
             <p:ph type="title"/>
           </p:nvPr>
@@ -7906,12 +7490,12 @@
           </a:prstGeom>
         </p:spPr>
         <p:txBody>
-          <a:bodyPr anchorCtr="0" anchor="t" bIns="91425" lIns="91425" spcFirstLastPara="1" rIns="91425" wrap="square" tIns="91425">
+          <a:bodyPr spcFirstLastPara="1" wrap="square" lIns="91425" tIns="91425" rIns="91425" bIns="91425" anchor="t" anchorCtr="0">
             <a:noAutofit/>
           </a:bodyPr>
           <a:lstStyle/>
           <a:p>
-            <a:pPr indent="0" lvl="0" marL="0" rtl="0" algn="l">
+            <a:pPr marL="0" lvl="0" indent="0" algn="l" rtl="0">
               <a:spcBef>
                 <a:spcPts val="0"/>
               </a:spcBef>
@@ -7931,9 +7515,11 @@
       <p:sp>
         <p:nvSpPr>
           <p:cNvPr id="73" name="Google Shape;73;p16"/>
-          <p:cNvSpPr txBox="1"/>
+          <p:cNvSpPr txBox="1">
+            <a:spLocks noGrp="1"/>
+          </p:cNvSpPr>
           <p:nvPr>
-            <p:ph idx="1" type="body"/>
+            <p:ph type="body" idx="1"/>
           </p:nvPr>
         </p:nvSpPr>
         <p:spPr>
@@ -7946,12 +7532,12 @@
           </a:prstGeom>
         </p:spPr>
         <p:txBody>
-          <a:bodyPr anchorCtr="0" anchor="t" bIns="91425" lIns="91425" spcFirstLastPara="1" rIns="91425" wrap="square" tIns="91425">
+          <a:bodyPr spcFirstLastPara="1" wrap="square" lIns="91425" tIns="91425" rIns="91425" bIns="91425" anchor="t" anchorCtr="0">
             <a:noAutofit/>
           </a:bodyPr>
           <a:lstStyle/>
           <a:p>
-            <a:pPr indent="-342900" lvl="0" marL="457200" rtl="0" algn="l">
+            <a:pPr marL="457200" lvl="0" indent="-342900" algn="l" rtl="0">
               <a:spcBef>
                 <a:spcPts val="0"/>
               </a:spcBef>
@@ -7968,7 +7554,7 @@
             <a:endParaRPr/>
           </a:p>
           <a:p>
-            <a:pPr indent="-317500" lvl="1" marL="914400" rtl="0" algn="l">
+            <a:pPr marL="914400" lvl="1" indent="-317500" algn="l" rtl="0">
               <a:spcBef>
                 <a:spcPts val="0"/>
               </a:spcBef>
@@ -7985,7 +7571,7 @@
             <a:endParaRPr/>
           </a:p>
           <a:p>
-            <a:pPr indent="-317500" lvl="1" marL="914400" rtl="0" algn="l">
+            <a:pPr marL="914400" lvl="1" indent="-317500" algn="l" rtl="0">
               <a:spcBef>
                 <a:spcPts val="0"/>
               </a:spcBef>
@@ -8002,7 +7588,7 @@
             <a:endParaRPr/>
           </a:p>
           <a:p>
-            <a:pPr indent="-317500" lvl="1" marL="914400" rtl="0" algn="l">
+            <a:pPr marL="914400" lvl="1" indent="-317500" algn="l" rtl="0">
               <a:spcBef>
                 <a:spcPts val="0"/>
               </a:spcBef>
@@ -8019,7 +7605,7 @@
             <a:endParaRPr/>
           </a:p>
           <a:p>
-            <a:pPr indent="-317500" lvl="1" marL="914400" rtl="0" algn="l">
+            <a:pPr marL="914400" lvl="1" indent="-317500" algn="l" rtl="0">
               <a:spcBef>
                 <a:spcPts val="0"/>
               </a:spcBef>
@@ -8036,7 +7622,7 @@
             <a:endParaRPr/>
           </a:p>
           <a:p>
-            <a:pPr indent="-317500" lvl="1" marL="914400" rtl="0" algn="l">
+            <a:pPr marL="914400" lvl="1" indent="-317500" algn="l" rtl="0">
               <a:spcBef>
                 <a:spcPts val="0"/>
               </a:spcBef>
@@ -8053,7 +7639,7 @@
             <a:endParaRPr/>
           </a:p>
           <a:p>
-            <a:pPr indent="-342900" lvl="0" marL="457200" rtl="0" algn="l">
+            <a:pPr marL="457200" lvl="0" indent="-342900" algn="l" rtl="0">
               <a:spcBef>
                 <a:spcPts val="0"/>
               </a:spcBef>
@@ -8068,16 +7654,12 @@
               <a:t>Kolmogorov-Smirnoff p-values were replicated for difference-tests involving </a:t>
             </a:r>
             <a:r>
-              <a:rPr b="1" i="1" lang="en"/>
+              <a:rPr lang="en" b="1" i="1"/>
               <a:t>all </a:t>
             </a:r>
             <a:r>
               <a:rPr lang="en"/>
-              <a:t>original </a:t>
-            </a:r>
-            <a:r>
-              <a:rPr lang="en"/>
-              <a:t>attributes </a:t>
+              <a:t>original attributes </a:t>
             </a:r>
             <a:endParaRPr/>
           </a:p>
@@ -8092,11 +7674,11 @@
 </file>
 
 <file path=ppt/slides/slide5.xml><?xml version="1.0" encoding="utf-8"?>
-<p:sld xmlns:a="http://schemas.openxmlformats.org/drawingml/2006/main" xmlns:r="http://schemas.openxmlformats.org/officeDocument/2006/relationships" xmlns:mc="http://schemas.openxmlformats.org/markup-compatibility/2006" xmlns:mv="urn:schemas-microsoft-com:mac:vml" xmlns:p="http://schemas.openxmlformats.org/presentationml/2006/main" xmlns:c="http://schemas.openxmlformats.org/drawingml/2006/chart" xmlns:dgm="http://schemas.openxmlformats.org/drawingml/2006/diagram" xmlns:o="urn:schemas-microsoft-com:office:office" xmlns:v="urn:schemas-microsoft-com:vml" xmlns:pvml="urn:schemas-microsoft-com:office:powerpoint" xmlns:com="http://schemas.openxmlformats.org/drawingml/2006/compatibility" xmlns:p14="http://schemas.microsoft.com/office/powerpoint/2010/main" xmlns:p15="http://schemas.microsoft.com/office/powerpoint/2012/main">
+<p:sld xmlns:a="http://schemas.openxmlformats.org/drawingml/2006/main" xmlns:r="http://schemas.openxmlformats.org/officeDocument/2006/relationships" xmlns:p="http://schemas.openxmlformats.org/presentationml/2006/main">
   <p:cSld>
     <p:spTree>
       <p:nvGrpSpPr>
-        <p:cNvPr id="77" name="Shape 77"/>
+        <p:cNvPr id="1" name="Shape 77"/>
         <p:cNvGrpSpPr/>
         <p:nvPr/>
       </p:nvGrpSpPr>
@@ -8111,7 +7693,9 @@
       <p:sp>
         <p:nvSpPr>
           <p:cNvPr id="78" name="Google Shape;78;p17"/>
-          <p:cNvSpPr txBox="1"/>
+          <p:cNvSpPr txBox="1">
+            <a:spLocks noGrp="1"/>
+          </p:cNvSpPr>
           <p:nvPr>
             <p:ph type="title"/>
           </p:nvPr>
@@ -8126,12 +7710,12 @@
           </a:prstGeom>
         </p:spPr>
         <p:txBody>
-          <a:bodyPr anchorCtr="0" anchor="t" bIns="91425" lIns="91425" spcFirstLastPara="1" rIns="91425" wrap="square" tIns="91425">
+          <a:bodyPr spcFirstLastPara="1" wrap="square" lIns="91425" tIns="91425" rIns="91425" bIns="91425" anchor="t" anchorCtr="0">
             <a:noAutofit/>
           </a:bodyPr>
           <a:lstStyle/>
           <a:p>
-            <a:pPr indent="0" lvl="0" marL="0" rtl="0" algn="l">
+            <a:pPr marL="0" lvl="0" indent="0" algn="l" rtl="0">
               <a:spcBef>
                 <a:spcPts val="0"/>
               </a:spcBef>
@@ -8141,19 +7725,25 @@
               <a:buNone/>
             </a:pPr>
             <a:r>
-              <a:rPr lang="en"/>
-              <a:t>Replication Efforts</a:t>
+              <a:rPr lang="en" dirty="0"/>
+              <a:t>Replication Efforts – </a:t>
             </a:r>
-            <a:endParaRPr/>
+            <a:r>
+              <a:rPr lang="en-US" dirty="0"/>
+              <a:t>P-values Table </a:t>
+            </a:r>
+            <a:endParaRPr dirty="0"/>
           </a:p>
         </p:txBody>
       </p:sp>
       <p:sp>
         <p:nvSpPr>
           <p:cNvPr id="79" name="Google Shape;79;p17"/>
-          <p:cNvSpPr txBox="1"/>
+          <p:cNvSpPr txBox="1">
+            <a:spLocks noGrp="1"/>
+          </p:cNvSpPr>
           <p:nvPr>
-            <p:ph idx="1" type="body"/>
+            <p:ph type="body" idx="1"/>
           </p:nvPr>
         </p:nvSpPr>
         <p:spPr>
@@ -8166,12 +7756,12 @@
           </a:prstGeom>
         </p:spPr>
         <p:txBody>
-          <a:bodyPr anchorCtr="0" anchor="t" bIns="91425" lIns="91425" spcFirstLastPara="1" rIns="91425" wrap="square" tIns="91425">
+          <a:bodyPr spcFirstLastPara="1" wrap="square" lIns="91425" tIns="91425" rIns="91425" bIns="91425" anchor="t" anchorCtr="0">
             <a:noAutofit/>
           </a:bodyPr>
           <a:lstStyle/>
           <a:p>
-            <a:pPr indent="0" lvl="0" marL="0" rtl="0" algn="l">
+            <a:pPr marL="0" lvl="0" indent="0" algn="l" rtl="0">
               <a:spcBef>
                 <a:spcPts val="0"/>
               </a:spcBef>
@@ -8180,9 +7770,6 @@
               </a:spcAft>
               <a:buNone/>
             </a:pPr>
-            <a:r>
-              <a:t/>
-            </a:r>
             <a:endParaRPr sz="1200">
               <a:solidFill>
                 <a:srgbClr val="2D3B45"/>
@@ -8193,7 +7780,7 @@
             </a:endParaRPr>
           </a:p>
           <a:p>
-            <a:pPr indent="0" lvl="0" marL="0" rtl="0" algn="l">
+            <a:pPr marL="0" lvl="0" indent="0" algn="l" rtl="0">
               <a:spcBef>
                 <a:spcPts val="1000"/>
               </a:spcBef>
@@ -8202,9 +7789,6 @@
               </a:spcAft>
               <a:buNone/>
             </a:pPr>
-            <a:r>
-              <a:t/>
-            </a:r>
             <a:endParaRPr sz="1200">
               <a:solidFill>
                 <a:srgbClr val="2D3B45"/>
@@ -8232,8 +7816,8 @@
         </p:blipFill>
         <p:spPr>
           <a:xfrm>
-            <a:off x="4288563" y="733413"/>
-            <a:ext cx="4581525" cy="4410075"/>
+            <a:off x="4612460" y="1076241"/>
+            <a:ext cx="4257628" cy="4067247"/>
           </a:xfrm>
           <a:prstGeom prst="rect">
             <a:avLst/>
@@ -8281,11 +7865,11 @@
 </file>
 
 <file path=ppt/slides/slide6.xml><?xml version="1.0" encoding="utf-8"?>
-<p:sld xmlns:a="http://schemas.openxmlformats.org/drawingml/2006/main" xmlns:r="http://schemas.openxmlformats.org/officeDocument/2006/relationships" xmlns:mc="http://schemas.openxmlformats.org/markup-compatibility/2006" xmlns:mv="urn:schemas-microsoft-com:mac:vml" xmlns:p="http://schemas.openxmlformats.org/presentationml/2006/main" xmlns:c="http://schemas.openxmlformats.org/drawingml/2006/chart" xmlns:dgm="http://schemas.openxmlformats.org/drawingml/2006/diagram" xmlns:o="urn:schemas-microsoft-com:office:office" xmlns:v="urn:schemas-microsoft-com:vml" xmlns:pvml="urn:schemas-microsoft-com:office:powerpoint" xmlns:com="http://schemas.openxmlformats.org/drawingml/2006/compatibility" xmlns:p14="http://schemas.microsoft.com/office/powerpoint/2010/main" xmlns:p15="http://schemas.microsoft.com/office/powerpoint/2012/main">
+<p:sld xmlns:a="http://schemas.openxmlformats.org/drawingml/2006/main" xmlns:r="http://schemas.openxmlformats.org/officeDocument/2006/relationships" xmlns:p="http://schemas.openxmlformats.org/presentationml/2006/main">
   <p:cSld>
     <p:spTree>
       <p:nvGrpSpPr>
-        <p:cNvPr id="85" name="Shape 85"/>
+        <p:cNvPr id="1" name="Shape 85"/>
         <p:cNvGrpSpPr/>
         <p:nvPr/>
       </p:nvGrpSpPr>
@@ -8300,7 +7884,9 @@
       <p:sp>
         <p:nvSpPr>
           <p:cNvPr id="86" name="Google Shape;86;p18"/>
-          <p:cNvSpPr txBox="1"/>
+          <p:cNvSpPr txBox="1">
+            <a:spLocks noGrp="1"/>
+          </p:cNvSpPr>
           <p:nvPr>
             <p:ph type="title"/>
           </p:nvPr>
@@ -8315,12 +7901,12 @@
           </a:prstGeom>
         </p:spPr>
         <p:txBody>
-          <a:bodyPr anchorCtr="0" anchor="t" bIns="91425" lIns="91425" spcFirstLastPara="1" rIns="91425" wrap="square" tIns="91425">
+          <a:bodyPr spcFirstLastPara="1" wrap="square" lIns="91425" tIns="91425" rIns="91425" bIns="91425" anchor="t" anchorCtr="0">
             <a:noAutofit/>
           </a:bodyPr>
           <a:lstStyle/>
           <a:p>
-            <a:pPr indent="0" lvl="0" marL="0" rtl="0" algn="l">
+            <a:pPr marL="0" lvl="0" indent="0" algn="l" rtl="0">
               <a:spcBef>
                 <a:spcPts val="0"/>
               </a:spcBef>
@@ -8330,19 +7916,25 @@
               <a:buNone/>
             </a:pPr>
             <a:r>
-              <a:rPr lang="en"/>
-              <a:t>Replication Efforts</a:t>
+              <a:rPr lang="en" dirty="0"/>
+              <a:t>Replication Efforts – </a:t>
             </a:r>
-            <a:endParaRPr/>
+            <a:r>
+              <a:rPr lang="en-US" dirty="0"/>
+              <a:t>Figure 4</a:t>
+            </a:r>
+            <a:endParaRPr dirty="0"/>
           </a:p>
         </p:txBody>
       </p:sp>
       <p:sp>
         <p:nvSpPr>
           <p:cNvPr id="87" name="Google Shape;87;p18"/>
-          <p:cNvSpPr txBox="1"/>
+          <p:cNvSpPr txBox="1">
+            <a:spLocks noGrp="1"/>
+          </p:cNvSpPr>
           <p:nvPr>
-            <p:ph idx="1" type="body"/>
+            <p:ph type="body" idx="1"/>
           </p:nvPr>
         </p:nvSpPr>
         <p:spPr>
@@ -8355,12 +7947,12 @@
           </a:prstGeom>
         </p:spPr>
         <p:txBody>
-          <a:bodyPr anchorCtr="0" anchor="t" bIns="91425" lIns="91425" spcFirstLastPara="1" rIns="91425" wrap="square" tIns="91425">
+          <a:bodyPr spcFirstLastPara="1" wrap="square" lIns="91425" tIns="91425" rIns="91425" bIns="91425" anchor="t" anchorCtr="0">
             <a:noAutofit/>
           </a:bodyPr>
           <a:lstStyle/>
           <a:p>
-            <a:pPr indent="0" lvl="0" marL="457200" rtl="0" algn="l">
+            <a:pPr marL="457200" lvl="0" indent="0" algn="l" rtl="0">
               <a:spcBef>
                 <a:spcPts val="0"/>
               </a:spcBef>
@@ -8369,9 +7961,6 @@
               </a:spcAft>
               <a:buNone/>
             </a:pPr>
-            <a:r>
-              <a:t/>
-            </a:r>
             <a:endParaRPr/>
           </a:p>
         </p:txBody>
@@ -8411,17 +8000,14 @@
           <p:nvPr/>
         </p:nvPicPr>
         <p:blipFill>
-          <a:blip r:embed="rId4">
-            <a:alphaModFix/>
-          </a:blip>
-          <a:stretch>
-            <a:fillRect/>
-          </a:stretch>
+          <a:blip r:embed="rId4"/>
+          <a:srcRect/>
+          <a:stretch/>
         </p:blipFill>
         <p:spPr>
           <a:xfrm>
-            <a:off x="109400" y="2113175"/>
-            <a:ext cx="3985075" cy="3030324"/>
+            <a:off x="109400" y="2221066"/>
+            <a:ext cx="3985075" cy="2814541"/>
           </a:xfrm>
           <a:prstGeom prst="rect">
             <a:avLst/>
@@ -8441,11 +8027,11 @@
 </file>
 
 <file path=ppt/slides/slide7.xml><?xml version="1.0" encoding="utf-8"?>
-<p:sld xmlns:a="http://schemas.openxmlformats.org/drawingml/2006/main" xmlns:r="http://schemas.openxmlformats.org/officeDocument/2006/relationships" xmlns:mc="http://schemas.openxmlformats.org/markup-compatibility/2006" xmlns:mv="urn:schemas-microsoft-com:mac:vml" xmlns:p="http://schemas.openxmlformats.org/presentationml/2006/main" xmlns:c="http://schemas.openxmlformats.org/drawingml/2006/chart" xmlns:dgm="http://schemas.openxmlformats.org/drawingml/2006/diagram" xmlns:o="urn:schemas-microsoft-com:office:office" xmlns:v="urn:schemas-microsoft-com:vml" xmlns:pvml="urn:schemas-microsoft-com:office:powerpoint" xmlns:com="http://schemas.openxmlformats.org/drawingml/2006/compatibility" xmlns:p14="http://schemas.microsoft.com/office/powerpoint/2010/main" xmlns:p15="http://schemas.microsoft.com/office/powerpoint/2012/main">
+<p:sld xmlns:a="http://schemas.openxmlformats.org/drawingml/2006/main" xmlns:r="http://schemas.openxmlformats.org/officeDocument/2006/relationships" xmlns:p="http://schemas.openxmlformats.org/presentationml/2006/main">
   <p:cSld>
     <p:spTree>
       <p:nvGrpSpPr>
-        <p:cNvPr id="93" name="Shape 93"/>
+        <p:cNvPr id="1" name="Shape 93"/>
         <p:cNvGrpSpPr/>
         <p:nvPr/>
       </p:nvGrpSpPr>
@@ -8460,7 +8046,9 @@
       <p:sp>
         <p:nvSpPr>
           <p:cNvPr id="94" name="Google Shape;94;p19"/>
-          <p:cNvSpPr txBox="1"/>
+          <p:cNvSpPr txBox="1">
+            <a:spLocks noGrp="1"/>
+          </p:cNvSpPr>
           <p:nvPr>
             <p:ph type="title"/>
           </p:nvPr>
@@ -8475,12 +8063,12 @@
           </a:prstGeom>
         </p:spPr>
         <p:txBody>
-          <a:bodyPr anchorCtr="0" anchor="t" bIns="91425" lIns="91425" spcFirstLastPara="1" rIns="91425" wrap="square" tIns="91425">
+          <a:bodyPr spcFirstLastPara="1" wrap="square" lIns="91425" tIns="91425" rIns="91425" bIns="91425" anchor="t" anchorCtr="0">
             <a:noAutofit/>
           </a:bodyPr>
           <a:lstStyle/>
           <a:p>
-            <a:pPr indent="0" lvl="0" marL="0" rtl="0" algn="l">
+            <a:pPr marL="0" lvl="0" indent="0" algn="l" rtl="0">
               <a:spcBef>
                 <a:spcPts val="0"/>
               </a:spcBef>
@@ -8490,19 +8078,25 @@
               <a:buNone/>
             </a:pPr>
             <a:r>
-              <a:rPr lang="en"/>
-              <a:t>Replication Efforts</a:t>
+              <a:rPr lang="en" dirty="0"/>
+              <a:t>Replication Efforts – </a:t>
             </a:r>
-            <a:endParaRPr/>
+            <a:r>
+              <a:rPr lang="en-US" dirty="0"/>
+              <a:t>Figure 6</a:t>
+            </a:r>
+            <a:endParaRPr dirty="0"/>
           </a:p>
         </p:txBody>
       </p:sp>
       <p:sp>
         <p:nvSpPr>
           <p:cNvPr id="95" name="Google Shape;95;p19"/>
-          <p:cNvSpPr txBox="1"/>
+          <p:cNvSpPr txBox="1">
+            <a:spLocks noGrp="1"/>
+          </p:cNvSpPr>
           <p:nvPr>
-            <p:ph idx="1" type="body"/>
+            <p:ph type="body" idx="1"/>
           </p:nvPr>
         </p:nvSpPr>
         <p:spPr>
@@ -8515,12 +8109,12 @@
           </a:prstGeom>
         </p:spPr>
         <p:txBody>
-          <a:bodyPr anchorCtr="0" anchor="t" bIns="91425" lIns="91425" spcFirstLastPara="1" rIns="91425" wrap="square" tIns="91425">
+          <a:bodyPr spcFirstLastPara="1" wrap="square" lIns="91425" tIns="91425" rIns="91425" bIns="91425" anchor="t" anchorCtr="0">
             <a:noAutofit/>
           </a:bodyPr>
           <a:lstStyle/>
           <a:p>
-            <a:pPr indent="0" lvl="0" marL="457200" rtl="0" algn="l">
+            <a:pPr marL="457200" lvl="0" indent="0" algn="l" rtl="0">
               <a:spcBef>
                 <a:spcPts val="0"/>
               </a:spcBef>
@@ -8529,9 +8123,6 @@
               </a:spcAft>
               <a:buNone/>
             </a:pPr>
-            <a:r>
-              <a:t/>
-            </a:r>
             <a:endParaRPr/>
           </a:p>
         </p:txBody>
@@ -8552,8 +8143,8 @@
         </p:blipFill>
         <p:spPr>
           <a:xfrm>
-            <a:off x="5118751" y="1221800"/>
-            <a:ext cx="4025243" cy="3991026"/>
+            <a:off x="5008970" y="1100419"/>
+            <a:ext cx="3965091" cy="3921700"/>
           </a:xfrm>
           <a:prstGeom prst="rect">
             <a:avLst/>
@@ -8571,17 +8162,14 @@
           <p:nvPr/>
         </p:nvPicPr>
         <p:blipFill>
-          <a:blip r:embed="rId4">
-            <a:alphaModFix/>
-          </a:blip>
-          <a:stretch>
-            <a:fillRect/>
-          </a:stretch>
+          <a:blip r:embed="rId4"/>
+          <a:srcRect/>
+          <a:stretch/>
         </p:blipFill>
         <p:spPr>
           <a:xfrm>
-            <a:off x="311700" y="1252463"/>
-            <a:ext cx="4807051" cy="3216425"/>
+            <a:off x="536828" y="1252463"/>
+            <a:ext cx="4356794" cy="3216425"/>
           </a:xfrm>
           <a:prstGeom prst="rect">
             <a:avLst/>
@@ -8601,11 +8189,11 @@
 </file>
 
 <file path=ppt/slides/slide8.xml><?xml version="1.0" encoding="utf-8"?>
-<p:sld xmlns:a="http://schemas.openxmlformats.org/drawingml/2006/main" xmlns:r="http://schemas.openxmlformats.org/officeDocument/2006/relationships" xmlns:mc="http://schemas.openxmlformats.org/markup-compatibility/2006" xmlns:mv="urn:schemas-microsoft-com:mac:vml" xmlns:p="http://schemas.openxmlformats.org/presentationml/2006/main" xmlns:c="http://schemas.openxmlformats.org/drawingml/2006/chart" xmlns:dgm="http://schemas.openxmlformats.org/drawingml/2006/diagram" xmlns:o="urn:schemas-microsoft-com:office:office" xmlns:v="urn:schemas-microsoft-com:vml" xmlns:pvml="urn:schemas-microsoft-com:office:powerpoint" xmlns:com="http://schemas.openxmlformats.org/drawingml/2006/compatibility" xmlns:p14="http://schemas.microsoft.com/office/powerpoint/2010/main" xmlns:p15="http://schemas.microsoft.com/office/powerpoint/2012/main">
+<p:sld xmlns:a="http://schemas.openxmlformats.org/drawingml/2006/main" xmlns:r="http://schemas.openxmlformats.org/officeDocument/2006/relationships" xmlns:p="http://schemas.openxmlformats.org/presentationml/2006/main">
   <p:cSld>
     <p:spTree>
       <p:nvGrpSpPr>
-        <p:cNvPr id="101" name="Shape 101"/>
+        <p:cNvPr id="1" name="Shape 101"/>
         <p:cNvGrpSpPr/>
         <p:nvPr/>
       </p:nvGrpSpPr>
@@ -8620,7 +8208,9 @@
       <p:sp>
         <p:nvSpPr>
           <p:cNvPr id="102" name="Google Shape;102;p20"/>
-          <p:cNvSpPr txBox="1"/>
+          <p:cNvSpPr txBox="1">
+            <a:spLocks noGrp="1"/>
+          </p:cNvSpPr>
           <p:nvPr>
             <p:ph type="title"/>
           </p:nvPr>
@@ -8635,12 +8225,12 @@
           </a:prstGeom>
         </p:spPr>
         <p:txBody>
-          <a:bodyPr anchorCtr="0" anchor="t" bIns="91425" lIns="91425" spcFirstLastPara="1" rIns="91425" wrap="square" tIns="91425">
+          <a:bodyPr spcFirstLastPara="1" wrap="square" lIns="91425" tIns="91425" rIns="91425" bIns="91425" anchor="t" anchorCtr="0">
             <a:noAutofit/>
           </a:bodyPr>
           <a:lstStyle/>
           <a:p>
-            <a:pPr indent="0" lvl="0" marL="0" rtl="0" algn="l">
+            <a:pPr marL="0" lvl="0" indent="0" algn="l" rtl="0">
               <a:spcBef>
                 <a:spcPts val="0"/>
               </a:spcBef>
@@ -8650,19 +8240,25 @@
               <a:buNone/>
             </a:pPr>
             <a:r>
-              <a:rPr lang="en"/>
-              <a:t>Replication Efforts</a:t>
+              <a:rPr lang="en" dirty="0"/>
+              <a:t>Replication Efforts – </a:t>
             </a:r>
-            <a:endParaRPr/>
+            <a:r>
+              <a:rPr lang="en-US" dirty="0"/>
+              <a:t>Figure 7</a:t>
+            </a:r>
+            <a:endParaRPr dirty="0"/>
           </a:p>
         </p:txBody>
       </p:sp>
       <p:sp>
         <p:nvSpPr>
           <p:cNvPr id="103" name="Google Shape;103;p20"/>
-          <p:cNvSpPr txBox="1"/>
+          <p:cNvSpPr txBox="1">
+            <a:spLocks noGrp="1"/>
+          </p:cNvSpPr>
           <p:nvPr>
-            <p:ph idx="1" type="body"/>
+            <p:ph type="body" idx="1"/>
           </p:nvPr>
         </p:nvSpPr>
         <p:spPr>
@@ -8675,12 +8271,12 @@
           </a:prstGeom>
         </p:spPr>
         <p:txBody>
-          <a:bodyPr anchorCtr="0" anchor="t" bIns="91425" lIns="91425" spcFirstLastPara="1" rIns="91425" wrap="square" tIns="91425">
+          <a:bodyPr spcFirstLastPara="1" wrap="square" lIns="91425" tIns="91425" rIns="91425" bIns="91425" anchor="t" anchorCtr="0">
             <a:noAutofit/>
           </a:bodyPr>
           <a:lstStyle/>
           <a:p>
-            <a:pPr indent="0" lvl="0" marL="0" rtl="0" algn="l">
+            <a:pPr marL="0" lvl="0" indent="0" algn="l" rtl="0">
               <a:spcBef>
                 <a:spcPts val="0"/>
               </a:spcBef>
@@ -8689,9 +8285,6 @@
               </a:spcAft>
               <a:buNone/>
             </a:pPr>
-            <a:r>
-              <a:t/>
-            </a:r>
             <a:endParaRPr sz="1200">
               <a:solidFill>
                 <a:srgbClr val="2D3B45"/>
@@ -8738,17 +8331,14 @@
           <p:nvPr/>
         </p:nvPicPr>
         <p:blipFill>
-          <a:blip r:embed="rId4">
-            <a:alphaModFix/>
-          </a:blip>
-          <a:stretch>
-            <a:fillRect/>
-          </a:stretch>
+          <a:blip r:embed="rId4"/>
+          <a:srcRect/>
+          <a:stretch/>
         </p:blipFill>
         <p:spPr>
           <a:xfrm>
-            <a:off x="311700" y="1566625"/>
-            <a:ext cx="4337326" cy="3244149"/>
+            <a:off x="311700" y="1608847"/>
+            <a:ext cx="4337326" cy="3159705"/>
           </a:xfrm>
           <a:prstGeom prst="rect">
             <a:avLst/>
@@ -8768,11 +8358,11 @@
 </file>
 
 <file path=ppt/slides/slide9.xml><?xml version="1.0" encoding="utf-8"?>
-<p:sld xmlns:a="http://schemas.openxmlformats.org/drawingml/2006/main" xmlns:r="http://schemas.openxmlformats.org/officeDocument/2006/relationships" xmlns:mc="http://schemas.openxmlformats.org/markup-compatibility/2006" xmlns:mv="urn:schemas-microsoft-com:mac:vml" xmlns:p="http://schemas.openxmlformats.org/presentationml/2006/main" xmlns:c="http://schemas.openxmlformats.org/drawingml/2006/chart" xmlns:dgm="http://schemas.openxmlformats.org/drawingml/2006/diagram" xmlns:o="urn:schemas-microsoft-com:office:office" xmlns:v="urn:schemas-microsoft-com:vml" xmlns:pvml="urn:schemas-microsoft-com:office:powerpoint" xmlns:com="http://schemas.openxmlformats.org/drawingml/2006/compatibility" xmlns:p14="http://schemas.microsoft.com/office/powerpoint/2010/main" xmlns:p15="http://schemas.microsoft.com/office/powerpoint/2012/main">
+<p:sld xmlns:a="http://schemas.openxmlformats.org/drawingml/2006/main" xmlns:r="http://schemas.openxmlformats.org/officeDocument/2006/relationships" xmlns:p="http://schemas.openxmlformats.org/presentationml/2006/main">
   <p:cSld>
     <p:spTree>
       <p:nvGrpSpPr>
-        <p:cNvPr id="109" name="Shape 109"/>
+        <p:cNvPr id="1" name="Shape 109"/>
         <p:cNvGrpSpPr/>
         <p:nvPr/>
       </p:nvGrpSpPr>
@@ -8787,7 +8377,9 @@
       <p:sp>
         <p:nvSpPr>
           <p:cNvPr id="110" name="Google Shape;110;p21"/>
-          <p:cNvSpPr txBox="1"/>
+          <p:cNvSpPr txBox="1">
+            <a:spLocks noGrp="1"/>
+          </p:cNvSpPr>
           <p:nvPr>
             <p:ph type="title"/>
           </p:nvPr>
@@ -8802,12 +8394,12 @@
           </a:prstGeom>
         </p:spPr>
         <p:txBody>
-          <a:bodyPr anchorCtr="0" anchor="t" bIns="91425" lIns="91425" spcFirstLastPara="1" rIns="91425" wrap="square" tIns="91425">
+          <a:bodyPr spcFirstLastPara="1" wrap="square" lIns="91425" tIns="91425" rIns="91425" bIns="91425" anchor="t" anchorCtr="0">
             <a:noAutofit/>
           </a:bodyPr>
           <a:lstStyle/>
           <a:p>
-            <a:pPr indent="0" lvl="0" marL="0" rtl="0" algn="l">
+            <a:pPr marL="0" lvl="0" indent="0" algn="l" rtl="0">
               <a:spcBef>
                 <a:spcPts val="0"/>
               </a:spcBef>
@@ -8817,19 +8409,25 @@
               <a:buNone/>
             </a:pPr>
             <a:r>
-              <a:rPr lang="en"/>
-              <a:t>Replication Efforts</a:t>
+              <a:rPr lang="en" dirty="0"/>
+              <a:t>Replication Efforts – </a:t>
             </a:r>
-            <a:endParaRPr/>
+            <a:r>
+              <a:rPr lang="en-US" dirty="0"/>
+              <a:t>Figure 9</a:t>
+            </a:r>
+            <a:endParaRPr dirty="0"/>
           </a:p>
         </p:txBody>
       </p:sp>
       <p:sp>
         <p:nvSpPr>
           <p:cNvPr id="111" name="Google Shape;111;p21"/>
-          <p:cNvSpPr txBox="1"/>
+          <p:cNvSpPr txBox="1">
+            <a:spLocks noGrp="1"/>
+          </p:cNvSpPr>
           <p:nvPr>
-            <p:ph idx="1" type="body"/>
+            <p:ph type="body" idx="1"/>
           </p:nvPr>
         </p:nvSpPr>
         <p:spPr>
@@ -8842,12 +8440,12 @@
           </a:prstGeom>
         </p:spPr>
         <p:txBody>
-          <a:bodyPr anchorCtr="0" anchor="t" bIns="91425" lIns="91425" spcFirstLastPara="1" rIns="91425" wrap="square" tIns="91425">
+          <a:bodyPr spcFirstLastPara="1" wrap="square" lIns="91425" tIns="91425" rIns="91425" bIns="91425" anchor="t" anchorCtr="0">
             <a:noAutofit/>
           </a:bodyPr>
           <a:lstStyle/>
           <a:p>
-            <a:pPr indent="0" lvl="0" marL="0" rtl="0" algn="l">
+            <a:pPr marL="0" lvl="0" indent="0" algn="l" rtl="0">
               <a:spcBef>
                 <a:spcPts val="0"/>
               </a:spcBef>
@@ -8856,9 +8454,6 @@
               </a:spcAft>
               <a:buNone/>
             </a:pPr>
-            <a:r>
-              <a:t/>
-            </a:r>
             <a:endParaRPr sz="1200">
               <a:solidFill>
                 <a:srgbClr val="2D3B45"/>
@@ -8869,7 +8464,7 @@
             </a:endParaRPr>
           </a:p>
           <a:p>
-            <a:pPr indent="0" lvl="0" marL="457200" rtl="0" algn="l">
+            <a:pPr marL="457200" lvl="0" indent="0" algn="l" rtl="0">
               <a:spcBef>
                 <a:spcPts val="1000"/>
               </a:spcBef>
@@ -8878,9 +8473,6 @@
               </a:spcAft>
               <a:buNone/>
             </a:pPr>
-            <a:r>
-              <a:t/>
-            </a:r>
             <a:endParaRPr sz="1200">
               <a:solidFill>
                 <a:srgbClr val="2D3B45"/>
@@ -8927,17 +8519,14 @@
           <p:nvPr/>
         </p:nvPicPr>
         <p:blipFill>
-          <a:blip r:embed="rId4">
-            <a:alphaModFix/>
-          </a:blip>
-          <a:stretch>
-            <a:fillRect/>
-          </a:stretch>
+          <a:blip r:embed="rId4"/>
+          <a:srcRect/>
+          <a:stretch/>
         </p:blipFill>
         <p:spPr>
           <a:xfrm>
-            <a:off x="0" y="1247750"/>
-            <a:ext cx="4981750" cy="3895751"/>
+            <a:off x="0" y="1395427"/>
+            <a:ext cx="4981750" cy="3600396"/>
           </a:xfrm>
           <a:prstGeom prst="rect">
             <a:avLst/>
@@ -8957,7 +8546,288 @@
 </file>
 
 <file path=ppt/theme/theme1.xml><?xml version="1.0" encoding="utf-8"?>
-<a:theme xmlns:a="http://schemas.openxmlformats.org/drawingml/2006/main" xmlns:r="http://schemas.openxmlformats.org/officeDocument/2006/relationships">
+<a:theme xmlns:a="http://schemas.openxmlformats.org/drawingml/2006/main" name="Simple Light">
+  <a:themeElements>
+    <a:clrScheme name="Simple Light">
+      <a:dk1>
+        <a:srgbClr val="000000"/>
+      </a:dk1>
+      <a:lt1>
+        <a:srgbClr val="FFFFFF"/>
+      </a:lt1>
+      <a:dk2>
+        <a:srgbClr val="595959"/>
+      </a:dk2>
+      <a:lt2>
+        <a:srgbClr val="EEEEEE"/>
+      </a:lt2>
+      <a:accent1>
+        <a:srgbClr val="FFAB40"/>
+      </a:accent1>
+      <a:accent2>
+        <a:srgbClr val="212121"/>
+      </a:accent2>
+      <a:accent3>
+        <a:srgbClr val="78909C"/>
+      </a:accent3>
+      <a:accent4>
+        <a:srgbClr val="FFAB40"/>
+      </a:accent4>
+      <a:accent5>
+        <a:srgbClr val="0097A7"/>
+      </a:accent5>
+      <a:accent6>
+        <a:srgbClr val="EEFF41"/>
+      </a:accent6>
+      <a:hlink>
+        <a:srgbClr val="0097A7"/>
+      </a:hlink>
+      <a:folHlink>
+        <a:srgbClr val="0097A7"/>
+      </a:folHlink>
+    </a:clrScheme>
+    <a:fontScheme name="Office">
+      <a:majorFont>
+        <a:latin typeface="Arial"/>
+        <a:ea typeface=""/>
+        <a:cs typeface=""/>
+        <a:font script="Jpan" typeface="ＭＳ Ｐゴシック"/>
+        <a:font script="Hang" typeface="맑은 고딕"/>
+        <a:font script="Hans" typeface="宋体"/>
+        <a:font script="Hant" typeface="新細明體"/>
+        <a:font script="Arab" typeface="Times New Roman"/>
+        <a:font script="Hebr" typeface="Times New Roman"/>
+        <a:font script="Thai" typeface="Angsana New"/>
+        <a:font script="Ethi" typeface="Nyala"/>
+        <a:font script="Beng" typeface="Vrinda"/>
+        <a:font script="Gujr" typeface="Shruti"/>
+        <a:font script="Khmr" typeface="MoolBoran"/>
+        <a:font script="Knda" typeface="Tunga"/>
+        <a:font script="Guru" typeface="Raavi"/>
+        <a:font script="Cans" typeface="Euphemia"/>
+        <a:font script="Cher" typeface="Plantagenet Cherokee"/>
+        <a:font script="Yiii" typeface="Microsoft Yi Baiti"/>
+        <a:font script="Tibt" typeface="Microsoft Himalaya"/>
+        <a:font script="Thaa" typeface="MV Boli"/>
+        <a:font script="Deva" typeface="Mangal"/>
+        <a:font script="Telu" typeface="Gautami"/>
+        <a:font script="Taml" typeface="Latha"/>
+        <a:font script="Syrc" typeface="Estrangelo Edessa"/>
+        <a:font script="Orya" typeface="Kalinga"/>
+        <a:font script="Mlym" typeface="Kartika"/>
+        <a:font script="Laoo" typeface="DokChampa"/>
+        <a:font script="Sinh" typeface="Iskoola Pota"/>
+        <a:font script="Mong" typeface="Mongolian Baiti"/>
+        <a:font script="Viet" typeface="Times New Roman"/>
+        <a:font script="Uigh" typeface="Microsoft Uighur"/>
+        <a:font script="Geor" typeface="Sylfaen"/>
+      </a:majorFont>
+      <a:minorFont>
+        <a:latin typeface="Arial"/>
+        <a:ea typeface=""/>
+        <a:cs typeface=""/>
+        <a:font script="Jpan" typeface="ＭＳ Ｐゴシック"/>
+        <a:font script="Hang" typeface="맑은 고딕"/>
+        <a:font script="Hans" typeface="宋体"/>
+        <a:font script="Hant" typeface="新細明體"/>
+        <a:font script="Arab" typeface="Arial"/>
+        <a:font script="Hebr" typeface="Arial"/>
+        <a:font script="Thai" typeface="Cordia New"/>
+        <a:font script="Ethi" typeface="Nyala"/>
+        <a:font script="Beng" typeface="Vrinda"/>
+        <a:font script="Gujr" typeface="Shruti"/>
+        <a:font script="Khmr" typeface="DaunPenh"/>
+        <a:font script="Knda" typeface="Tunga"/>
+        <a:font script="Guru" typeface="Raavi"/>
+        <a:font script="Cans" typeface="Euphemia"/>
+        <a:font script="Cher" typeface="Plantagenet Cherokee"/>
+        <a:font script="Yiii" typeface="Microsoft Yi Baiti"/>
+        <a:font script="Tibt" typeface="Microsoft Himalaya"/>
+        <a:font script="Thaa" typeface="MV Boli"/>
+        <a:font script="Deva" typeface="Mangal"/>
+        <a:font script="Telu" typeface="Gautami"/>
+        <a:font script="Taml" typeface="Latha"/>
+        <a:font script="Syrc" typeface="Estrangelo Edessa"/>
+        <a:font script="Orya" typeface="Kalinga"/>
+        <a:font script="Mlym" typeface="Kartika"/>
+        <a:font script="Laoo" typeface="DokChampa"/>
+        <a:font script="Sinh" typeface="Iskoola Pota"/>
+        <a:font script="Mong" typeface="Mongolian Baiti"/>
+        <a:font script="Viet" typeface="Arial"/>
+        <a:font script="Uigh" typeface="Microsoft Uighur"/>
+        <a:font script="Geor" typeface="Sylfaen"/>
+      </a:minorFont>
+    </a:fontScheme>
+    <a:fmtScheme name="Office">
+      <a:fillStyleLst>
+        <a:solidFill>
+          <a:schemeClr val="phClr"/>
+        </a:solidFill>
+        <a:gradFill rotWithShape="1">
+          <a:gsLst>
+            <a:gs pos="0">
+              <a:schemeClr val="phClr">
+                <a:tint val="50000"/>
+                <a:satMod val="300000"/>
+              </a:schemeClr>
+            </a:gs>
+            <a:gs pos="35000">
+              <a:schemeClr val="phClr">
+                <a:tint val="37000"/>
+                <a:satMod val="300000"/>
+              </a:schemeClr>
+            </a:gs>
+            <a:gs pos="100000">
+              <a:schemeClr val="phClr">
+                <a:tint val="15000"/>
+                <a:satMod val="350000"/>
+              </a:schemeClr>
+            </a:gs>
+          </a:gsLst>
+          <a:lin ang="16200000" scaled="1"/>
+        </a:gradFill>
+        <a:gradFill rotWithShape="1">
+          <a:gsLst>
+            <a:gs pos="0">
+              <a:schemeClr val="phClr">
+                <a:tint val="100000"/>
+                <a:shade val="100000"/>
+                <a:satMod val="130000"/>
+              </a:schemeClr>
+            </a:gs>
+            <a:gs pos="100000">
+              <a:schemeClr val="phClr">
+                <a:tint val="50000"/>
+                <a:shade val="100000"/>
+                <a:satMod val="350000"/>
+              </a:schemeClr>
+            </a:gs>
+          </a:gsLst>
+          <a:lin ang="16200000" scaled="0"/>
+        </a:gradFill>
+      </a:fillStyleLst>
+      <a:lnStyleLst>
+        <a:ln w="9525" cap="flat" cmpd="sng" algn="ctr">
+          <a:solidFill>
+            <a:schemeClr val="phClr">
+              <a:shade val="95000"/>
+              <a:satMod val="105000"/>
+            </a:schemeClr>
+          </a:solidFill>
+          <a:prstDash val="solid"/>
+        </a:ln>
+        <a:ln w="25400" cap="flat" cmpd="sng" algn="ctr">
+          <a:solidFill>
+            <a:schemeClr val="phClr"/>
+          </a:solidFill>
+          <a:prstDash val="solid"/>
+        </a:ln>
+        <a:ln w="38100" cap="flat" cmpd="sng" algn="ctr">
+          <a:solidFill>
+            <a:schemeClr val="phClr"/>
+          </a:solidFill>
+          <a:prstDash val="solid"/>
+        </a:ln>
+      </a:lnStyleLst>
+      <a:effectStyleLst>
+        <a:effectStyle>
+          <a:effectLst>
+            <a:outerShdw blurRad="40000" dist="20000" dir="5400000" rotWithShape="0">
+              <a:srgbClr val="000000">
+                <a:alpha val="38000"/>
+              </a:srgbClr>
+            </a:outerShdw>
+          </a:effectLst>
+        </a:effectStyle>
+        <a:effectStyle>
+          <a:effectLst>
+            <a:outerShdw blurRad="40000" dist="23000" dir="5400000" rotWithShape="0">
+              <a:srgbClr val="000000">
+                <a:alpha val="35000"/>
+              </a:srgbClr>
+            </a:outerShdw>
+          </a:effectLst>
+        </a:effectStyle>
+        <a:effectStyle>
+          <a:effectLst>
+            <a:outerShdw blurRad="40000" dist="23000" dir="5400000" rotWithShape="0">
+              <a:srgbClr val="000000">
+                <a:alpha val="35000"/>
+              </a:srgbClr>
+            </a:outerShdw>
+          </a:effectLst>
+          <a:scene3d>
+            <a:camera prst="orthographicFront">
+              <a:rot lat="0" lon="0" rev="0"/>
+            </a:camera>
+            <a:lightRig rig="threePt" dir="t">
+              <a:rot lat="0" lon="0" rev="1200000"/>
+            </a:lightRig>
+          </a:scene3d>
+          <a:sp3d>
+            <a:bevelT w="63500" h="25400"/>
+          </a:sp3d>
+        </a:effectStyle>
+      </a:effectStyleLst>
+      <a:bgFillStyleLst>
+        <a:solidFill>
+          <a:schemeClr val="phClr"/>
+        </a:solidFill>
+        <a:gradFill rotWithShape="1">
+          <a:gsLst>
+            <a:gs pos="0">
+              <a:schemeClr val="phClr">
+                <a:tint val="40000"/>
+                <a:satMod val="350000"/>
+              </a:schemeClr>
+            </a:gs>
+            <a:gs pos="40000">
+              <a:schemeClr val="phClr">
+                <a:tint val="45000"/>
+                <a:shade val="99000"/>
+                <a:satMod val="350000"/>
+              </a:schemeClr>
+            </a:gs>
+            <a:gs pos="100000">
+              <a:schemeClr val="phClr">
+                <a:shade val="20000"/>
+                <a:satMod val="255000"/>
+              </a:schemeClr>
+            </a:gs>
+          </a:gsLst>
+          <a:path path="circle">
+            <a:fillToRect l="50000" t="-80000" r="50000" b="180000"/>
+          </a:path>
+        </a:gradFill>
+        <a:gradFill rotWithShape="1">
+          <a:gsLst>
+            <a:gs pos="0">
+              <a:schemeClr val="phClr">
+                <a:tint val="80000"/>
+                <a:satMod val="300000"/>
+              </a:schemeClr>
+            </a:gs>
+            <a:gs pos="100000">
+              <a:schemeClr val="phClr">
+                <a:shade val="30000"/>
+                <a:satMod val="200000"/>
+              </a:schemeClr>
+            </a:gs>
+          </a:gsLst>
+          <a:path path="circle">
+            <a:fillToRect l="50000" t="50000" r="50000" b="50000"/>
+          </a:path>
+        </a:gradFill>
+      </a:bgFillStyleLst>
+    </a:fmtScheme>
+  </a:themeElements>
+  <a:objectDefaults/>
+  <a:extraClrSchemeLst/>
+</a:theme>
+</file>
+
+<file path=ppt/theme/theme2.xml><?xml version="1.0" encoding="utf-8"?>
+<a:theme xmlns:a="http://schemas.openxmlformats.org/drawingml/2006/main">
   <a:themeElements>
     <a:clrScheme name="Default">
       <a:dk1>
@@ -9232,284 +9102,7 @@
       </a:bgFillStyleLst>
     </a:fmtScheme>
   </a:themeElements>
-</a:theme>
-</file>
-
-<file path=ppt/theme/theme2.xml><?xml version="1.0" encoding="utf-8"?>
-<a:theme xmlns:a="http://schemas.openxmlformats.org/drawingml/2006/main" xmlns:r="http://schemas.openxmlformats.org/officeDocument/2006/relationships" name="Simple Light">
-  <a:themeElements>
-    <a:clrScheme name="Simple Light">
-      <a:dk1>
-        <a:srgbClr val="000000"/>
-      </a:dk1>
-      <a:lt1>
-        <a:srgbClr val="FFFFFF"/>
-      </a:lt1>
-      <a:dk2>
-        <a:srgbClr val="595959"/>
-      </a:dk2>
-      <a:lt2>
-        <a:srgbClr val="EEEEEE"/>
-      </a:lt2>
-      <a:accent1>
-        <a:srgbClr val="FFAB40"/>
-      </a:accent1>
-      <a:accent2>
-        <a:srgbClr val="212121"/>
-      </a:accent2>
-      <a:accent3>
-        <a:srgbClr val="78909C"/>
-      </a:accent3>
-      <a:accent4>
-        <a:srgbClr val="FFAB40"/>
-      </a:accent4>
-      <a:accent5>
-        <a:srgbClr val="0097A7"/>
-      </a:accent5>
-      <a:accent6>
-        <a:srgbClr val="EEFF41"/>
-      </a:accent6>
-      <a:hlink>
-        <a:srgbClr val="0097A7"/>
-      </a:hlink>
-      <a:folHlink>
-        <a:srgbClr val="0097A7"/>
-      </a:folHlink>
-    </a:clrScheme>
-    <a:fontScheme name="Office">
-      <a:majorFont>
-        <a:latin typeface="Arial"/>
-        <a:ea typeface=""/>
-        <a:cs typeface=""/>
-        <a:font script="Jpan" typeface="ＭＳ Ｐゴシック"/>
-        <a:font script="Hang" typeface="맑은 고딕"/>
-        <a:font script="Hans" typeface="宋体"/>
-        <a:font script="Hant" typeface="新細明體"/>
-        <a:font script="Arab" typeface="Times New Roman"/>
-        <a:font script="Hebr" typeface="Times New Roman"/>
-        <a:font script="Thai" typeface="Angsana New"/>
-        <a:font script="Ethi" typeface="Nyala"/>
-        <a:font script="Beng" typeface="Vrinda"/>
-        <a:font script="Gujr" typeface="Shruti"/>
-        <a:font script="Khmr" typeface="MoolBoran"/>
-        <a:font script="Knda" typeface="Tunga"/>
-        <a:font script="Guru" typeface="Raavi"/>
-        <a:font script="Cans" typeface="Euphemia"/>
-        <a:font script="Cher" typeface="Plantagenet Cherokee"/>
-        <a:font script="Yiii" typeface="Microsoft Yi Baiti"/>
-        <a:font script="Tibt" typeface="Microsoft Himalaya"/>
-        <a:font script="Thaa" typeface="MV Boli"/>
-        <a:font script="Deva" typeface="Mangal"/>
-        <a:font script="Telu" typeface="Gautami"/>
-        <a:font script="Taml" typeface="Latha"/>
-        <a:font script="Syrc" typeface="Estrangelo Edessa"/>
-        <a:font script="Orya" typeface="Kalinga"/>
-        <a:font script="Mlym" typeface="Kartika"/>
-        <a:font script="Laoo" typeface="DokChampa"/>
-        <a:font script="Sinh" typeface="Iskoola Pota"/>
-        <a:font script="Mong" typeface="Mongolian Baiti"/>
-        <a:font script="Viet" typeface="Times New Roman"/>
-        <a:font script="Uigh" typeface="Microsoft Uighur"/>
-        <a:font script="Geor" typeface="Sylfaen"/>
-      </a:majorFont>
-      <a:minorFont>
-        <a:latin typeface="Arial"/>
-        <a:ea typeface=""/>
-        <a:cs typeface=""/>
-        <a:font script="Jpan" typeface="ＭＳ Ｐゴシック"/>
-        <a:font script="Hang" typeface="맑은 고딕"/>
-        <a:font script="Hans" typeface="宋体"/>
-        <a:font script="Hant" typeface="新細明體"/>
-        <a:font script="Arab" typeface="Arial"/>
-        <a:font script="Hebr" typeface="Arial"/>
-        <a:font script="Thai" typeface="Cordia New"/>
-        <a:font script="Ethi" typeface="Nyala"/>
-        <a:font script="Beng" typeface="Vrinda"/>
-        <a:font script="Gujr" typeface="Shruti"/>
-        <a:font script="Khmr" typeface="DaunPenh"/>
-        <a:font script="Knda" typeface="Tunga"/>
-        <a:font script="Guru" typeface="Raavi"/>
-        <a:font script="Cans" typeface="Euphemia"/>
-        <a:font script="Cher" typeface="Plantagenet Cherokee"/>
-        <a:font script="Yiii" typeface="Microsoft Yi Baiti"/>
-        <a:font script="Tibt" typeface="Microsoft Himalaya"/>
-        <a:font script="Thaa" typeface="MV Boli"/>
-        <a:font script="Deva" typeface="Mangal"/>
-        <a:font script="Telu" typeface="Gautami"/>
-        <a:font script="Taml" typeface="Latha"/>
-        <a:font script="Syrc" typeface="Estrangelo Edessa"/>
-        <a:font script="Orya" typeface="Kalinga"/>
-        <a:font script="Mlym" typeface="Kartika"/>
-        <a:font script="Laoo" typeface="DokChampa"/>
-        <a:font script="Sinh" typeface="Iskoola Pota"/>
-        <a:font script="Mong" typeface="Mongolian Baiti"/>
-        <a:font script="Viet" typeface="Arial"/>
-        <a:font script="Uigh" typeface="Microsoft Uighur"/>
-        <a:font script="Geor" typeface="Sylfaen"/>
-      </a:minorFont>
-    </a:fontScheme>
-    <a:fmtScheme name="Office">
-      <a:fillStyleLst>
-        <a:solidFill>
-          <a:schemeClr val="phClr"/>
-        </a:solidFill>
-        <a:gradFill rotWithShape="1">
-          <a:gsLst>
-            <a:gs pos="0">
-              <a:schemeClr val="phClr">
-                <a:tint val="50000"/>
-                <a:satMod val="300000"/>
-              </a:schemeClr>
-            </a:gs>
-            <a:gs pos="35000">
-              <a:schemeClr val="phClr">
-                <a:tint val="37000"/>
-                <a:satMod val="300000"/>
-              </a:schemeClr>
-            </a:gs>
-            <a:gs pos="100000">
-              <a:schemeClr val="phClr">
-                <a:tint val="15000"/>
-                <a:satMod val="350000"/>
-              </a:schemeClr>
-            </a:gs>
-          </a:gsLst>
-          <a:lin ang="16200000" scaled="1"/>
-        </a:gradFill>
-        <a:gradFill rotWithShape="1">
-          <a:gsLst>
-            <a:gs pos="0">
-              <a:schemeClr val="phClr">
-                <a:tint val="100000"/>
-                <a:shade val="100000"/>
-                <a:satMod val="130000"/>
-              </a:schemeClr>
-            </a:gs>
-            <a:gs pos="100000">
-              <a:schemeClr val="phClr">
-                <a:tint val="50000"/>
-                <a:shade val="100000"/>
-                <a:satMod val="350000"/>
-              </a:schemeClr>
-            </a:gs>
-          </a:gsLst>
-          <a:lin ang="16200000" scaled="0"/>
-        </a:gradFill>
-      </a:fillStyleLst>
-      <a:lnStyleLst>
-        <a:ln w="9525" cap="flat" cmpd="sng" algn="ctr">
-          <a:solidFill>
-            <a:schemeClr val="phClr">
-              <a:shade val="95000"/>
-              <a:satMod val="105000"/>
-            </a:schemeClr>
-          </a:solidFill>
-          <a:prstDash val="solid"/>
-        </a:ln>
-        <a:ln w="25400" cap="flat" cmpd="sng" algn="ctr">
-          <a:solidFill>
-            <a:schemeClr val="phClr"/>
-          </a:solidFill>
-          <a:prstDash val="solid"/>
-        </a:ln>
-        <a:ln w="38100" cap="flat" cmpd="sng" algn="ctr">
-          <a:solidFill>
-            <a:schemeClr val="phClr"/>
-          </a:solidFill>
-          <a:prstDash val="solid"/>
-        </a:ln>
-      </a:lnStyleLst>
-      <a:effectStyleLst>
-        <a:effectStyle>
-          <a:effectLst>
-            <a:outerShdw blurRad="40000" dist="20000" dir="5400000" rotWithShape="0">
-              <a:srgbClr val="000000">
-                <a:alpha val="38000"/>
-              </a:srgbClr>
-            </a:outerShdw>
-          </a:effectLst>
-        </a:effectStyle>
-        <a:effectStyle>
-          <a:effectLst>
-            <a:outerShdw blurRad="40000" dist="23000" dir="5400000" rotWithShape="0">
-              <a:srgbClr val="000000">
-                <a:alpha val="35000"/>
-              </a:srgbClr>
-            </a:outerShdw>
-          </a:effectLst>
-        </a:effectStyle>
-        <a:effectStyle>
-          <a:effectLst>
-            <a:outerShdw blurRad="40000" dist="23000" dir="5400000" rotWithShape="0">
-              <a:srgbClr val="000000">
-                <a:alpha val="35000"/>
-              </a:srgbClr>
-            </a:outerShdw>
-          </a:effectLst>
-          <a:scene3d>
-            <a:camera prst="orthographicFront">
-              <a:rot lat="0" lon="0" rev="0"/>
-            </a:camera>
-            <a:lightRig rig="threePt" dir="t">
-              <a:rot lat="0" lon="0" rev="1200000"/>
-            </a:lightRig>
-          </a:scene3d>
-          <a:sp3d>
-            <a:bevelT w="63500" h="25400"/>
-          </a:sp3d>
-        </a:effectStyle>
-      </a:effectStyleLst>
-      <a:bgFillStyleLst>
-        <a:solidFill>
-          <a:schemeClr val="phClr"/>
-        </a:solidFill>
-        <a:gradFill rotWithShape="1">
-          <a:gsLst>
-            <a:gs pos="0">
-              <a:schemeClr val="phClr">
-                <a:tint val="40000"/>
-                <a:satMod val="350000"/>
-              </a:schemeClr>
-            </a:gs>
-            <a:gs pos="40000">
-              <a:schemeClr val="phClr">
-                <a:tint val="45000"/>
-                <a:shade val="99000"/>
-                <a:satMod val="350000"/>
-              </a:schemeClr>
-            </a:gs>
-            <a:gs pos="100000">
-              <a:schemeClr val="phClr">
-                <a:shade val="20000"/>
-                <a:satMod val="255000"/>
-              </a:schemeClr>
-            </a:gs>
-          </a:gsLst>
-          <a:path path="circle">
-            <a:fillToRect l="50000" t="-80000" r="50000" b="180000"/>
-          </a:path>
-        </a:gradFill>
-        <a:gradFill rotWithShape="1">
-          <a:gsLst>
-            <a:gs pos="0">
-              <a:schemeClr val="phClr">
-                <a:tint val="80000"/>
-                <a:satMod val="300000"/>
-              </a:schemeClr>
-            </a:gs>
-            <a:gs pos="100000">
-              <a:schemeClr val="phClr">
-                <a:shade val="30000"/>
-                <a:satMod val="200000"/>
-              </a:schemeClr>
-            </a:gs>
-          </a:gsLst>
-          <a:path path="circle">
-            <a:fillToRect l="50000" t="50000" r="50000" b="50000"/>
-          </a:path>
-        </a:gradFill>
-      </a:bgFillStyleLst>
-    </a:fmtScheme>
-  </a:themeElements>
+  <a:objectDefaults/>
+  <a:extraClrSchemeLst/>
 </a:theme>
 </file>